--- a/slides/Unit27_N Queens.pptx
+++ b/slides/Unit27_N Queens.pptx
@@ -5,20 +5,21 @@
     <p:sldMasterId id="2147485087" r:id="rId1"/>
   </p:sldMasterIdLst>
   <p:notesMasterIdLst>
-    <p:notesMasterId r:id="rId10"/>
+    <p:notesMasterId r:id="rId11"/>
   </p:notesMasterIdLst>
   <p:handoutMasterIdLst>
-    <p:handoutMasterId r:id="rId11"/>
+    <p:handoutMasterId r:id="rId12"/>
   </p:handoutMasterIdLst>
   <p:sldIdLst>
     <p:sldId id="256" r:id="rId2"/>
     <p:sldId id="468" r:id="rId3"/>
     <p:sldId id="617" r:id="rId4"/>
-    <p:sldId id="644" r:id="rId5"/>
-    <p:sldId id="642" r:id="rId6"/>
-    <p:sldId id="646" r:id="rId7"/>
-    <p:sldId id="647" r:id="rId8"/>
-    <p:sldId id="526" r:id="rId9"/>
+    <p:sldId id="648" r:id="rId5"/>
+    <p:sldId id="649" r:id="rId6"/>
+    <p:sldId id="642" r:id="rId7"/>
+    <p:sldId id="646" r:id="rId8"/>
+    <p:sldId id="647" r:id="rId9"/>
+    <p:sldId id="526" r:id="rId10"/>
   </p:sldIdLst>
   <p:sldSz cx="9144000" cy="6858000" type="screen4x3"/>
   <p:notesSz cx="7010400" cy="9296400"/>
@@ -183,7 +184,7 @@
 <file path=ppt/revisionInfo.xml><?xml version="1.0" encoding="utf-8"?>
 <p1510:revInfo xmlns:a="http://schemas.openxmlformats.org/drawingml/2006/main" xmlns:r="http://schemas.openxmlformats.org/officeDocument/2006/relationships" xmlns:p1510="http://schemas.microsoft.com/office/powerpoint/2015/10/main">
   <p1510:revLst>
-    <p1510:client id="{A47E4F47-ABA8-478E-99A1-7834840D1F39}" v="39" dt="2021-03-15T05:29:58.129"/>
+    <p1510:client id="{A47E4F47-ABA8-478E-99A1-7834840D1F39}" v="110" dt="2021-03-29T07:50:14.672"/>
   </p1510:revLst>
 </p1510:revInfo>
 </file>
@@ -6470,6 +6471,727 @@
     </pc:docChg>
   </pc:docChgLst>
   <pc:docChgLst>
+    <pc:chgData name="Zhao Jin" userId="cd05a825-544c-438a-9ba1-08e63db50b47" providerId="ADAL" clId="{A47E4F47-ABA8-478E-99A1-7834840D1F39}"/>
+    <pc:docChg chg="undo custSel addSld delSld modSld modMainMaster">
+      <pc:chgData name="Zhao Jin" userId="cd05a825-544c-438a-9ba1-08e63db50b47" providerId="ADAL" clId="{A47E4F47-ABA8-478E-99A1-7834840D1F39}" dt="2021-03-29T07:50:14.672" v="2480" actId="1037"/>
+      <pc:docMkLst>
+        <pc:docMk/>
+      </pc:docMkLst>
+      <pc:sldChg chg="modSp mod">
+        <pc:chgData name="Zhao Jin" userId="cd05a825-544c-438a-9ba1-08e63db50b47" providerId="ADAL" clId="{A47E4F47-ABA8-478E-99A1-7834840D1F39}" dt="2021-03-10T04:12:21.595" v="9" actId="20577"/>
+        <pc:sldMkLst>
+          <pc:docMk/>
+          <pc:sldMk cId="0" sldId="256"/>
+        </pc:sldMkLst>
+        <pc:spChg chg="mod">
+          <ac:chgData name="Zhao Jin" userId="cd05a825-544c-438a-9ba1-08e63db50b47" providerId="ADAL" clId="{A47E4F47-ABA8-478E-99A1-7834840D1F39}" dt="2021-03-10T04:12:19.147" v="1" actId="20577"/>
+          <ac:spMkLst>
+            <pc:docMk/>
+            <pc:sldMk cId="0" sldId="256"/>
+            <ac:spMk id="8" creationId="{00000000-0000-0000-0000-000000000000}"/>
+          </ac:spMkLst>
+        </pc:spChg>
+        <pc:spChg chg="mod">
+          <ac:chgData name="Zhao Jin" userId="cd05a825-544c-438a-9ba1-08e63db50b47" providerId="ADAL" clId="{A47E4F47-ABA8-478E-99A1-7834840D1F39}" dt="2021-03-10T04:12:21.595" v="9" actId="20577"/>
+          <ac:spMkLst>
+            <pc:docMk/>
+            <pc:sldMk cId="0" sldId="256"/>
+            <ac:spMk id="11" creationId="{00000000-0000-0000-0000-000000000000}"/>
+          </ac:spMkLst>
+        </pc:spChg>
+      </pc:sldChg>
+      <pc:sldChg chg="modSp mod">
+        <pc:chgData name="Zhao Jin" userId="cd05a825-544c-438a-9ba1-08e63db50b47" providerId="ADAL" clId="{A47E4F47-ABA8-478E-99A1-7834840D1F39}" dt="2021-03-15T04:51:09.468" v="44" actId="20577"/>
+        <pc:sldMkLst>
+          <pc:docMk/>
+          <pc:sldMk cId="2438607696" sldId="468"/>
+        </pc:sldMkLst>
+        <pc:spChg chg="mod">
+          <ac:chgData name="Zhao Jin" userId="cd05a825-544c-438a-9ba1-08e63db50b47" providerId="ADAL" clId="{A47E4F47-ABA8-478E-99A1-7834840D1F39}" dt="2021-03-10T04:12:38.533" v="30"/>
+          <ac:spMkLst>
+            <pc:docMk/>
+            <pc:sldMk cId="2438607696" sldId="468"/>
+            <ac:spMk id="7" creationId="{00000000-0000-0000-0000-000000000000}"/>
+          </ac:spMkLst>
+        </pc:spChg>
+        <pc:spChg chg="mod">
+          <ac:chgData name="Zhao Jin" userId="cd05a825-544c-438a-9ba1-08e63db50b47" providerId="ADAL" clId="{A47E4F47-ABA8-478E-99A1-7834840D1F39}" dt="2021-03-10T04:12:31.051" v="29" actId="20577"/>
+          <ac:spMkLst>
+            <pc:docMk/>
+            <pc:sldMk cId="2438607696" sldId="468"/>
+            <ac:spMk id="14338" creationId="{00000000-0000-0000-0000-000000000000}"/>
+          </ac:spMkLst>
+        </pc:spChg>
+        <pc:spChg chg="mod">
+          <ac:chgData name="Zhao Jin" userId="cd05a825-544c-438a-9ba1-08e63db50b47" providerId="ADAL" clId="{A47E4F47-ABA8-478E-99A1-7834840D1F39}" dt="2021-03-15T04:51:09.468" v="44" actId="20577"/>
+          <ac:spMkLst>
+            <pc:docMk/>
+            <pc:sldMk cId="2438607696" sldId="468"/>
+            <ac:spMk id="14339" creationId="{00000000-0000-0000-0000-000000000000}"/>
+          </ac:spMkLst>
+        </pc:spChg>
+      </pc:sldChg>
+      <pc:sldChg chg="modSp mod">
+        <pc:chgData name="Zhao Jin" userId="cd05a825-544c-438a-9ba1-08e63db50b47" providerId="ADAL" clId="{A47E4F47-ABA8-478E-99A1-7834840D1F39}" dt="2021-03-22T05:12:59.816" v="1824" actId="15"/>
+        <pc:sldMkLst>
+          <pc:docMk/>
+          <pc:sldMk cId="1067695719" sldId="526"/>
+        </pc:sldMkLst>
+        <pc:spChg chg="mod">
+          <ac:chgData name="Zhao Jin" userId="cd05a825-544c-438a-9ba1-08e63db50b47" providerId="ADAL" clId="{A47E4F47-ABA8-478E-99A1-7834840D1F39}" dt="2021-03-22T05:12:59.816" v="1824" actId="15"/>
+          <ac:spMkLst>
+            <pc:docMk/>
+            <pc:sldMk cId="1067695719" sldId="526"/>
+            <ac:spMk id="13" creationId="{00000000-0000-0000-0000-000000000000}"/>
+          </ac:spMkLst>
+        </pc:spChg>
+        <pc:spChg chg="mod">
+          <ac:chgData name="Zhao Jin" userId="cd05a825-544c-438a-9ba1-08e63db50b47" providerId="ADAL" clId="{A47E4F47-ABA8-478E-99A1-7834840D1F39}" dt="2021-03-10T04:12:38.533" v="30"/>
+          <ac:spMkLst>
+            <pc:docMk/>
+            <pc:sldMk cId="1067695719" sldId="526"/>
+            <ac:spMk id="43" creationId="{00000000-0000-0000-0000-000000000000}"/>
+          </ac:spMkLst>
+        </pc:spChg>
+      </pc:sldChg>
+      <pc:sldChg chg="modSp del">
+        <pc:chgData name="Zhao Jin" userId="cd05a825-544c-438a-9ba1-08e63db50b47" providerId="ADAL" clId="{A47E4F47-ABA8-478E-99A1-7834840D1F39}" dt="2021-03-15T05:07:19.374" v="45" actId="47"/>
+        <pc:sldMkLst>
+          <pc:docMk/>
+          <pc:sldMk cId="1427618944" sldId="553"/>
+        </pc:sldMkLst>
+        <pc:spChg chg="mod">
+          <ac:chgData name="Zhao Jin" userId="cd05a825-544c-438a-9ba1-08e63db50b47" providerId="ADAL" clId="{A47E4F47-ABA8-478E-99A1-7834840D1F39}" dt="2021-03-10T04:12:38.533" v="30"/>
+          <ac:spMkLst>
+            <pc:docMk/>
+            <pc:sldMk cId="1427618944" sldId="553"/>
+            <ac:spMk id="7" creationId="{00000000-0000-0000-0000-000000000000}"/>
+          </ac:spMkLst>
+        </pc:spChg>
+      </pc:sldChg>
+      <pc:sldChg chg="addSp delSp modSp add del mod delAnim modAnim">
+        <pc:chgData name="Zhao Jin" userId="cd05a825-544c-438a-9ba1-08e63db50b47" providerId="ADAL" clId="{A47E4F47-ABA8-478E-99A1-7834840D1F39}" dt="2021-03-29T05:35:52.112" v="2418" actId="732"/>
+        <pc:sldMkLst>
+          <pc:docMk/>
+          <pc:sldMk cId="1813128722" sldId="617"/>
+        </pc:sldMkLst>
+        <pc:spChg chg="add del mod">
+          <ac:chgData name="Zhao Jin" userId="cd05a825-544c-438a-9ba1-08e63db50b47" providerId="ADAL" clId="{A47E4F47-ABA8-478E-99A1-7834840D1F39}" dt="2021-03-29T05:25:48.779" v="1888" actId="21"/>
+          <ac:spMkLst>
+            <pc:docMk/>
+            <pc:sldMk cId="1813128722" sldId="617"/>
+            <ac:spMk id="2" creationId="{0E4EBB14-38FB-43D1-B10F-9B638F9DA975}"/>
+          </ac:spMkLst>
+        </pc:spChg>
+        <pc:spChg chg="mod">
+          <ac:chgData name="Zhao Jin" userId="cd05a825-544c-438a-9ba1-08e63db50b47" providerId="ADAL" clId="{A47E4F47-ABA8-478E-99A1-7834840D1F39}" dt="2021-03-15T05:10:30.089" v="141"/>
+          <ac:spMkLst>
+            <pc:docMk/>
+            <pc:sldMk cId="1813128722" sldId="617"/>
+            <ac:spMk id="7" creationId="{00000000-0000-0000-0000-000000000000}"/>
+          </ac:spMkLst>
+        </pc:spChg>
+        <pc:spChg chg="mod">
+          <ac:chgData name="Zhao Jin" userId="cd05a825-544c-438a-9ba1-08e63db50b47" providerId="ADAL" clId="{A47E4F47-ABA8-478E-99A1-7834840D1F39}" dt="2021-03-29T05:27:03.469" v="1966" actId="403"/>
+          <ac:spMkLst>
+            <pc:docMk/>
+            <pc:sldMk cId="1813128722" sldId="617"/>
+            <ac:spMk id="13" creationId="{00000000-0000-0000-0000-000000000000}"/>
+          </ac:spMkLst>
+        </pc:spChg>
+        <pc:spChg chg="mod">
+          <ac:chgData name="Zhao Jin" userId="cd05a825-544c-438a-9ba1-08e63db50b47" providerId="ADAL" clId="{A47E4F47-ABA8-478E-99A1-7834840D1F39}" dt="2021-03-15T05:10:34.771" v="149" actId="20577"/>
+          <ac:spMkLst>
+            <pc:docMk/>
+            <pc:sldMk cId="1813128722" sldId="617"/>
+            <ac:spMk id="14338" creationId="{00000000-0000-0000-0000-000000000000}"/>
+          </ac:spMkLst>
+        </pc:spChg>
+        <pc:picChg chg="add mod modCrop">
+          <ac:chgData name="Zhao Jin" userId="cd05a825-544c-438a-9ba1-08e63db50b47" providerId="ADAL" clId="{A47E4F47-ABA8-478E-99A1-7834840D1F39}" dt="2021-03-29T05:29:11.804" v="2061" actId="1036"/>
+          <ac:picMkLst>
+            <pc:docMk/>
+            <pc:sldMk cId="1813128722" sldId="617"/>
+            <ac:picMk id="4" creationId="{0EB5FF36-05FA-4139-96D1-E05EE99E875D}"/>
+          </ac:picMkLst>
+        </pc:picChg>
+        <pc:picChg chg="add mod modCrop">
+          <ac:chgData name="Zhao Jin" userId="cd05a825-544c-438a-9ba1-08e63db50b47" providerId="ADAL" clId="{A47E4F47-ABA8-478E-99A1-7834840D1F39}" dt="2021-03-29T05:35:52.112" v="2418" actId="732"/>
+          <ac:picMkLst>
+            <pc:docMk/>
+            <pc:sldMk cId="1813128722" sldId="617"/>
+            <ac:picMk id="6" creationId="{A38D184D-F9A5-4081-814E-E2D4DECC9BE5}"/>
+          </ac:picMkLst>
+        </pc:picChg>
+        <pc:picChg chg="add mod">
+          <ac:chgData name="Zhao Jin" userId="cd05a825-544c-438a-9ba1-08e63db50b47" providerId="ADAL" clId="{A47E4F47-ABA8-478E-99A1-7834840D1F39}" dt="2021-03-29T05:35:51.712" v="2417" actId="1076"/>
+          <ac:picMkLst>
+            <pc:docMk/>
+            <pc:sldMk cId="1813128722" sldId="617"/>
+            <ac:picMk id="8" creationId="{86E588AF-51C5-47D7-91FF-E385C9A3B2A6}"/>
+          </ac:picMkLst>
+        </pc:picChg>
+        <pc:picChg chg="add del mod">
+          <ac:chgData name="Zhao Jin" userId="cd05a825-544c-438a-9ba1-08e63db50b47" providerId="ADAL" clId="{A47E4F47-ABA8-478E-99A1-7834840D1F39}" dt="2021-03-29T05:25:18.281" v="1881" actId="478"/>
+          <ac:picMkLst>
+            <pc:docMk/>
+            <pc:sldMk cId="1813128722" sldId="617"/>
+            <ac:picMk id="9" creationId="{2B638EF4-ECC6-42B4-940E-A754D31D400A}"/>
+          </ac:picMkLst>
+        </pc:picChg>
+        <pc:picChg chg="add del mod">
+          <ac:chgData name="Zhao Jin" userId="cd05a825-544c-438a-9ba1-08e63db50b47" providerId="ADAL" clId="{A47E4F47-ABA8-478E-99A1-7834840D1F39}" dt="2021-03-29T05:24:22.910" v="1875" actId="478"/>
+          <ac:picMkLst>
+            <pc:docMk/>
+            <pc:sldMk cId="1813128722" sldId="617"/>
+            <ac:picMk id="10" creationId="{5A09A31B-EA0C-4C34-861E-5608997E72B1}"/>
+          </ac:picMkLst>
+        </pc:picChg>
+        <pc:picChg chg="add mod">
+          <ac:chgData name="Zhao Jin" userId="cd05a825-544c-438a-9ba1-08e63db50b47" providerId="ADAL" clId="{A47E4F47-ABA8-478E-99A1-7834840D1F39}" dt="2021-03-29T05:35:51.491" v="2416" actId="1076"/>
+          <ac:picMkLst>
+            <pc:docMk/>
+            <pc:sldMk cId="1813128722" sldId="617"/>
+            <ac:picMk id="11" creationId="{9BBD55ED-7B60-46D1-B6EB-63B18A2DA6C6}"/>
+          </ac:picMkLst>
+        </pc:picChg>
+      </pc:sldChg>
+      <pc:sldChg chg="modSp del">
+        <pc:chgData name="Zhao Jin" userId="cd05a825-544c-438a-9ba1-08e63db50b47" providerId="ADAL" clId="{A47E4F47-ABA8-478E-99A1-7834840D1F39}" dt="2021-03-15T05:07:19.374" v="45" actId="47"/>
+        <pc:sldMkLst>
+          <pc:docMk/>
+          <pc:sldMk cId="3454948446" sldId="636"/>
+        </pc:sldMkLst>
+        <pc:spChg chg="mod">
+          <ac:chgData name="Zhao Jin" userId="cd05a825-544c-438a-9ba1-08e63db50b47" providerId="ADAL" clId="{A47E4F47-ABA8-478E-99A1-7834840D1F39}" dt="2021-03-10T04:12:38.533" v="30"/>
+          <ac:spMkLst>
+            <pc:docMk/>
+            <pc:sldMk cId="3454948446" sldId="636"/>
+            <ac:spMk id="7" creationId="{00000000-0000-0000-0000-000000000000}"/>
+          </ac:spMkLst>
+        </pc:spChg>
+      </pc:sldChg>
+      <pc:sldChg chg="modSp del">
+        <pc:chgData name="Zhao Jin" userId="cd05a825-544c-438a-9ba1-08e63db50b47" providerId="ADAL" clId="{A47E4F47-ABA8-478E-99A1-7834840D1F39}" dt="2021-03-15T05:07:19.374" v="45" actId="47"/>
+        <pc:sldMkLst>
+          <pc:docMk/>
+          <pc:sldMk cId="3737971943" sldId="637"/>
+        </pc:sldMkLst>
+        <pc:spChg chg="mod">
+          <ac:chgData name="Zhao Jin" userId="cd05a825-544c-438a-9ba1-08e63db50b47" providerId="ADAL" clId="{A47E4F47-ABA8-478E-99A1-7834840D1F39}" dt="2021-03-10T04:12:38.533" v="30"/>
+          <ac:spMkLst>
+            <pc:docMk/>
+            <pc:sldMk cId="3737971943" sldId="637"/>
+            <ac:spMk id="7" creationId="{00000000-0000-0000-0000-000000000000}"/>
+          </ac:spMkLst>
+        </pc:spChg>
+      </pc:sldChg>
+      <pc:sldChg chg="modSp del">
+        <pc:chgData name="Zhao Jin" userId="cd05a825-544c-438a-9ba1-08e63db50b47" providerId="ADAL" clId="{A47E4F47-ABA8-478E-99A1-7834840D1F39}" dt="2021-03-15T05:07:19.374" v="45" actId="47"/>
+        <pc:sldMkLst>
+          <pc:docMk/>
+          <pc:sldMk cId="1179750071" sldId="639"/>
+        </pc:sldMkLst>
+        <pc:spChg chg="mod">
+          <ac:chgData name="Zhao Jin" userId="cd05a825-544c-438a-9ba1-08e63db50b47" providerId="ADAL" clId="{A47E4F47-ABA8-478E-99A1-7834840D1F39}" dt="2021-03-10T04:12:38.533" v="30"/>
+          <ac:spMkLst>
+            <pc:docMk/>
+            <pc:sldMk cId="1179750071" sldId="639"/>
+            <ac:spMk id="7" creationId="{00000000-0000-0000-0000-000000000000}"/>
+          </ac:spMkLst>
+        </pc:spChg>
+      </pc:sldChg>
+      <pc:sldChg chg="modSp del">
+        <pc:chgData name="Zhao Jin" userId="cd05a825-544c-438a-9ba1-08e63db50b47" providerId="ADAL" clId="{A47E4F47-ABA8-478E-99A1-7834840D1F39}" dt="2021-03-15T05:07:19.374" v="45" actId="47"/>
+        <pc:sldMkLst>
+          <pc:docMk/>
+          <pc:sldMk cId="3462301147" sldId="640"/>
+        </pc:sldMkLst>
+        <pc:spChg chg="mod">
+          <ac:chgData name="Zhao Jin" userId="cd05a825-544c-438a-9ba1-08e63db50b47" providerId="ADAL" clId="{A47E4F47-ABA8-478E-99A1-7834840D1F39}" dt="2021-03-10T04:12:38.533" v="30"/>
+          <ac:spMkLst>
+            <pc:docMk/>
+            <pc:sldMk cId="3462301147" sldId="640"/>
+            <ac:spMk id="7" creationId="{00000000-0000-0000-0000-000000000000}"/>
+          </ac:spMkLst>
+        </pc:spChg>
+      </pc:sldChg>
+      <pc:sldChg chg="modSp del">
+        <pc:chgData name="Zhao Jin" userId="cd05a825-544c-438a-9ba1-08e63db50b47" providerId="ADAL" clId="{A47E4F47-ABA8-478E-99A1-7834840D1F39}" dt="2021-03-15T05:07:19.374" v="45" actId="47"/>
+        <pc:sldMkLst>
+          <pc:docMk/>
+          <pc:sldMk cId="723901272" sldId="641"/>
+        </pc:sldMkLst>
+        <pc:spChg chg="mod">
+          <ac:chgData name="Zhao Jin" userId="cd05a825-544c-438a-9ba1-08e63db50b47" providerId="ADAL" clId="{A47E4F47-ABA8-478E-99A1-7834840D1F39}" dt="2021-03-10T04:12:38.533" v="30"/>
+          <ac:spMkLst>
+            <pc:docMk/>
+            <pc:sldMk cId="723901272" sldId="641"/>
+            <ac:spMk id="7" creationId="{00000000-0000-0000-0000-000000000000}"/>
+          </ac:spMkLst>
+        </pc:spChg>
+      </pc:sldChg>
+      <pc:sldChg chg="modSp add del mod">
+        <pc:chgData name="Zhao Jin" userId="cd05a825-544c-438a-9ba1-08e63db50b47" providerId="ADAL" clId="{A47E4F47-ABA8-478E-99A1-7834840D1F39}" dt="2021-03-15T05:23:21.633" v="969" actId="207"/>
+        <pc:sldMkLst>
+          <pc:docMk/>
+          <pc:sldMk cId="4089006062" sldId="642"/>
+        </pc:sldMkLst>
+        <pc:spChg chg="mod">
+          <ac:chgData name="Zhao Jin" userId="cd05a825-544c-438a-9ba1-08e63db50b47" providerId="ADAL" clId="{A47E4F47-ABA8-478E-99A1-7834840D1F39}" dt="2021-03-15T05:10:30.089" v="141"/>
+          <ac:spMkLst>
+            <pc:docMk/>
+            <pc:sldMk cId="4089006062" sldId="642"/>
+            <ac:spMk id="7" creationId="{00000000-0000-0000-0000-000000000000}"/>
+          </ac:spMkLst>
+        </pc:spChg>
+        <pc:spChg chg="mod">
+          <ac:chgData name="Zhao Jin" userId="cd05a825-544c-438a-9ba1-08e63db50b47" providerId="ADAL" clId="{A47E4F47-ABA8-478E-99A1-7834840D1F39}" dt="2021-03-15T05:23:21.633" v="969" actId="207"/>
+          <ac:spMkLst>
+            <pc:docMk/>
+            <pc:sldMk cId="4089006062" sldId="642"/>
+            <ac:spMk id="11" creationId="{6719DA3F-9CE1-4733-A287-6E9A20182AD7}"/>
+          </ac:spMkLst>
+        </pc:spChg>
+        <pc:spChg chg="mod">
+          <ac:chgData name="Zhao Jin" userId="cd05a825-544c-438a-9ba1-08e63db50b47" providerId="ADAL" clId="{A47E4F47-ABA8-478E-99A1-7834840D1F39}" dt="2021-03-15T05:22:07.997" v="958" actId="20577"/>
+          <ac:spMkLst>
+            <pc:docMk/>
+            <pc:sldMk cId="4089006062" sldId="642"/>
+            <ac:spMk id="14338" creationId="{00000000-0000-0000-0000-000000000000}"/>
+          </ac:spMkLst>
+        </pc:spChg>
+      </pc:sldChg>
+      <pc:sldChg chg="modSp del">
+        <pc:chgData name="Zhao Jin" userId="cd05a825-544c-438a-9ba1-08e63db50b47" providerId="ADAL" clId="{A47E4F47-ABA8-478E-99A1-7834840D1F39}" dt="2021-03-15T05:07:19.374" v="45" actId="47"/>
+        <pc:sldMkLst>
+          <pc:docMk/>
+          <pc:sldMk cId="1514327557" sldId="643"/>
+        </pc:sldMkLst>
+        <pc:spChg chg="mod">
+          <ac:chgData name="Zhao Jin" userId="cd05a825-544c-438a-9ba1-08e63db50b47" providerId="ADAL" clId="{A47E4F47-ABA8-478E-99A1-7834840D1F39}" dt="2021-03-10T04:12:38.533" v="30"/>
+          <ac:spMkLst>
+            <pc:docMk/>
+            <pc:sldMk cId="1514327557" sldId="643"/>
+            <ac:spMk id="7" creationId="{00000000-0000-0000-0000-000000000000}"/>
+          </ac:spMkLst>
+        </pc:spChg>
+      </pc:sldChg>
+      <pc:sldChg chg="addSp modSp add del mod modAnim">
+        <pc:chgData name="Zhao Jin" userId="cd05a825-544c-438a-9ba1-08e63db50b47" providerId="ADAL" clId="{A47E4F47-ABA8-478E-99A1-7834840D1F39}" dt="2021-03-29T05:26:15.232" v="1895" actId="47"/>
+        <pc:sldMkLst>
+          <pc:docMk/>
+          <pc:sldMk cId="791616712" sldId="644"/>
+        </pc:sldMkLst>
+        <pc:spChg chg="add mod">
+          <ac:chgData name="Zhao Jin" userId="cd05a825-544c-438a-9ba1-08e63db50b47" providerId="ADAL" clId="{A47E4F47-ABA8-478E-99A1-7834840D1F39}" dt="2021-03-29T05:25:54.177" v="1891"/>
+          <ac:spMkLst>
+            <pc:docMk/>
+            <pc:sldMk cId="791616712" sldId="644"/>
+            <ac:spMk id="6" creationId="{F0EF31B7-A25C-4B2A-85FC-51F14F950C3E}"/>
+          </ac:spMkLst>
+        </pc:spChg>
+        <pc:spChg chg="mod">
+          <ac:chgData name="Zhao Jin" userId="cd05a825-544c-438a-9ba1-08e63db50b47" providerId="ADAL" clId="{A47E4F47-ABA8-478E-99A1-7834840D1F39}" dt="2021-03-15T05:10:30.089" v="141"/>
+          <ac:spMkLst>
+            <pc:docMk/>
+            <pc:sldMk cId="791616712" sldId="644"/>
+            <ac:spMk id="7" creationId="{00000000-0000-0000-0000-000000000000}"/>
+          </ac:spMkLst>
+        </pc:spChg>
+        <pc:spChg chg="mod">
+          <ac:chgData name="Zhao Jin" userId="cd05a825-544c-438a-9ba1-08e63db50b47" providerId="ADAL" clId="{A47E4F47-ABA8-478E-99A1-7834840D1F39}" dt="2021-03-29T05:25:53.946" v="1890" actId="20577"/>
+          <ac:spMkLst>
+            <pc:docMk/>
+            <pc:sldMk cId="791616712" sldId="644"/>
+            <ac:spMk id="13" creationId="{00000000-0000-0000-0000-000000000000}"/>
+          </ac:spMkLst>
+        </pc:spChg>
+        <pc:spChg chg="mod">
+          <ac:chgData name="Zhao Jin" userId="cd05a825-544c-438a-9ba1-08e63db50b47" providerId="ADAL" clId="{A47E4F47-ABA8-478E-99A1-7834840D1F39}" dt="2021-03-15T05:17:03.502" v="289" actId="20577"/>
+          <ac:spMkLst>
+            <pc:docMk/>
+            <pc:sldMk cId="791616712" sldId="644"/>
+            <ac:spMk id="14338" creationId="{00000000-0000-0000-0000-000000000000}"/>
+          </ac:spMkLst>
+        </pc:spChg>
+        <pc:picChg chg="add mod">
+          <ac:chgData name="Zhao Jin" userId="cd05a825-544c-438a-9ba1-08e63db50b47" providerId="ADAL" clId="{A47E4F47-ABA8-478E-99A1-7834840D1F39}" dt="2021-03-29T05:25:58.053" v="1894"/>
+          <ac:picMkLst>
+            <pc:docMk/>
+            <pc:sldMk cId="791616712" sldId="644"/>
+            <ac:picMk id="8" creationId="{34949807-D431-4948-8EAC-A1D1F8A06E0E}"/>
+          </ac:picMkLst>
+        </pc:picChg>
+      </pc:sldChg>
+      <pc:sldChg chg="modSp add del mod">
+        <pc:chgData name="Zhao Jin" userId="cd05a825-544c-438a-9ba1-08e63db50b47" providerId="ADAL" clId="{A47E4F47-ABA8-478E-99A1-7834840D1F39}" dt="2021-03-15T05:24:27.359" v="995" actId="47"/>
+        <pc:sldMkLst>
+          <pc:docMk/>
+          <pc:sldMk cId="3058843725" sldId="645"/>
+        </pc:sldMkLst>
+        <pc:spChg chg="mod">
+          <ac:chgData name="Zhao Jin" userId="cd05a825-544c-438a-9ba1-08e63db50b47" providerId="ADAL" clId="{A47E4F47-ABA8-478E-99A1-7834840D1F39}" dt="2021-03-15T05:24:16.566" v="993" actId="15"/>
+          <ac:spMkLst>
+            <pc:docMk/>
+            <pc:sldMk cId="3058843725" sldId="645"/>
+            <ac:spMk id="13" creationId="{00000000-0000-0000-0000-000000000000}"/>
+          </ac:spMkLst>
+        </pc:spChg>
+      </pc:sldChg>
+      <pc:sldChg chg="modSp add mod">
+        <pc:chgData name="Zhao Jin" userId="cd05a825-544c-438a-9ba1-08e63db50b47" providerId="ADAL" clId="{A47E4F47-ABA8-478E-99A1-7834840D1F39}" dt="2021-03-29T07:49:43.837" v="2430" actId="20577"/>
+        <pc:sldMkLst>
+          <pc:docMk/>
+          <pc:sldMk cId="1550881545" sldId="646"/>
+        </pc:sldMkLst>
+        <pc:spChg chg="mod">
+          <ac:chgData name="Zhao Jin" userId="cd05a825-544c-438a-9ba1-08e63db50b47" providerId="ADAL" clId="{A47E4F47-ABA8-478E-99A1-7834840D1F39}" dt="2021-03-29T07:49:43.837" v="2430" actId="20577"/>
+          <ac:spMkLst>
+            <pc:docMk/>
+            <pc:sldMk cId="1550881545" sldId="646"/>
+            <ac:spMk id="13" creationId="{00000000-0000-0000-0000-000000000000}"/>
+          </ac:spMkLst>
+        </pc:spChg>
+      </pc:sldChg>
+      <pc:sldChg chg="addSp delSp modSp add mod">
+        <pc:chgData name="Zhao Jin" userId="cd05a825-544c-438a-9ba1-08e63db50b47" providerId="ADAL" clId="{A47E4F47-ABA8-478E-99A1-7834840D1F39}" dt="2021-03-15T05:31:03.525" v="1675" actId="478"/>
+        <pc:sldMkLst>
+          <pc:docMk/>
+          <pc:sldMk cId="2663715734" sldId="647"/>
+        </pc:sldMkLst>
+        <pc:spChg chg="add mod">
+          <ac:chgData name="Zhao Jin" userId="cd05a825-544c-438a-9ba1-08e63db50b47" providerId="ADAL" clId="{A47E4F47-ABA8-478E-99A1-7834840D1F39}" dt="2021-03-15T05:29:57.306" v="1551" actId="14100"/>
+          <ac:spMkLst>
+            <pc:docMk/>
+            <pc:sldMk cId="2663715734" sldId="647"/>
+            <ac:spMk id="2" creationId="{959407C0-28E5-4740-9B64-A05FFFEE11D3}"/>
+          </ac:spMkLst>
+        </pc:spChg>
+        <pc:spChg chg="add mod">
+          <ac:chgData name="Zhao Jin" userId="cd05a825-544c-438a-9ba1-08e63db50b47" providerId="ADAL" clId="{A47E4F47-ABA8-478E-99A1-7834840D1F39}" dt="2021-03-15T05:30:02.018" v="1558" actId="1036"/>
+          <ac:spMkLst>
+            <pc:docMk/>
+            <pc:sldMk cId="2663715734" sldId="647"/>
+            <ac:spMk id="9" creationId="{07CEB935-D000-45CC-9C0E-26ABB556432F}"/>
+          </ac:spMkLst>
+        </pc:spChg>
+        <pc:spChg chg="mod">
+          <ac:chgData name="Zhao Jin" userId="cd05a825-544c-438a-9ba1-08e63db50b47" providerId="ADAL" clId="{A47E4F47-ABA8-478E-99A1-7834840D1F39}" dt="2021-03-15T05:29:32.826" v="1544" actId="207"/>
+          <ac:spMkLst>
+            <pc:docMk/>
+            <pc:sldMk cId="2663715734" sldId="647"/>
+            <ac:spMk id="11" creationId="{6719DA3F-9CE1-4733-A287-6E9A20182AD7}"/>
+          </ac:spMkLst>
+        </pc:spChg>
+        <pc:spChg chg="del">
+          <ac:chgData name="Zhao Jin" userId="cd05a825-544c-438a-9ba1-08e63db50b47" providerId="ADAL" clId="{A47E4F47-ABA8-478E-99A1-7834840D1F39}" dt="2021-03-15T05:31:03.525" v="1675" actId="478"/>
+          <ac:spMkLst>
+            <pc:docMk/>
+            <pc:sldMk cId="2663715734" sldId="647"/>
+            <ac:spMk id="18" creationId="{B582E1CE-42DB-409B-A5FF-C13933723249}"/>
+          </ac:spMkLst>
+        </pc:spChg>
+      </pc:sldChg>
+      <pc:sldChg chg="addSp delSp modSp add mod modAnim">
+        <pc:chgData name="Zhao Jin" userId="cd05a825-544c-438a-9ba1-08e63db50b47" providerId="ADAL" clId="{A47E4F47-ABA8-478E-99A1-7834840D1F39}" dt="2021-03-29T07:50:14.672" v="2480" actId="1037"/>
+        <pc:sldMkLst>
+          <pc:docMk/>
+          <pc:sldMk cId="2331399055" sldId="648"/>
+        </pc:sldMkLst>
+        <pc:spChg chg="add mod">
+          <ac:chgData name="Zhao Jin" userId="cd05a825-544c-438a-9ba1-08e63db50b47" providerId="ADAL" clId="{A47E4F47-ABA8-478E-99A1-7834840D1F39}" dt="2021-03-29T07:50:08.030" v="2478" actId="1035"/>
+          <ac:spMkLst>
+            <pc:docMk/>
+            <pc:sldMk cId="2331399055" sldId="648"/>
+            <ac:spMk id="2" creationId="{A29BA1AC-E8A8-4A46-BFEA-B4931C2521C0}"/>
+          </ac:spMkLst>
+        </pc:spChg>
+        <pc:spChg chg="add del mod">
+          <ac:chgData name="Zhao Jin" userId="cd05a825-544c-438a-9ba1-08e63db50b47" providerId="ADAL" clId="{A47E4F47-ABA8-478E-99A1-7834840D1F39}" dt="2021-03-29T05:30:43.969" v="2148" actId="478"/>
+          <ac:spMkLst>
+            <pc:docMk/>
+            <pc:sldMk cId="2331399055" sldId="648"/>
+            <ac:spMk id="11" creationId="{363DAEBB-B62D-4F50-A710-2CA40379334E}"/>
+          </ac:spMkLst>
+        </pc:spChg>
+        <pc:spChg chg="mod">
+          <ac:chgData name="Zhao Jin" userId="cd05a825-544c-438a-9ba1-08e63db50b47" providerId="ADAL" clId="{A47E4F47-ABA8-478E-99A1-7834840D1F39}" dt="2021-03-29T05:31:42.834" v="2283" actId="21"/>
+          <ac:spMkLst>
+            <pc:docMk/>
+            <pc:sldMk cId="2331399055" sldId="648"/>
+            <ac:spMk id="13" creationId="{00000000-0000-0000-0000-000000000000}"/>
+          </ac:spMkLst>
+        </pc:spChg>
+        <pc:spChg chg="add mod">
+          <ac:chgData name="Zhao Jin" userId="cd05a825-544c-438a-9ba1-08e63db50b47" providerId="ADAL" clId="{A47E4F47-ABA8-478E-99A1-7834840D1F39}" dt="2021-03-29T07:50:14.672" v="2480" actId="1037"/>
+          <ac:spMkLst>
+            <pc:docMk/>
+            <pc:sldMk cId="2331399055" sldId="648"/>
+            <ac:spMk id="14" creationId="{94109360-C639-4046-926E-E9CC88A2CB54}"/>
+          </ac:spMkLst>
+        </pc:spChg>
+        <pc:picChg chg="add mod modCrop">
+          <ac:chgData name="Zhao Jin" userId="cd05a825-544c-438a-9ba1-08e63db50b47" providerId="ADAL" clId="{A47E4F47-ABA8-478E-99A1-7834840D1F39}" dt="2021-03-29T07:50:08.030" v="2478" actId="1035"/>
+          <ac:picMkLst>
+            <pc:docMk/>
+            <pc:sldMk cId="2331399055" sldId="648"/>
+            <ac:picMk id="6" creationId="{06BD5EA7-3F8A-4F54-B2FB-A40CD7C241D1}"/>
+          </ac:picMkLst>
+        </pc:picChg>
+        <pc:picChg chg="add del mod">
+          <ac:chgData name="Zhao Jin" userId="cd05a825-544c-438a-9ba1-08e63db50b47" providerId="ADAL" clId="{A47E4F47-ABA8-478E-99A1-7834840D1F39}" dt="2021-03-29T05:29:52.309" v="2066" actId="478"/>
+          <ac:picMkLst>
+            <pc:docMk/>
+            <pc:sldMk cId="2331399055" sldId="648"/>
+            <ac:picMk id="8" creationId="{151837A0-4AB4-4170-BF00-59C76C569936}"/>
+          </ac:picMkLst>
+        </pc:picChg>
+        <pc:picChg chg="add del mod">
+          <ac:chgData name="Zhao Jin" userId="cd05a825-544c-438a-9ba1-08e63db50b47" providerId="ADAL" clId="{A47E4F47-ABA8-478E-99A1-7834840D1F39}" dt="2021-03-29T05:29:52.650" v="2067" actId="478"/>
+          <ac:picMkLst>
+            <pc:docMk/>
+            <pc:sldMk cId="2331399055" sldId="648"/>
+            <ac:picMk id="9" creationId="{4E1748E8-382F-4DF9-BE34-536FE3ED6945}"/>
+          </ac:picMkLst>
+        </pc:picChg>
+        <pc:picChg chg="add del mod">
+          <ac:chgData name="Zhao Jin" userId="cd05a825-544c-438a-9ba1-08e63db50b47" providerId="ADAL" clId="{A47E4F47-ABA8-478E-99A1-7834840D1F39}" dt="2021-03-29T05:30:42.473" v="2146" actId="478"/>
+          <ac:picMkLst>
+            <pc:docMk/>
+            <pc:sldMk cId="2331399055" sldId="648"/>
+            <ac:picMk id="10" creationId="{8A10958E-9579-4BF7-B356-48CA922F43DC}"/>
+          </ac:picMkLst>
+        </pc:picChg>
+      </pc:sldChg>
+      <pc:sldChg chg="addSp delSp modSp add mod">
+        <pc:chgData name="Zhao Jin" userId="cd05a825-544c-438a-9ba1-08e63db50b47" providerId="ADAL" clId="{A47E4F47-ABA8-478E-99A1-7834840D1F39}" dt="2021-03-29T05:36:30.297" v="2422" actId="6549"/>
+        <pc:sldMkLst>
+          <pc:docMk/>
+          <pc:sldMk cId="1415479900" sldId="649"/>
+        </pc:sldMkLst>
+        <pc:spChg chg="add del mod">
+          <ac:chgData name="Zhao Jin" userId="cd05a825-544c-438a-9ba1-08e63db50b47" providerId="ADAL" clId="{A47E4F47-ABA8-478E-99A1-7834840D1F39}" dt="2021-03-29T05:31:38.856" v="2280"/>
+          <ac:spMkLst>
+            <pc:docMk/>
+            <pc:sldMk cId="1415479900" sldId="649"/>
+            <ac:spMk id="6" creationId="{2DEA8F5D-8DD7-45ED-8FA1-2AFC7E6662AC}"/>
+          </ac:spMkLst>
+        </pc:spChg>
+        <pc:spChg chg="mod">
+          <ac:chgData name="Zhao Jin" userId="cd05a825-544c-438a-9ba1-08e63db50b47" providerId="ADAL" clId="{A47E4F47-ABA8-478E-99A1-7834840D1F39}" dt="2021-03-29T05:36:30.297" v="2422" actId="6549"/>
+          <ac:spMkLst>
+            <pc:docMk/>
+            <pc:sldMk cId="1415479900" sldId="649"/>
+            <ac:spMk id="13" creationId="{00000000-0000-0000-0000-000000000000}"/>
+          </ac:spMkLst>
+        </pc:spChg>
+      </pc:sldChg>
+      <pc:sldMasterChg chg="modSp modSldLayout">
+        <pc:chgData name="Zhao Jin" userId="cd05a825-544c-438a-9ba1-08e63db50b47" providerId="ADAL" clId="{A47E4F47-ABA8-478E-99A1-7834840D1F39}" dt="2021-03-10T04:12:38.533" v="30"/>
+        <pc:sldMasterMkLst>
+          <pc:docMk/>
+          <pc:sldMasterMk cId="0" sldId="2147485087"/>
+        </pc:sldMasterMkLst>
+        <pc:spChg chg="mod">
+          <ac:chgData name="Zhao Jin" userId="cd05a825-544c-438a-9ba1-08e63db50b47" providerId="ADAL" clId="{A47E4F47-ABA8-478E-99A1-7834840D1F39}" dt="2021-03-10T04:12:38.533" v="30"/>
+          <ac:spMkLst>
+            <pc:docMk/>
+            <pc:sldMasterMk cId="0" sldId="2147485087"/>
+            <ac:spMk id="6" creationId="{00000000-0000-0000-0000-000000000000}"/>
+          </ac:spMkLst>
+        </pc:spChg>
+        <pc:sldLayoutChg chg="modSp">
+          <pc:chgData name="Zhao Jin" userId="cd05a825-544c-438a-9ba1-08e63db50b47" providerId="ADAL" clId="{A47E4F47-ABA8-478E-99A1-7834840D1F39}" dt="2021-03-10T04:12:38.533" v="30"/>
+          <pc:sldLayoutMkLst>
+            <pc:docMk/>
+            <pc:sldMasterMk cId="0" sldId="2147485087"/>
+            <pc:sldLayoutMk cId="0" sldId="2147485088"/>
+          </pc:sldLayoutMkLst>
+          <pc:spChg chg="mod">
+            <ac:chgData name="Zhao Jin" userId="cd05a825-544c-438a-9ba1-08e63db50b47" providerId="ADAL" clId="{A47E4F47-ABA8-478E-99A1-7834840D1F39}" dt="2021-03-10T04:12:38.533" v="30"/>
+            <ac:spMkLst>
+              <pc:docMk/>
+              <pc:sldMasterMk cId="0" sldId="2147485087"/>
+              <pc:sldLayoutMk cId="0" sldId="2147485088"/>
+              <ac:spMk id="6" creationId="{00000000-0000-0000-0000-000000000000}"/>
+            </ac:spMkLst>
+          </pc:spChg>
+        </pc:sldLayoutChg>
+        <pc:sldLayoutChg chg="modSp">
+          <pc:chgData name="Zhao Jin" userId="cd05a825-544c-438a-9ba1-08e63db50b47" providerId="ADAL" clId="{A47E4F47-ABA8-478E-99A1-7834840D1F39}" dt="2021-03-10T04:12:38.533" v="30"/>
+          <pc:sldLayoutMkLst>
+            <pc:docMk/>
+            <pc:sldMasterMk cId="0" sldId="2147485087"/>
+            <pc:sldLayoutMk cId="0" sldId="2147485089"/>
+          </pc:sldLayoutMkLst>
+          <pc:spChg chg="mod">
+            <ac:chgData name="Zhao Jin" userId="cd05a825-544c-438a-9ba1-08e63db50b47" providerId="ADAL" clId="{A47E4F47-ABA8-478E-99A1-7834840D1F39}" dt="2021-03-10T04:12:38.533" v="30"/>
+            <ac:spMkLst>
+              <pc:docMk/>
+              <pc:sldMasterMk cId="0" sldId="2147485087"/>
+              <pc:sldLayoutMk cId="0" sldId="2147485089"/>
+              <ac:spMk id="6" creationId="{00000000-0000-0000-0000-000000000000}"/>
+            </ac:spMkLst>
+          </pc:spChg>
+        </pc:sldLayoutChg>
+        <pc:sldLayoutChg chg="modSp">
+          <pc:chgData name="Zhao Jin" userId="cd05a825-544c-438a-9ba1-08e63db50b47" providerId="ADAL" clId="{A47E4F47-ABA8-478E-99A1-7834840D1F39}" dt="2021-03-10T04:12:38.533" v="30"/>
+          <pc:sldLayoutMkLst>
+            <pc:docMk/>
+            <pc:sldMasterMk cId="0" sldId="2147485087"/>
+            <pc:sldLayoutMk cId="0" sldId="2147485090"/>
+          </pc:sldLayoutMkLst>
+          <pc:spChg chg="mod">
+            <ac:chgData name="Zhao Jin" userId="cd05a825-544c-438a-9ba1-08e63db50b47" providerId="ADAL" clId="{A47E4F47-ABA8-478E-99A1-7834840D1F39}" dt="2021-03-10T04:12:38.533" v="30"/>
+            <ac:spMkLst>
+              <pc:docMk/>
+              <pc:sldMasterMk cId="0" sldId="2147485087"/>
+              <pc:sldLayoutMk cId="0" sldId="2147485090"/>
+              <ac:spMk id="6" creationId="{00000000-0000-0000-0000-000000000000}"/>
+            </ac:spMkLst>
+          </pc:spChg>
+        </pc:sldLayoutChg>
+        <pc:sldLayoutChg chg="modSp">
+          <pc:chgData name="Zhao Jin" userId="cd05a825-544c-438a-9ba1-08e63db50b47" providerId="ADAL" clId="{A47E4F47-ABA8-478E-99A1-7834840D1F39}" dt="2021-03-10T04:12:38.533" v="30"/>
+          <pc:sldLayoutMkLst>
+            <pc:docMk/>
+            <pc:sldMasterMk cId="0" sldId="2147485087"/>
+            <pc:sldLayoutMk cId="0" sldId="2147485091"/>
+          </pc:sldLayoutMkLst>
+          <pc:spChg chg="mod">
+            <ac:chgData name="Zhao Jin" userId="cd05a825-544c-438a-9ba1-08e63db50b47" providerId="ADAL" clId="{A47E4F47-ABA8-478E-99A1-7834840D1F39}" dt="2021-03-10T04:12:38.533" v="30"/>
+            <ac:spMkLst>
+              <pc:docMk/>
+              <pc:sldMasterMk cId="0" sldId="2147485087"/>
+              <pc:sldLayoutMk cId="0" sldId="2147485091"/>
+              <ac:spMk id="7" creationId="{00000000-0000-0000-0000-000000000000}"/>
+            </ac:spMkLst>
+          </pc:spChg>
+        </pc:sldLayoutChg>
+        <pc:sldLayoutChg chg="modSp">
+          <pc:chgData name="Zhao Jin" userId="cd05a825-544c-438a-9ba1-08e63db50b47" providerId="ADAL" clId="{A47E4F47-ABA8-478E-99A1-7834840D1F39}" dt="2021-03-10T04:12:38.533" v="30"/>
+          <pc:sldLayoutMkLst>
+            <pc:docMk/>
+            <pc:sldMasterMk cId="0" sldId="2147485087"/>
+            <pc:sldLayoutMk cId="0" sldId="2147485092"/>
+          </pc:sldLayoutMkLst>
+          <pc:spChg chg="mod">
+            <ac:chgData name="Zhao Jin" userId="cd05a825-544c-438a-9ba1-08e63db50b47" providerId="ADAL" clId="{A47E4F47-ABA8-478E-99A1-7834840D1F39}" dt="2021-03-10T04:12:38.533" v="30"/>
+            <ac:spMkLst>
+              <pc:docMk/>
+              <pc:sldMasterMk cId="0" sldId="2147485087"/>
+              <pc:sldLayoutMk cId="0" sldId="2147485092"/>
+              <ac:spMk id="9" creationId="{00000000-0000-0000-0000-000000000000}"/>
+            </ac:spMkLst>
+          </pc:spChg>
+        </pc:sldLayoutChg>
+        <pc:sldLayoutChg chg="modSp">
+          <pc:chgData name="Zhao Jin" userId="cd05a825-544c-438a-9ba1-08e63db50b47" providerId="ADAL" clId="{A47E4F47-ABA8-478E-99A1-7834840D1F39}" dt="2021-03-10T04:12:38.533" v="30"/>
+          <pc:sldLayoutMkLst>
+            <pc:docMk/>
+            <pc:sldMasterMk cId="0" sldId="2147485087"/>
+            <pc:sldLayoutMk cId="0" sldId="2147485093"/>
+          </pc:sldLayoutMkLst>
+          <pc:spChg chg="mod">
+            <ac:chgData name="Zhao Jin" userId="cd05a825-544c-438a-9ba1-08e63db50b47" providerId="ADAL" clId="{A47E4F47-ABA8-478E-99A1-7834840D1F39}" dt="2021-03-10T04:12:38.533" v="30"/>
+            <ac:spMkLst>
+              <pc:docMk/>
+              <pc:sldMasterMk cId="0" sldId="2147485087"/>
+              <pc:sldLayoutMk cId="0" sldId="2147485093"/>
+              <ac:spMk id="5" creationId="{00000000-0000-0000-0000-000000000000}"/>
+            </ac:spMkLst>
+          </pc:spChg>
+        </pc:sldLayoutChg>
+        <pc:sldLayoutChg chg="modSp">
+          <pc:chgData name="Zhao Jin" userId="cd05a825-544c-438a-9ba1-08e63db50b47" providerId="ADAL" clId="{A47E4F47-ABA8-478E-99A1-7834840D1F39}" dt="2021-03-10T04:12:38.533" v="30"/>
+          <pc:sldLayoutMkLst>
+            <pc:docMk/>
+            <pc:sldMasterMk cId="0" sldId="2147485087"/>
+            <pc:sldLayoutMk cId="0" sldId="2147485094"/>
+          </pc:sldLayoutMkLst>
+          <pc:spChg chg="mod">
+            <ac:chgData name="Zhao Jin" userId="cd05a825-544c-438a-9ba1-08e63db50b47" providerId="ADAL" clId="{A47E4F47-ABA8-478E-99A1-7834840D1F39}" dt="2021-03-10T04:12:38.533" v="30"/>
+            <ac:spMkLst>
+              <pc:docMk/>
+              <pc:sldMasterMk cId="0" sldId="2147485087"/>
+              <pc:sldLayoutMk cId="0" sldId="2147485094"/>
+              <ac:spMk id="4" creationId="{00000000-0000-0000-0000-000000000000}"/>
+            </ac:spMkLst>
+          </pc:spChg>
+        </pc:sldLayoutChg>
+        <pc:sldLayoutChg chg="modSp">
+          <pc:chgData name="Zhao Jin" userId="cd05a825-544c-438a-9ba1-08e63db50b47" providerId="ADAL" clId="{A47E4F47-ABA8-478E-99A1-7834840D1F39}" dt="2021-03-10T04:12:38.533" v="30"/>
+          <pc:sldLayoutMkLst>
+            <pc:docMk/>
+            <pc:sldMasterMk cId="0" sldId="2147485087"/>
+            <pc:sldLayoutMk cId="0" sldId="2147485095"/>
+          </pc:sldLayoutMkLst>
+          <pc:spChg chg="mod">
+            <ac:chgData name="Zhao Jin" userId="cd05a825-544c-438a-9ba1-08e63db50b47" providerId="ADAL" clId="{A47E4F47-ABA8-478E-99A1-7834840D1F39}" dt="2021-03-10T04:12:38.533" v="30"/>
+            <ac:spMkLst>
+              <pc:docMk/>
+              <pc:sldMasterMk cId="0" sldId="2147485087"/>
+              <pc:sldLayoutMk cId="0" sldId="2147485095"/>
+              <ac:spMk id="7" creationId="{00000000-0000-0000-0000-000000000000}"/>
+            </ac:spMkLst>
+          </pc:spChg>
+        </pc:sldLayoutChg>
+        <pc:sldLayoutChg chg="modSp">
+          <pc:chgData name="Zhao Jin" userId="cd05a825-544c-438a-9ba1-08e63db50b47" providerId="ADAL" clId="{A47E4F47-ABA8-478E-99A1-7834840D1F39}" dt="2021-03-10T04:12:38.533" v="30"/>
+          <pc:sldLayoutMkLst>
+            <pc:docMk/>
+            <pc:sldMasterMk cId="0" sldId="2147485087"/>
+            <pc:sldLayoutMk cId="0" sldId="2147485096"/>
+          </pc:sldLayoutMkLst>
+          <pc:spChg chg="mod">
+            <ac:chgData name="Zhao Jin" userId="cd05a825-544c-438a-9ba1-08e63db50b47" providerId="ADAL" clId="{A47E4F47-ABA8-478E-99A1-7834840D1F39}" dt="2021-03-10T04:12:38.533" v="30"/>
+            <ac:spMkLst>
+              <pc:docMk/>
+              <pc:sldMasterMk cId="0" sldId="2147485087"/>
+              <pc:sldLayoutMk cId="0" sldId="2147485096"/>
+              <ac:spMk id="7" creationId="{00000000-0000-0000-0000-000000000000}"/>
+            </ac:spMkLst>
+          </pc:spChg>
+        </pc:sldLayoutChg>
+        <pc:sldLayoutChg chg="modSp">
+          <pc:chgData name="Zhao Jin" userId="cd05a825-544c-438a-9ba1-08e63db50b47" providerId="ADAL" clId="{A47E4F47-ABA8-478E-99A1-7834840D1F39}" dt="2021-03-10T04:12:38.533" v="30"/>
+          <pc:sldLayoutMkLst>
+            <pc:docMk/>
+            <pc:sldMasterMk cId="0" sldId="2147485087"/>
+            <pc:sldLayoutMk cId="0" sldId="2147485097"/>
+          </pc:sldLayoutMkLst>
+          <pc:spChg chg="mod">
+            <ac:chgData name="Zhao Jin" userId="cd05a825-544c-438a-9ba1-08e63db50b47" providerId="ADAL" clId="{A47E4F47-ABA8-478E-99A1-7834840D1F39}" dt="2021-03-10T04:12:38.533" v="30"/>
+            <ac:spMkLst>
+              <pc:docMk/>
+              <pc:sldMasterMk cId="0" sldId="2147485087"/>
+              <pc:sldLayoutMk cId="0" sldId="2147485097"/>
+              <ac:spMk id="6" creationId="{00000000-0000-0000-0000-000000000000}"/>
+            </ac:spMkLst>
+          </pc:spChg>
+        </pc:sldLayoutChg>
+        <pc:sldLayoutChg chg="modSp">
+          <pc:chgData name="Zhao Jin" userId="cd05a825-544c-438a-9ba1-08e63db50b47" providerId="ADAL" clId="{A47E4F47-ABA8-478E-99A1-7834840D1F39}" dt="2021-03-10T04:12:38.533" v="30"/>
+          <pc:sldLayoutMkLst>
+            <pc:docMk/>
+            <pc:sldMasterMk cId="0" sldId="2147485087"/>
+            <pc:sldLayoutMk cId="0" sldId="2147485098"/>
+          </pc:sldLayoutMkLst>
+          <pc:spChg chg="mod">
+            <ac:chgData name="Zhao Jin" userId="cd05a825-544c-438a-9ba1-08e63db50b47" providerId="ADAL" clId="{A47E4F47-ABA8-478E-99A1-7834840D1F39}" dt="2021-03-10T04:12:38.533" v="30"/>
+            <ac:spMkLst>
+              <pc:docMk/>
+              <pc:sldMasterMk cId="0" sldId="2147485087"/>
+              <pc:sldLayoutMk cId="0" sldId="2147485098"/>
+              <ac:spMk id="6" creationId="{00000000-0000-0000-0000-000000000000}"/>
+            </ac:spMkLst>
+          </pc:spChg>
+        </pc:sldLayoutChg>
+      </pc:sldMasterChg>
+    </pc:docChg>
+  </pc:docChgLst>
+  <pc:docChgLst>
     <pc:chgData name="Zhao Jin" userId="cd05a825-544c-438a-9ba1-08e63db50b47" providerId="ADAL" clId="{37A0D694-38DA-4421-B5D3-DEDBFC2EC57C}"/>
     <pc:docChg chg="undo redo custSel mod addSld delSld modSld sldOrd modMainMaster">
       <pc:chgData name="Zhao Jin" userId="cd05a825-544c-438a-9ba1-08e63db50b47" providerId="ADAL" clId="{37A0D694-38DA-4421-B5D3-DEDBFC2EC57C}" dt="2021-02-08T07:59:31.262" v="4966" actId="20577"/>
@@ -8614,577 +9336,6 @@
           </pc:sldLayoutMkLst>
           <pc:spChg chg="mod">
             <ac:chgData name="Zhao Jin" userId="cd05a825-544c-438a-9ba1-08e63db50b47" providerId="ADAL" clId="{37A0D694-38DA-4421-B5D3-DEDBFC2EC57C}" dt="2021-02-03T06:56:12.527" v="36"/>
-            <ac:spMkLst>
-              <pc:docMk/>
-              <pc:sldMasterMk cId="0" sldId="2147485087"/>
-              <pc:sldLayoutMk cId="0" sldId="2147485098"/>
-              <ac:spMk id="6" creationId="{00000000-0000-0000-0000-000000000000}"/>
-            </ac:spMkLst>
-          </pc:spChg>
-        </pc:sldLayoutChg>
-      </pc:sldMasterChg>
-    </pc:docChg>
-  </pc:docChgLst>
-  <pc:docChgLst>
-    <pc:chgData name="Zhao Jin" userId="cd05a825-544c-438a-9ba1-08e63db50b47" providerId="ADAL" clId="{A47E4F47-ABA8-478E-99A1-7834840D1F39}"/>
-    <pc:docChg chg="custSel addSld delSld modSld modMainMaster">
-      <pc:chgData name="Zhao Jin" userId="cd05a825-544c-438a-9ba1-08e63db50b47" providerId="ADAL" clId="{A47E4F47-ABA8-478E-99A1-7834840D1F39}" dt="2021-03-22T05:12:59.816" v="1824" actId="15"/>
-      <pc:docMkLst>
-        <pc:docMk/>
-      </pc:docMkLst>
-      <pc:sldChg chg="modSp mod">
-        <pc:chgData name="Zhao Jin" userId="cd05a825-544c-438a-9ba1-08e63db50b47" providerId="ADAL" clId="{A47E4F47-ABA8-478E-99A1-7834840D1F39}" dt="2021-03-10T04:12:21.595" v="9" actId="20577"/>
-        <pc:sldMkLst>
-          <pc:docMk/>
-          <pc:sldMk cId="0" sldId="256"/>
-        </pc:sldMkLst>
-        <pc:spChg chg="mod">
-          <ac:chgData name="Zhao Jin" userId="cd05a825-544c-438a-9ba1-08e63db50b47" providerId="ADAL" clId="{A47E4F47-ABA8-478E-99A1-7834840D1F39}" dt="2021-03-10T04:12:19.147" v="1" actId="20577"/>
-          <ac:spMkLst>
-            <pc:docMk/>
-            <pc:sldMk cId="0" sldId="256"/>
-            <ac:spMk id="8" creationId="{00000000-0000-0000-0000-000000000000}"/>
-          </ac:spMkLst>
-        </pc:spChg>
-        <pc:spChg chg="mod">
-          <ac:chgData name="Zhao Jin" userId="cd05a825-544c-438a-9ba1-08e63db50b47" providerId="ADAL" clId="{A47E4F47-ABA8-478E-99A1-7834840D1F39}" dt="2021-03-10T04:12:21.595" v="9" actId="20577"/>
-          <ac:spMkLst>
-            <pc:docMk/>
-            <pc:sldMk cId="0" sldId="256"/>
-            <ac:spMk id="11" creationId="{00000000-0000-0000-0000-000000000000}"/>
-          </ac:spMkLst>
-        </pc:spChg>
-      </pc:sldChg>
-      <pc:sldChg chg="modSp mod">
-        <pc:chgData name="Zhao Jin" userId="cd05a825-544c-438a-9ba1-08e63db50b47" providerId="ADAL" clId="{A47E4F47-ABA8-478E-99A1-7834840D1F39}" dt="2021-03-15T04:51:09.468" v="44" actId="20577"/>
-        <pc:sldMkLst>
-          <pc:docMk/>
-          <pc:sldMk cId="2438607696" sldId="468"/>
-        </pc:sldMkLst>
-        <pc:spChg chg="mod">
-          <ac:chgData name="Zhao Jin" userId="cd05a825-544c-438a-9ba1-08e63db50b47" providerId="ADAL" clId="{A47E4F47-ABA8-478E-99A1-7834840D1F39}" dt="2021-03-10T04:12:38.533" v="30"/>
-          <ac:spMkLst>
-            <pc:docMk/>
-            <pc:sldMk cId="2438607696" sldId="468"/>
-            <ac:spMk id="7" creationId="{00000000-0000-0000-0000-000000000000}"/>
-          </ac:spMkLst>
-        </pc:spChg>
-        <pc:spChg chg="mod">
-          <ac:chgData name="Zhao Jin" userId="cd05a825-544c-438a-9ba1-08e63db50b47" providerId="ADAL" clId="{A47E4F47-ABA8-478E-99A1-7834840D1F39}" dt="2021-03-10T04:12:31.051" v="29" actId="20577"/>
-          <ac:spMkLst>
-            <pc:docMk/>
-            <pc:sldMk cId="2438607696" sldId="468"/>
-            <ac:spMk id="14338" creationId="{00000000-0000-0000-0000-000000000000}"/>
-          </ac:spMkLst>
-        </pc:spChg>
-        <pc:spChg chg="mod">
-          <ac:chgData name="Zhao Jin" userId="cd05a825-544c-438a-9ba1-08e63db50b47" providerId="ADAL" clId="{A47E4F47-ABA8-478E-99A1-7834840D1F39}" dt="2021-03-15T04:51:09.468" v="44" actId="20577"/>
-          <ac:spMkLst>
-            <pc:docMk/>
-            <pc:sldMk cId="2438607696" sldId="468"/>
-            <ac:spMk id="14339" creationId="{00000000-0000-0000-0000-000000000000}"/>
-          </ac:spMkLst>
-        </pc:spChg>
-      </pc:sldChg>
-      <pc:sldChg chg="modSp mod">
-        <pc:chgData name="Zhao Jin" userId="cd05a825-544c-438a-9ba1-08e63db50b47" providerId="ADAL" clId="{A47E4F47-ABA8-478E-99A1-7834840D1F39}" dt="2021-03-22T05:12:59.816" v="1824" actId="15"/>
-        <pc:sldMkLst>
-          <pc:docMk/>
-          <pc:sldMk cId="1067695719" sldId="526"/>
-        </pc:sldMkLst>
-        <pc:spChg chg="mod">
-          <ac:chgData name="Zhao Jin" userId="cd05a825-544c-438a-9ba1-08e63db50b47" providerId="ADAL" clId="{A47E4F47-ABA8-478E-99A1-7834840D1F39}" dt="2021-03-22T05:12:59.816" v="1824" actId="15"/>
-          <ac:spMkLst>
-            <pc:docMk/>
-            <pc:sldMk cId="1067695719" sldId="526"/>
-            <ac:spMk id="13" creationId="{00000000-0000-0000-0000-000000000000}"/>
-          </ac:spMkLst>
-        </pc:spChg>
-        <pc:spChg chg="mod">
-          <ac:chgData name="Zhao Jin" userId="cd05a825-544c-438a-9ba1-08e63db50b47" providerId="ADAL" clId="{A47E4F47-ABA8-478E-99A1-7834840D1F39}" dt="2021-03-10T04:12:38.533" v="30"/>
-          <ac:spMkLst>
-            <pc:docMk/>
-            <pc:sldMk cId="1067695719" sldId="526"/>
-            <ac:spMk id="43" creationId="{00000000-0000-0000-0000-000000000000}"/>
-          </ac:spMkLst>
-        </pc:spChg>
-      </pc:sldChg>
-      <pc:sldChg chg="modSp del">
-        <pc:chgData name="Zhao Jin" userId="cd05a825-544c-438a-9ba1-08e63db50b47" providerId="ADAL" clId="{A47E4F47-ABA8-478E-99A1-7834840D1F39}" dt="2021-03-15T05:07:19.374" v="45" actId="47"/>
-        <pc:sldMkLst>
-          <pc:docMk/>
-          <pc:sldMk cId="1427618944" sldId="553"/>
-        </pc:sldMkLst>
-        <pc:spChg chg="mod">
-          <ac:chgData name="Zhao Jin" userId="cd05a825-544c-438a-9ba1-08e63db50b47" providerId="ADAL" clId="{A47E4F47-ABA8-478E-99A1-7834840D1F39}" dt="2021-03-10T04:12:38.533" v="30"/>
-          <ac:spMkLst>
-            <pc:docMk/>
-            <pc:sldMk cId="1427618944" sldId="553"/>
-            <ac:spMk id="7" creationId="{00000000-0000-0000-0000-000000000000}"/>
-          </ac:spMkLst>
-        </pc:spChg>
-      </pc:sldChg>
-      <pc:sldChg chg="addSp modSp add del mod modAnim">
-        <pc:chgData name="Zhao Jin" userId="cd05a825-544c-438a-9ba1-08e63db50b47" providerId="ADAL" clId="{A47E4F47-ABA8-478E-99A1-7834840D1F39}" dt="2021-03-15T05:16:57.627" v="281" actId="1076"/>
-        <pc:sldMkLst>
-          <pc:docMk/>
-          <pc:sldMk cId="1813128722" sldId="617"/>
-        </pc:sldMkLst>
-        <pc:spChg chg="add mod">
-          <ac:chgData name="Zhao Jin" userId="cd05a825-544c-438a-9ba1-08e63db50b47" providerId="ADAL" clId="{A47E4F47-ABA8-478E-99A1-7834840D1F39}" dt="2021-03-15T05:16:57.627" v="281" actId="1076"/>
-          <ac:spMkLst>
-            <pc:docMk/>
-            <pc:sldMk cId="1813128722" sldId="617"/>
-            <ac:spMk id="2" creationId="{0E4EBB14-38FB-43D1-B10F-9B638F9DA975}"/>
-          </ac:spMkLst>
-        </pc:spChg>
-        <pc:spChg chg="mod">
-          <ac:chgData name="Zhao Jin" userId="cd05a825-544c-438a-9ba1-08e63db50b47" providerId="ADAL" clId="{A47E4F47-ABA8-478E-99A1-7834840D1F39}" dt="2021-03-15T05:10:30.089" v="141"/>
-          <ac:spMkLst>
-            <pc:docMk/>
-            <pc:sldMk cId="1813128722" sldId="617"/>
-            <ac:spMk id="7" creationId="{00000000-0000-0000-0000-000000000000}"/>
-          </ac:spMkLst>
-        </pc:spChg>
-        <pc:spChg chg="mod">
-          <ac:chgData name="Zhao Jin" userId="cd05a825-544c-438a-9ba1-08e63db50b47" providerId="ADAL" clId="{A47E4F47-ABA8-478E-99A1-7834840D1F39}" dt="2021-03-15T05:14:30.758" v="187" actId="207"/>
-          <ac:spMkLst>
-            <pc:docMk/>
-            <pc:sldMk cId="1813128722" sldId="617"/>
-            <ac:spMk id="13" creationId="{00000000-0000-0000-0000-000000000000}"/>
-          </ac:spMkLst>
-        </pc:spChg>
-        <pc:spChg chg="mod">
-          <ac:chgData name="Zhao Jin" userId="cd05a825-544c-438a-9ba1-08e63db50b47" providerId="ADAL" clId="{A47E4F47-ABA8-478E-99A1-7834840D1F39}" dt="2021-03-15T05:10:34.771" v="149" actId="20577"/>
-          <ac:spMkLst>
-            <pc:docMk/>
-            <pc:sldMk cId="1813128722" sldId="617"/>
-            <ac:spMk id="14338" creationId="{00000000-0000-0000-0000-000000000000}"/>
-          </ac:spMkLst>
-        </pc:spChg>
-        <pc:picChg chg="add mod">
-          <ac:chgData name="Zhao Jin" userId="cd05a825-544c-438a-9ba1-08e63db50b47" providerId="ADAL" clId="{A47E4F47-ABA8-478E-99A1-7834840D1F39}" dt="2021-03-15T05:14:11.279" v="173" actId="1076"/>
-          <ac:picMkLst>
-            <pc:docMk/>
-            <pc:sldMk cId="1813128722" sldId="617"/>
-            <ac:picMk id="6" creationId="{A38D184D-F9A5-4081-814E-E2D4DECC9BE5}"/>
-          </ac:picMkLst>
-        </pc:picChg>
-      </pc:sldChg>
-      <pc:sldChg chg="modSp del">
-        <pc:chgData name="Zhao Jin" userId="cd05a825-544c-438a-9ba1-08e63db50b47" providerId="ADAL" clId="{A47E4F47-ABA8-478E-99A1-7834840D1F39}" dt="2021-03-15T05:07:19.374" v="45" actId="47"/>
-        <pc:sldMkLst>
-          <pc:docMk/>
-          <pc:sldMk cId="3454948446" sldId="636"/>
-        </pc:sldMkLst>
-        <pc:spChg chg="mod">
-          <ac:chgData name="Zhao Jin" userId="cd05a825-544c-438a-9ba1-08e63db50b47" providerId="ADAL" clId="{A47E4F47-ABA8-478E-99A1-7834840D1F39}" dt="2021-03-10T04:12:38.533" v="30"/>
-          <ac:spMkLst>
-            <pc:docMk/>
-            <pc:sldMk cId="3454948446" sldId="636"/>
-            <ac:spMk id="7" creationId="{00000000-0000-0000-0000-000000000000}"/>
-          </ac:spMkLst>
-        </pc:spChg>
-      </pc:sldChg>
-      <pc:sldChg chg="modSp del">
-        <pc:chgData name="Zhao Jin" userId="cd05a825-544c-438a-9ba1-08e63db50b47" providerId="ADAL" clId="{A47E4F47-ABA8-478E-99A1-7834840D1F39}" dt="2021-03-15T05:07:19.374" v="45" actId="47"/>
-        <pc:sldMkLst>
-          <pc:docMk/>
-          <pc:sldMk cId="3737971943" sldId="637"/>
-        </pc:sldMkLst>
-        <pc:spChg chg="mod">
-          <ac:chgData name="Zhao Jin" userId="cd05a825-544c-438a-9ba1-08e63db50b47" providerId="ADAL" clId="{A47E4F47-ABA8-478E-99A1-7834840D1F39}" dt="2021-03-10T04:12:38.533" v="30"/>
-          <ac:spMkLst>
-            <pc:docMk/>
-            <pc:sldMk cId="3737971943" sldId="637"/>
-            <ac:spMk id="7" creationId="{00000000-0000-0000-0000-000000000000}"/>
-          </ac:spMkLst>
-        </pc:spChg>
-      </pc:sldChg>
-      <pc:sldChg chg="modSp del">
-        <pc:chgData name="Zhao Jin" userId="cd05a825-544c-438a-9ba1-08e63db50b47" providerId="ADAL" clId="{A47E4F47-ABA8-478E-99A1-7834840D1F39}" dt="2021-03-15T05:07:19.374" v="45" actId="47"/>
-        <pc:sldMkLst>
-          <pc:docMk/>
-          <pc:sldMk cId="1179750071" sldId="639"/>
-        </pc:sldMkLst>
-        <pc:spChg chg="mod">
-          <ac:chgData name="Zhao Jin" userId="cd05a825-544c-438a-9ba1-08e63db50b47" providerId="ADAL" clId="{A47E4F47-ABA8-478E-99A1-7834840D1F39}" dt="2021-03-10T04:12:38.533" v="30"/>
-          <ac:spMkLst>
-            <pc:docMk/>
-            <pc:sldMk cId="1179750071" sldId="639"/>
-            <ac:spMk id="7" creationId="{00000000-0000-0000-0000-000000000000}"/>
-          </ac:spMkLst>
-        </pc:spChg>
-      </pc:sldChg>
-      <pc:sldChg chg="modSp del">
-        <pc:chgData name="Zhao Jin" userId="cd05a825-544c-438a-9ba1-08e63db50b47" providerId="ADAL" clId="{A47E4F47-ABA8-478E-99A1-7834840D1F39}" dt="2021-03-15T05:07:19.374" v="45" actId="47"/>
-        <pc:sldMkLst>
-          <pc:docMk/>
-          <pc:sldMk cId="3462301147" sldId="640"/>
-        </pc:sldMkLst>
-        <pc:spChg chg="mod">
-          <ac:chgData name="Zhao Jin" userId="cd05a825-544c-438a-9ba1-08e63db50b47" providerId="ADAL" clId="{A47E4F47-ABA8-478E-99A1-7834840D1F39}" dt="2021-03-10T04:12:38.533" v="30"/>
-          <ac:spMkLst>
-            <pc:docMk/>
-            <pc:sldMk cId="3462301147" sldId="640"/>
-            <ac:spMk id="7" creationId="{00000000-0000-0000-0000-000000000000}"/>
-          </ac:spMkLst>
-        </pc:spChg>
-      </pc:sldChg>
-      <pc:sldChg chg="modSp del">
-        <pc:chgData name="Zhao Jin" userId="cd05a825-544c-438a-9ba1-08e63db50b47" providerId="ADAL" clId="{A47E4F47-ABA8-478E-99A1-7834840D1F39}" dt="2021-03-15T05:07:19.374" v="45" actId="47"/>
-        <pc:sldMkLst>
-          <pc:docMk/>
-          <pc:sldMk cId="723901272" sldId="641"/>
-        </pc:sldMkLst>
-        <pc:spChg chg="mod">
-          <ac:chgData name="Zhao Jin" userId="cd05a825-544c-438a-9ba1-08e63db50b47" providerId="ADAL" clId="{A47E4F47-ABA8-478E-99A1-7834840D1F39}" dt="2021-03-10T04:12:38.533" v="30"/>
-          <ac:spMkLst>
-            <pc:docMk/>
-            <pc:sldMk cId="723901272" sldId="641"/>
-            <ac:spMk id="7" creationId="{00000000-0000-0000-0000-000000000000}"/>
-          </ac:spMkLst>
-        </pc:spChg>
-      </pc:sldChg>
-      <pc:sldChg chg="modSp add del mod">
-        <pc:chgData name="Zhao Jin" userId="cd05a825-544c-438a-9ba1-08e63db50b47" providerId="ADAL" clId="{A47E4F47-ABA8-478E-99A1-7834840D1F39}" dt="2021-03-15T05:23:21.633" v="969" actId="207"/>
-        <pc:sldMkLst>
-          <pc:docMk/>
-          <pc:sldMk cId="4089006062" sldId="642"/>
-        </pc:sldMkLst>
-        <pc:spChg chg="mod">
-          <ac:chgData name="Zhao Jin" userId="cd05a825-544c-438a-9ba1-08e63db50b47" providerId="ADAL" clId="{A47E4F47-ABA8-478E-99A1-7834840D1F39}" dt="2021-03-15T05:10:30.089" v="141"/>
-          <ac:spMkLst>
-            <pc:docMk/>
-            <pc:sldMk cId="4089006062" sldId="642"/>
-            <ac:spMk id="7" creationId="{00000000-0000-0000-0000-000000000000}"/>
-          </ac:spMkLst>
-        </pc:spChg>
-        <pc:spChg chg="mod">
-          <ac:chgData name="Zhao Jin" userId="cd05a825-544c-438a-9ba1-08e63db50b47" providerId="ADAL" clId="{A47E4F47-ABA8-478E-99A1-7834840D1F39}" dt="2021-03-15T05:23:21.633" v="969" actId="207"/>
-          <ac:spMkLst>
-            <pc:docMk/>
-            <pc:sldMk cId="4089006062" sldId="642"/>
-            <ac:spMk id="11" creationId="{6719DA3F-9CE1-4733-A287-6E9A20182AD7}"/>
-          </ac:spMkLst>
-        </pc:spChg>
-        <pc:spChg chg="mod">
-          <ac:chgData name="Zhao Jin" userId="cd05a825-544c-438a-9ba1-08e63db50b47" providerId="ADAL" clId="{A47E4F47-ABA8-478E-99A1-7834840D1F39}" dt="2021-03-15T05:22:07.997" v="958" actId="20577"/>
-          <ac:spMkLst>
-            <pc:docMk/>
-            <pc:sldMk cId="4089006062" sldId="642"/>
-            <ac:spMk id="14338" creationId="{00000000-0000-0000-0000-000000000000}"/>
-          </ac:spMkLst>
-        </pc:spChg>
-      </pc:sldChg>
-      <pc:sldChg chg="modSp del">
-        <pc:chgData name="Zhao Jin" userId="cd05a825-544c-438a-9ba1-08e63db50b47" providerId="ADAL" clId="{A47E4F47-ABA8-478E-99A1-7834840D1F39}" dt="2021-03-15T05:07:19.374" v="45" actId="47"/>
-        <pc:sldMkLst>
-          <pc:docMk/>
-          <pc:sldMk cId="1514327557" sldId="643"/>
-        </pc:sldMkLst>
-        <pc:spChg chg="mod">
-          <ac:chgData name="Zhao Jin" userId="cd05a825-544c-438a-9ba1-08e63db50b47" providerId="ADAL" clId="{A47E4F47-ABA8-478E-99A1-7834840D1F39}" dt="2021-03-10T04:12:38.533" v="30"/>
-          <ac:spMkLst>
-            <pc:docMk/>
-            <pc:sldMk cId="1514327557" sldId="643"/>
-            <ac:spMk id="7" creationId="{00000000-0000-0000-0000-000000000000}"/>
-          </ac:spMkLst>
-        </pc:spChg>
-      </pc:sldChg>
-      <pc:sldChg chg="modSp add mod">
-        <pc:chgData name="Zhao Jin" userId="cd05a825-544c-438a-9ba1-08e63db50b47" providerId="ADAL" clId="{A47E4F47-ABA8-478E-99A1-7834840D1F39}" dt="2021-03-15T05:21:57.221" v="948" actId="20577"/>
-        <pc:sldMkLst>
-          <pc:docMk/>
-          <pc:sldMk cId="791616712" sldId="644"/>
-        </pc:sldMkLst>
-        <pc:spChg chg="mod">
-          <ac:chgData name="Zhao Jin" userId="cd05a825-544c-438a-9ba1-08e63db50b47" providerId="ADAL" clId="{A47E4F47-ABA8-478E-99A1-7834840D1F39}" dt="2021-03-15T05:10:30.089" v="141"/>
-          <ac:spMkLst>
-            <pc:docMk/>
-            <pc:sldMk cId="791616712" sldId="644"/>
-            <ac:spMk id="7" creationId="{00000000-0000-0000-0000-000000000000}"/>
-          </ac:spMkLst>
-        </pc:spChg>
-        <pc:spChg chg="mod">
-          <ac:chgData name="Zhao Jin" userId="cd05a825-544c-438a-9ba1-08e63db50b47" providerId="ADAL" clId="{A47E4F47-ABA8-478E-99A1-7834840D1F39}" dt="2021-03-15T05:21:57.221" v="948" actId="20577"/>
-          <ac:spMkLst>
-            <pc:docMk/>
-            <pc:sldMk cId="791616712" sldId="644"/>
-            <ac:spMk id="13" creationId="{00000000-0000-0000-0000-000000000000}"/>
-          </ac:spMkLst>
-        </pc:spChg>
-        <pc:spChg chg="mod">
-          <ac:chgData name="Zhao Jin" userId="cd05a825-544c-438a-9ba1-08e63db50b47" providerId="ADAL" clId="{A47E4F47-ABA8-478E-99A1-7834840D1F39}" dt="2021-03-15T05:17:03.502" v="289" actId="20577"/>
-          <ac:spMkLst>
-            <pc:docMk/>
-            <pc:sldMk cId="791616712" sldId="644"/>
-            <ac:spMk id="14338" creationId="{00000000-0000-0000-0000-000000000000}"/>
-          </ac:spMkLst>
-        </pc:spChg>
-      </pc:sldChg>
-      <pc:sldChg chg="modSp add del mod">
-        <pc:chgData name="Zhao Jin" userId="cd05a825-544c-438a-9ba1-08e63db50b47" providerId="ADAL" clId="{A47E4F47-ABA8-478E-99A1-7834840D1F39}" dt="2021-03-15T05:24:27.359" v="995" actId="47"/>
-        <pc:sldMkLst>
-          <pc:docMk/>
-          <pc:sldMk cId="3058843725" sldId="645"/>
-        </pc:sldMkLst>
-        <pc:spChg chg="mod">
-          <ac:chgData name="Zhao Jin" userId="cd05a825-544c-438a-9ba1-08e63db50b47" providerId="ADAL" clId="{A47E4F47-ABA8-478E-99A1-7834840D1F39}" dt="2021-03-15T05:24:16.566" v="993" actId="15"/>
-          <ac:spMkLst>
-            <pc:docMk/>
-            <pc:sldMk cId="3058843725" sldId="645"/>
-            <ac:spMk id="13" creationId="{00000000-0000-0000-0000-000000000000}"/>
-          </ac:spMkLst>
-        </pc:spChg>
-      </pc:sldChg>
-      <pc:sldChg chg="modSp add mod">
-        <pc:chgData name="Zhao Jin" userId="cd05a825-544c-438a-9ba1-08e63db50b47" providerId="ADAL" clId="{A47E4F47-ABA8-478E-99A1-7834840D1F39}" dt="2021-03-15T05:30:52.387" v="1674" actId="20577"/>
-        <pc:sldMkLst>
-          <pc:docMk/>
-          <pc:sldMk cId="1550881545" sldId="646"/>
-        </pc:sldMkLst>
-        <pc:spChg chg="mod">
-          <ac:chgData name="Zhao Jin" userId="cd05a825-544c-438a-9ba1-08e63db50b47" providerId="ADAL" clId="{A47E4F47-ABA8-478E-99A1-7834840D1F39}" dt="2021-03-15T05:30:52.387" v="1674" actId="20577"/>
-          <ac:spMkLst>
-            <pc:docMk/>
-            <pc:sldMk cId="1550881545" sldId="646"/>
-            <ac:spMk id="13" creationId="{00000000-0000-0000-0000-000000000000}"/>
-          </ac:spMkLst>
-        </pc:spChg>
-      </pc:sldChg>
-      <pc:sldChg chg="addSp delSp modSp add mod">
-        <pc:chgData name="Zhao Jin" userId="cd05a825-544c-438a-9ba1-08e63db50b47" providerId="ADAL" clId="{A47E4F47-ABA8-478E-99A1-7834840D1F39}" dt="2021-03-15T05:31:03.525" v="1675" actId="478"/>
-        <pc:sldMkLst>
-          <pc:docMk/>
-          <pc:sldMk cId="2663715734" sldId="647"/>
-        </pc:sldMkLst>
-        <pc:spChg chg="add mod">
-          <ac:chgData name="Zhao Jin" userId="cd05a825-544c-438a-9ba1-08e63db50b47" providerId="ADAL" clId="{A47E4F47-ABA8-478E-99A1-7834840D1F39}" dt="2021-03-15T05:29:57.306" v="1551" actId="14100"/>
-          <ac:spMkLst>
-            <pc:docMk/>
-            <pc:sldMk cId="2663715734" sldId="647"/>
-            <ac:spMk id="2" creationId="{959407C0-28E5-4740-9B64-A05FFFEE11D3}"/>
-          </ac:spMkLst>
-        </pc:spChg>
-        <pc:spChg chg="add mod">
-          <ac:chgData name="Zhao Jin" userId="cd05a825-544c-438a-9ba1-08e63db50b47" providerId="ADAL" clId="{A47E4F47-ABA8-478E-99A1-7834840D1F39}" dt="2021-03-15T05:30:02.018" v="1558" actId="1036"/>
-          <ac:spMkLst>
-            <pc:docMk/>
-            <pc:sldMk cId="2663715734" sldId="647"/>
-            <ac:spMk id="9" creationId="{07CEB935-D000-45CC-9C0E-26ABB556432F}"/>
-          </ac:spMkLst>
-        </pc:spChg>
-        <pc:spChg chg="mod">
-          <ac:chgData name="Zhao Jin" userId="cd05a825-544c-438a-9ba1-08e63db50b47" providerId="ADAL" clId="{A47E4F47-ABA8-478E-99A1-7834840D1F39}" dt="2021-03-15T05:29:32.826" v="1544" actId="207"/>
-          <ac:spMkLst>
-            <pc:docMk/>
-            <pc:sldMk cId="2663715734" sldId="647"/>
-            <ac:spMk id="11" creationId="{6719DA3F-9CE1-4733-A287-6E9A20182AD7}"/>
-          </ac:spMkLst>
-        </pc:spChg>
-        <pc:spChg chg="del">
-          <ac:chgData name="Zhao Jin" userId="cd05a825-544c-438a-9ba1-08e63db50b47" providerId="ADAL" clId="{A47E4F47-ABA8-478E-99A1-7834840D1F39}" dt="2021-03-15T05:31:03.525" v="1675" actId="478"/>
-          <ac:spMkLst>
-            <pc:docMk/>
-            <pc:sldMk cId="2663715734" sldId="647"/>
-            <ac:spMk id="18" creationId="{B582E1CE-42DB-409B-A5FF-C13933723249}"/>
-          </ac:spMkLst>
-        </pc:spChg>
-      </pc:sldChg>
-      <pc:sldMasterChg chg="modSp modSldLayout">
-        <pc:chgData name="Zhao Jin" userId="cd05a825-544c-438a-9ba1-08e63db50b47" providerId="ADAL" clId="{A47E4F47-ABA8-478E-99A1-7834840D1F39}" dt="2021-03-10T04:12:38.533" v="30"/>
-        <pc:sldMasterMkLst>
-          <pc:docMk/>
-          <pc:sldMasterMk cId="0" sldId="2147485087"/>
-        </pc:sldMasterMkLst>
-        <pc:spChg chg="mod">
-          <ac:chgData name="Zhao Jin" userId="cd05a825-544c-438a-9ba1-08e63db50b47" providerId="ADAL" clId="{A47E4F47-ABA8-478E-99A1-7834840D1F39}" dt="2021-03-10T04:12:38.533" v="30"/>
-          <ac:spMkLst>
-            <pc:docMk/>
-            <pc:sldMasterMk cId="0" sldId="2147485087"/>
-            <ac:spMk id="6" creationId="{00000000-0000-0000-0000-000000000000}"/>
-          </ac:spMkLst>
-        </pc:spChg>
-        <pc:sldLayoutChg chg="modSp">
-          <pc:chgData name="Zhao Jin" userId="cd05a825-544c-438a-9ba1-08e63db50b47" providerId="ADAL" clId="{A47E4F47-ABA8-478E-99A1-7834840D1F39}" dt="2021-03-10T04:12:38.533" v="30"/>
-          <pc:sldLayoutMkLst>
-            <pc:docMk/>
-            <pc:sldMasterMk cId="0" sldId="2147485087"/>
-            <pc:sldLayoutMk cId="0" sldId="2147485088"/>
-          </pc:sldLayoutMkLst>
-          <pc:spChg chg="mod">
-            <ac:chgData name="Zhao Jin" userId="cd05a825-544c-438a-9ba1-08e63db50b47" providerId="ADAL" clId="{A47E4F47-ABA8-478E-99A1-7834840D1F39}" dt="2021-03-10T04:12:38.533" v="30"/>
-            <ac:spMkLst>
-              <pc:docMk/>
-              <pc:sldMasterMk cId="0" sldId="2147485087"/>
-              <pc:sldLayoutMk cId="0" sldId="2147485088"/>
-              <ac:spMk id="6" creationId="{00000000-0000-0000-0000-000000000000}"/>
-            </ac:spMkLst>
-          </pc:spChg>
-        </pc:sldLayoutChg>
-        <pc:sldLayoutChg chg="modSp">
-          <pc:chgData name="Zhao Jin" userId="cd05a825-544c-438a-9ba1-08e63db50b47" providerId="ADAL" clId="{A47E4F47-ABA8-478E-99A1-7834840D1F39}" dt="2021-03-10T04:12:38.533" v="30"/>
-          <pc:sldLayoutMkLst>
-            <pc:docMk/>
-            <pc:sldMasterMk cId="0" sldId="2147485087"/>
-            <pc:sldLayoutMk cId="0" sldId="2147485089"/>
-          </pc:sldLayoutMkLst>
-          <pc:spChg chg="mod">
-            <ac:chgData name="Zhao Jin" userId="cd05a825-544c-438a-9ba1-08e63db50b47" providerId="ADAL" clId="{A47E4F47-ABA8-478E-99A1-7834840D1F39}" dt="2021-03-10T04:12:38.533" v="30"/>
-            <ac:spMkLst>
-              <pc:docMk/>
-              <pc:sldMasterMk cId="0" sldId="2147485087"/>
-              <pc:sldLayoutMk cId="0" sldId="2147485089"/>
-              <ac:spMk id="6" creationId="{00000000-0000-0000-0000-000000000000}"/>
-            </ac:spMkLst>
-          </pc:spChg>
-        </pc:sldLayoutChg>
-        <pc:sldLayoutChg chg="modSp">
-          <pc:chgData name="Zhao Jin" userId="cd05a825-544c-438a-9ba1-08e63db50b47" providerId="ADAL" clId="{A47E4F47-ABA8-478E-99A1-7834840D1F39}" dt="2021-03-10T04:12:38.533" v="30"/>
-          <pc:sldLayoutMkLst>
-            <pc:docMk/>
-            <pc:sldMasterMk cId="0" sldId="2147485087"/>
-            <pc:sldLayoutMk cId="0" sldId="2147485090"/>
-          </pc:sldLayoutMkLst>
-          <pc:spChg chg="mod">
-            <ac:chgData name="Zhao Jin" userId="cd05a825-544c-438a-9ba1-08e63db50b47" providerId="ADAL" clId="{A47E4F47-ABA8-478E-99A1-7834840D1F39}" dt="2021-03-10T04:12:38.533" v="30"/>
-            <ac:spMkLst>
-              <pc:docMk/>
-              <pc:sldMasterMk cId="0" sldId="2147485087"/>
-              <pc:sldLayoutMk cId="0" sldId="2147485090"/>
-              <ac:spMk id="6" creationId="{00000000-0000-0000-0000-000000000000}"/>
-            </ac:spMkLst>
-          </pc:spChg>
-        </pc:sldLayoutChg>
-        <pc:sldLayoutChg chg="modSp">
-          <pc:chgData name="Zhao Jin" userId="cd05a825-544c-438a-9ba1-08e63db50b47" providerId="ADAL" clId="{A47E4F47-ABA8-478E-99A1-7834840D1F39}" dt="2021-03-10T04:12:38.533" v="30"/>
-          <pc:sldLayoutMkLst>
-            <pc:docMk/>
-            <pc:sldMasterMk cId="0" sldId="2147485087"/>
-            <pc:sldLayoutMk cId="0" sldId="2147485091"/>
-          </pc:sldLayoutMkLst>
-          <pc:spChg chg="mod">
-            <ac:chgData name="Zhao Jin" userId="cd05a825-544c-438a-9ba1-08e63db50b47" providerId="ADAL" clId="{A47E4F47-ABA8-478E-99A1-7834840D1F39}" dt="2021-03-10T04:12:38.533" v="30"/>
-            <ac:spMkLst>
-              <pc:docMk/>
-              <pc:sldMasterMk cId="0" sldId="2147485087"/>
-              <pc:sldLayoutMk cId="0" sldId="2147485091"/>
-              <ac:spMk id="7" creationId="{00000000-0000-0000-0000-000000000000}"/>
-            </ac:spMkLst>
-          </pc:spChg>
-        </pc:sldLayoutChg>
-        <pc:sldLayoutChg chg="modSp">
-          <pc:chgData name="Zhao Jin" userId="cd05a825-544c-438a-9ba1-08e63db50b47" providerId="ADAL" clId="{A47E4F47-ABA8-478E-99A1-7834840D1F39}" dt="2021-03-10T04:12:38.533" v="30"/>
-          <pc:sldLayoutMkLst>
-            <pc:docMk/>
-            <pc:sldMasterMk cId="0" sldId="2147485087"/>
-            <pc:sldLayoutMk cId="0" sldId="2147485092"/>
-          </pc:sldLayoutMkLst>
-          <pc:spChg chg="mod">
-            <ac:chgData name="Zhao Jin" userId="cd05a825-544c-438a-9ba1-08e63db50b47" providerId="ADAL" clId="{A47E4F47-ABA8-478E-99A1-7834840D1F39}" dt="2021-03-10T04:12:38.533" v="30"/>
-            <ac:spMkLst>
-              <pc:docMk/>
-              <pc:sldMasterMk cId="0" sldId="2147485087"/>
-              <pc:sldLayoutMk cId="0" sldId="2147485092"/>
-              <ac:spMk id="9" creationId="{00000000-0000-0000-0000-000000000000}"/>
-            </ac:spMkLst>
-          </pc:spChg>
-        </pc:sldLayoutChg>
-        <pc:sldLayoutChg chg="modSp">
-          <pc:chgData name="Zhao Jin" userId="cd05a825-544c-438a-9ba1-08e63db50b47" providerId="ADAL" clId="{A47E4F47-ABA8-478E-99A1-7834840D1F39}" dt="2021-03-10T04:12:38.533" v="30"/>
-          <pc:sldLayoutMkLst>
-            <pc:docMk/>
-            <pc:sldMasterMk cId="0" sldId="2147485087"/>
-            <pc:sldLayoutMk cId="0" sldId="2147485093"/>
-          </pc:sldLayoutMkLst>
-          <pc:spChg chg="mod">
-            <ac:chgData name="Zhao Jin" userId="cd05a825-544c-438a-9ba1-08e63db50b47" providerId="ADAL" clId="{A47E4F47-ABA8-478E-99A1-7834840D1F39}" dt="2021-03-10T04:12:38.533" v="30"/>
-            <ac:spMkLst>
-              <pc:docMk/>
-              <pc:sldMasterMk cId="0" sldId="2147485087"/>
-              <pc:sldLayoutMk cId="0" sldId="2147485093"/>
-              <ac:spMk id="5" creationId="{00000000-0000-0000-0000-000000000000}"/>
-            </ac:spMkLst>
-          </pc:spChg>
-        </pc:sldLayoutChg>
-        <pc:sldLayoutChg chg="modSp">
-          <pc:chgData name="Zhao Jin" userId="cd05a825-544c-438a-9ba1-08e63db50b47" providerId="ADAL" clId="{A47E4F47-ABA8-478E-99A1-7834840D1F39}" dt="2021-03-10T04:12:38.533" v="30"/>
-          <pc:sldLayoutMkLst>
-            <pc:docMk/>
-            <pc:sldMasterMk cId="0" sldId="2147485087"/>
-            <pc:sldLayoutMk cId="0" sldId="2147485094"/>
-          </pc:sldLayoutMkLst>
-          <pc:spChg chg="mod">
-            <ac:chgData name="Zhao Jin" userId="cd05a825-544c-438a-9ba1-08e63db50b47" providerId="ADAL" clId="{A47E4F47-ABA8-478E-99A1-7834840D1F39}" dt="2021-03-10T04:12:38.533" v="30"/>
-            <ac:spMkLst>
-              <pc:docMk/>
-              <pc:sldMasterMk cId="0" sldId="2147485087"/>
-              <pc:sldLayoutMk cId="0" sldId="2147485094"/>
-              <ac:spMk id="4" creationId="{00000000-0000-0000-0000-000000000000}"/>
-            </ac:spMkLst>
-          </pc:spChg>
-        </pc:sldLayoutChg>
-        <pc:sldLayoutChg chg="modSp">
-          <pc:chgData name="Zhao Jin" userId="cd05a825-544c-438a-9ba1-08e63db50b47" providerId="ADAL" clId="{A47E4F47-ABA8-478E-99A1-7834840D1F39}" dt="2021-03-10T04:12:38.533" v="30"/>
-          <pc:sldLayoutMkLst>
-            <pc:docMk/>
-            <pc:sldMasterMk cId="0" sldId="2147485087"/>
-            <pc:sldLayoutMk cId="0" sldId="2147485095"/>
-          </pc:sldLayoutMkLst>
-          <pc:spChg chg="mod">
-            <ac:chgData name="Zhao Jin" userId="cd05a825-544c-438a-9ba1-08e63db50b47" providerId="ADAL" clId="{A47E4F47-ABA8-478E-99A1-7834840D1F39}" dt="2021-03-10T04:12:38.533" v="30"/>
-            <ac:spMkLst>
-              <pc:docMk/>
-              <pc:sldMasterMk cId="0" sldId="2147485087"/>
-              <pc:sldLayoutMk cId="0" sldId="2147485095"/>
-              <ac:spMk id="7" creationId="{00000000-0000-0000-0000-000000000000}"/>
-            </ac:spMkLst>
-          </pc:spChg>
-        </pc:sldLayoutChg>
-        <pc:sldLayoutChg chg="modSp">
-          <pc:chgData name="Zhao Jin" userId="cd05a825-544c-438a-9ba1-08e63db50b47" providerId="ADAL" clId="{A47E4F47-ABA8-478E-99A1-7834840D1F39}" dt="2021-03-10T04:12:38.533" v="30"/>
-          <pc:sldLayoutMkLst>
-            <pc:docMk/>
-            <pc:sldMasterMk cId="0" sldId="2147485087"/>
-            <pc:sldLayoutMk cId="0" sldId="2147485096"/>
-          </pc:sldLayoutMkLst>
-          <pc:spChg chg="mod">
-            <ac:chgData name="Zhao Jin" userId="cd05a825-544c-438a-9ba1-08e63db50b47" providerId="ADAL" clId="{A47E4F47-ABA8-478E-99A1-7834840D1F39}" dt="2021-03-10T04:12:38.533" v="30"/>
-            <ac:spMkLst>
-              <pc:docMk/>
-              <pc:sldMasterMk cId="0" sldId="2147485087"/>
-              <pc:sldLayoutMk cId="0" sldId="2147485096"/>
-              <ac:spMk id="7" creationId="{00000000-0000-0000-0000-000000000000}"/>
-            </ac:spMkLst>
-          </pc:spChg>
-        </pc:sldLayoutChg>
-        <pc:sldLayoutChg chg="modSp">
-          <pc:chgData name="Zhao Jin" userId="cd05a825-544c-438a-9ba1-08e63db50b47" providerId="ADAL" clId="{A47E4F47-ABA8-478E-99A1-7834840D1F39}" dt="2021-03-10T04:12:38.533" v="30"/>
-          <pc:sldLayoutMkLst>
-            <pc:docMk/>
-            <pc:sldMasterMk cId="0" sldId="2147485087"/>
-            <pc:sldLayoutMk cId="0" sldId="2147485097"/>
-          </pc:sldLayoutMkLst>
-          <pc:spChg chg="mod">
-            <ac:chgData name="Zhao Jin" userId="cd05a825-544c-438a-9ba1-08e63db50b47" providerId="ADAL" clId="{A47E4F47-ABA8-478E-99A1-7834840D1F39}" dt="2021-03-10T04:12:38.533" v="30"/>
-            <ac:spMkLst>
-              <pc:docMk/>
-              <pc:sldMasterMk cId="0" sldId="2147485087"/>
-              <pc:sldLayoutMk cId="0" sldId="2147485097"/>
-              <ac:spMk id="6" creationId="{00000000-0000-0000-0000-000000000000}"/>
-            </ac:spMkLst>
-          </pc:spChg>
-        </pc:sldLayoutChg>
-        <pc:sldLayoutChg chg="modSp">
-          <pc:chgData name="Zhao Jin" userId="cd05a825-544c-438a-9ba1-08e63db50b47" providerId="ADAL" clId="{A47E4F47-ABA8-478E-99A1-7834840D1F39}" dt="2021-03-10T04:12:38.533" v="30"/>
-          <pc:sldLayoutMkLst>
-            <pc:docMk/>
-            <pc:sldMasterMk cId="0" sldId="2147485087"/>
-            <pc:sldLayoutMk cId="0" sldId="2147485098"/>
-          </pc:sldLayoutMkLst>
-          <pc:spChg chg="mod">
-            <ac:chgData name="Zhao Jin" userId="cd05a825-544c-438a-9ba1-08e63db50b47" providerId="ADAL" clId="{A47E4F47-ABA8-478E-99A1-7834840D1F39}" dt="2021-03-10T04:12:38.533" v="30"/>
             <ac:spMkLst>
               <pc:docMk/>
               <pc:sldMasterMk cId="0" sldId="2147485087"/>
@@ -9269,7 +9420,7 @@
               <a:defRPr/>
             </a:pPr>
             <a:r>
-              <a:rPr lang="en-GB" dirty="0">
+              <a:rPr lang="en-GB">
                 <a:latin typeface="+mn-lt"/>
               </a:rPr>
               <a:t>CS1010 Programming Methodology</a:t>
@@ -9321,7 +9472,7 @@
             <a:pPr>
               <a:defRPr/>
             </a:pPr>
-            <a:endParaRPr lang="en-GB" dirty="0"/>
+            <a:endParaRPr lang="en-GB"/>
           </a:p>
         </p:txBody>
       </p:sp>
@@ -9369,7 +9520,7 @@
             <a:pPr>
               <a:defRPr/>
             </a:pPr>
-            <a:endParaRPr lang="en-GB" dirty="0"/>
+            <a:endParaRPr lang="en-GB"/>
           </a:p>
         </p:txBody>
       </p:sp>
@@ -9424,7 +9575,7 @@
               </a:pPr>
               <a:t>‹#›</a:t>
             </a:fld>
-            <a:endParaRPr lang="en-GB" dirty="0"/>
+            <a:endParaRPr lang="en-GB"/>
           </a:p>
         </p:txBody>
       </p:sp>
@@ -9579,7 +9730,7 @@
             <a:pPr>
               <a:defRPr/>
             </a:pPr>
-            <a:endParaRPr lang="en-GB" dirty="0"/>
+            <a:endParaRPr lang="en-GB"/>
           </a:p>
         </p:txBody>
       </p:sp>
@@ -9634,7 +9785,7 @@
               </a:pPr>
               <a:t>‹#›</a:t>
             </a:fld>
-            <a:endParaRPr lang="en-GB" dirty="0"/>
+            <a:endParaRPr lang="en-GB"/>
           </a:p>
         </p:txBody>
       </p:sp>
@@ -9673,9 +9824,9 @@
               <a:pPr>
                 <a:defRPr/>
               </a:pPr>
-              <a:t>3/22/2021</a:t>
+              <a:t>3/29/2021</a:t>
             </a:fld>
-            <a:endParaRPr lang="en-US" dirty="0"/>
+            <a:endParaRPr lang="en-US"/>
           </a:p>
         </p:txBody>
       </p:sp>
@@ -9709,7 +9860,7 @@
           <a:lstStyle/>
           <a:p>
             <a:pPr lvl="0"/>
-            <a:endParaRPr lang="en-US" noProof="0" dirty="0"/>
+            <a:endParaRPr lang="en-US" noProof="0"/>
           </a:p>
         </p:txBody>
       </p:sp>
@@ -9744,7 +9895,7 @@
               <a:defRPr/>
             </a:pPr>
             <a:r>
-              <a:rPr lang="en-US" dirty="0"/>
+              <a:rPr lang="en-US"/>
               <a:t>CS1010 Programming  Methodology</a:t>
             </a:r>
           </a:p>
@@ -9932,7 +10083,7 @@
           <a:lstStyle/>
           <a:p>
             <a:r>
-              <a:rPr lang="en-US" dirty="0"/>
+              <a:rPr lang="en-US"/>
               <a:t>CS1010 Programming Methodology</a:t>
             </a:r>
           </a:p>
@@ -9983,7 +10134,7 @@
           <a:lstStyle/>
           <a:p>
             <a:pPr eaLnBrk="1" hangingPunct="1"/>
-            <a:endParaRPr lang="en-GB" dirty="0"/>
+            <a:endParaRPr lang="en-GB"/>
           </a:p>
         </p:txBody>
       </p:sp>
@@ -10048,7 +10199,7 @@
           <a:lstStyle/>
           <a:p>
             <a:r>
-              <a:rPr lang="en-US" dirty="0"/>
+              <a:rPr lang="en-US"/>
               <a:t>CS1010 Programming Methodology</a:t>
             </a:r>
           </a:p>
@@ -10100,7 +10251,7 @@
             <a:pPr eaLnBrk="1" hangingPunct="1">
               <a:defRPr/>
             </a:pPr>
-            <a:endParaRPr lang="en-US" dirty="0"/>
+            <a:endParaRPr lang="en-US"/>
           </a:p>
         </p:txBody>
       </p:sp>
@@ -10165,7 +10316,7 @@
           <a:lstStyle/>
           <a:p>
             <a:r>
-              <a:rPr lang="en-US" dirty="0"/>
+              <a:rPr lang="en-US"/>
               <a:t>CS1010 Programming Methodology</a:t>
             </a:r>
           </a:p>
@@ -10217,7 +10368,7 @@
             <a:pPr eaLnBrk="1" hangingPunct="1">
               <a:defRPr/>
             </a:pPr>
-            <a:endParaRPr lang="en-US" dirty="0"/>
+            <a:endParaRPr lang="en-US"/>
           </a:p>
         </p:txBody>
       </p:sp>
@@ -10282,7 +10433,7 @@
           <a:lstStyle/>
           <a:p>
             <a:r>
-              <a:rPr lang="en-US" dirty="0"/>
+              <a:rPr lang="en-US"/>
               <a:t>CS1010 Programming Methodology</a:t>
             </a:r>
           </a:p>
@@ -10334,14 +10485,14 @@
             <a:pPr eaLnBrk="1" hangingPunct="1">
               <a:defRPr/>
             </a:pPr>
-            <a:endParaRPr lang="en-US" dirty="0"/>
+            <a:endParaRPr lang="en-US"/>
           </a:p>
         </p:txBody>
       </p:sp>
     </p:spTree>
     <p:extLst>
       <p:ext uri="{BB962C8B-B14F-4D97-AF65-F5344CB8AC3E}">
-        <p14:creationId xmlns:p14="http://schemas.microsoft.com/office/powerpoint/2010/main" val="1101812783"/>
+        <p14:creationId xmlns:p14="http://schemas.microsoft.com/office/powerpoint/2010/main" val="1163772704"/>
       </p:ext>
     </p:extLst>
   </p:cSld>
@@ -10451,14 +10602,14 @@
             <a:pPr eaLnBrk="1" hangingPunct="1">
               <a:defRPr/>
             </a:pPr>
-            <a:endParaRPr lang="en-US" dirty="0"/>
+            <a:endParaRPr lang="en-US"/>
           </a:p>
         </p:txBody>
       </p:sp>
     </p:spTree>
     <p:extLst>
       <p:ext uri="{BB962C8B-B14F-4D97-AF65-F5344CB8AC3E}">
-        <p14:creationId xmlns:p14="http://schemas.microsoft.com/office/powerpoint/2010/main" val="788371331"/>
+        <p14:creationId xmlns:p14="http://schemas.microsoft.com/office/powerpoint/2010/main" val="165798833"/>
       </p:ext>
     </p:extLst>
   </p:cSld>
@@ -10516,7 +10667,7 @@
           <a:lstStyle/>
           <a:p>
             <a:r>
-              <a:rPr lang="en-US" dirty="0"/>
+              <a:rPr lang="en-US"/>
               <a:t>CS1010 Programming Methodology</a:t>
             </a:r>
           </a:p>
@@ -10568,14 +10719,14 @@
             <a:pPr eaLnBrk="1" hangingPunct="1">
               <a:defRPr/>
             </a:pPr>
-            <a:endParaRPr lang="en-US" dirty="0"/>
+            <a:endParaRPr lang="en-US"/>
           </a:p>
         </p:txBody>
       </p:sp>
     </p:spTree>
     <p:extLst>
       <p:ext uri="{BB962C8B-B14F-4D97-AF65-F5344CB8AC3E}">
-        <p14:creationId xmlns:p14="http://schemas.microsoft.com/office/powerpoint/2010/main" val="1624229624"/>
+        <p14:creationId xmlns:p14="http://schemas.microsoft.com/office/powerpoint/2010/main" val="788371331"/>
       </p:ext>
     </p:extLst>
   </p:cSld>
@@ -10685,7 +10836,124 @@
             <a:pPr eaLnBrk="1" hangingPunct="1">
               <a:defRPr/>
             </a:pPr>
-            <a:endParaRPr lang="en-US" dirty="0"/>
+            <a:endParaRPr lang="en-US"/>
+          </a:p>
+        </p:txBody>
+      </p:sp>
+    </p:spTree>
+    <p:extLst>
+      <p:ext uri="{BB962C8B-B14F-4D97-AF65-F5344CB8AC3E}">
+        <p14:creationId xmlns:p14="http://schemas.microsoft.com/office/powerpoint/2010/main" val="1624229624"/>
+      </p:ext>
+    </p:extLst>
+  </p:cSld>
+  <p:clrMapOvr>
+    <a:masterClrMapping/>
+  </p:clrMapOvr>
+</p:notes>
+</file>
+
+<file path=ppt/notesSlides/notesSlide8.xml><?xml version="1.0" encoding="utf-8"?>
+<p:notes xmlns:a="http://schemas.openxmlformats.org/drawingml/2006/main" xmlns:r="http://schemas.openxmlformats.org/officeDocument/2006/relationships" xmlns:p="http://schemas.openxmlformats.org/presentationml/2006/main">
+  <p:cSld>
+    <p:spTree>
+      <p:nvGrpSpPr>
+        <p:cNvPr id="1" name=""/>
+        <p:cNvGrpSpPr/>
+        <p:nvPr/>
+      </p:nvGrpSpPr>
+      <p:grpSpPr>
+        <a:xfrm>
+          <a:off x="0" y="0"/>
+          <a:ext cx="0" cy="0"/>
+          <a:chOff x="0" y="0"/>
+          <a:chExt cx="0" cy="0"/>
+        </a:xfrm>
+      </p:grpSpPr>
+      <p:sp>
+        <p:nvSpPr>
+          <p:cNvPr id="64514" name="Rectangle 2"/>
+          <p:cNvSpPr>
+            <a:spLocks noGrp="1" noChangeArrowheads="1"/>
+          </p:cNvSpPr>
+          <p:nvPr>
+            <p:ph type="hdr" sz="quarter"/>
+          </p:nvPr>
+        </p:nvSpPr>
+        <p:spPr bwMode="auto">
+          <a:xfrm>
+            <a:off x="0" y="0"/>
+            <a:ext cx="3038786" cy="465341"/>
+          </a:xfrm>
+          <a:noFill/>
+          <a:ln>
+            <a:miter lim="800000"/>
+            <a:headEnd/>
+            <a:tailEnd/>
+          </a:ln>
+        </p:spPr>
+        <p:txBody>
+          <a:bodyPr wrap="square" numCol="1" anchor="t" anchorCtr="0" compatLnSpc="1">
+            <a:prstTxWarp prst="textNoShape">
+              <a:avLst/>
+            </a:prstTxWarp>
+          </a:bodyPr>
+          <a:lstStyle/>
+          <a:p>
+            <a:r>
+              <a:rPr lang="en-US"/>
+              <a:t>CS1010 Programming Methodology</a:t>
+            </a:r>
+          </a:p>
+        </p:txBody>
+      </p:sp>
+      <p:sp>
+        <p:nvSpPr>
+          <p:cNvPr id="64515" name="Rectangle 2"/>
+          <p:cNvSpPr>
+            <a:spLocks noGrp="1" noRot="1" noChangeAspect="1" noChangeArrowheads="1" noTextEdit="1"/>
+          </p:cNvSpPr>
+          <p:nvPr>
+            <p:ph type="sldImg"/>
+          </p:nvPr>
+        </p:nvSpPr>
+        <p:spPr bwMode="auto">
+          <a:xfrm>
+            <a:off x="1182688" y="696913"/>
+            <a:ext cx="4648200" cy="3486150"/>
+          </a:xfrm>
+          <a:noFill/>
+          <a:ln>
+            <a:solidFill>
+              <a:srgbClr val="000000"/>
+            </a:solidFill>
+            <a:miter lim="800000"/>
+            <a:headEnd/>
+            <a:tailEnd/>
+          </a:ln>
+        </p:spPr>
+      </p:sp>
+      <p:sp>
+        <p:nvSpPr>
+          <p:cNvPr id="64516" name="Rectangle 3"/>
+          <p:cNvSpPr>
+            <a:spLocks noGrp="1" noChangeArrowheads="1"/>
+          </p:cNvSpPr>
+          <p:nvPr>
+            <p:ph type="body" idx="1"/>
+          </p:nvPr>
+        </p:nvSpPr>
+        <p:spPr>
+          <a:ln w="9525"/>
+        </p:spPr>
+        <p:txBody>
+          <a:bodyPr/>
+          <a:lstStyle/>
+          <a:p>
+            <a:pPr eaLnBrk="1" hangingPunct="1">
+              <a:defRPr/>
+            </a:pPr>
+            <a:endParaRPr lang="en-US"/>
           </a:p>
         </p:txBody>
       </p:sp>
@@ -10702,7 +10970,7 @@
 </p:notes>
 </file>
 
-<file path=ppt/notesSlides/notesSlide8.xml><?xml version="1.0" encoding="utf-8"?>
+<file path=ppt/notesSlides/notesSlide9.xml><?xml version="1.0" encoding="utf-8"?>
 <p:notes xmlns:a="http://schemas.openxmlformats.org/drawingml/2006/main" xmlns:r="http://schemas.openxmlformats.org/officeDocument/2006/relationships" xmlns:p="http://schemas.openxmlformats.org/presentationml/2006/main">
   <p:cSld>
     <p:spTree>
@@ -10865,7 +11133,6 @@
               <a:rPr lang="en-US"/>
               <a:t>Click to edit Master title style</a:t>
             </a:r>
-            <a:endParaRPr lang="en-US" dirty="0"/>
           </a:p>
         </p:txBody>
       </p:sp>
@@ -10985,7 +11252,6 @@
               <a:rPr lang="en-US"/>
               <a:t>Click to edit Master subtitle style</a:t>
             </a:r>
-            <a:endParaRPr lang="en-US" dirty="0"/>
           </a:p>
         </p:txBody>
       </p:sp>
@@ -11008,7 +11274,7 @@
               <a:defRPr/>
             </a:pPr>
             <a:r>
-              <a:rPr lang="en-US" dirty="0"/>
+              <a:rPr lang="en-US"/>
               <a:t>© NUS</a:t>
             </a:r>
           </a:p>
@@ -11032,7 +11298,7 @@
             <a:pPr algn="l">
               <a:defRPr/>
             </a:pPr>
-            <a:endParaRPr lang="en-US" dirty="0"/>
+            <a:endParaRPr lang="en-US"/>
           </a:p>
         </p:txBody>
       </p:sp>
@@ -11059,7 +11325,7 @@
               <a:defRPr/>
             </a:pPr>
             <a:r>
-              <a:rPr lang="en-US" dirty="0"/>
+              <a:rPr lang="en-US"/>
               <a:t>Unit27 - </a:t>
             </a:r>
             <a:fld id="{2E4790E1-2590-4AEE-892D-AB46A7688113}" type="slidenum">
@@ -11069,7 +11335,7 @@
               </a:pPr>
               <a:t>‹#›</a:t>
             </a:fld>
-            <a:endParaRPr lang="en-US" dirty="0"/>
+            <a:endParaRPr lang="en-US"/>
           </a:p>
         </p:txBody>
       </p:sp>
@@ -11228,7 +11494,7 @@
               <a:defRPr/>
             </a:pPr>
             <a:r>
-              <a:rPr lang="en-US" dirty="0"/>
+              <a:rPr lang="en-US"/>
               <a:t>© NUS</a:t>
             </a:r>
           </a:p>
@@ -11252,7 +11518,7 @@
             <a:pPr algn="l">
               <a:defRPr/>
             </a:pPr>
-            <a:endParaRPr lang="en-US" dirty="0"/>
+            <a:endParaRPr lang="en-US"/>
           </a:p>
         </p:txBody>
       </p:sp>
@@ -11275,7 +11541,7 @@
               <a:defRPr/>
             </a:pPr>
             <a:r>
-              <a:rPr lang="en-US" dirty="0"/>
+              <a:rPr lang="en-US"/>
               <a:t>Unit27 - </a:t>
             </a:r>
             <a:fld id="{2E4790E1-2590-4AEE-892D-AB46A7688113}" type="slidenum">
@@ -11285,7 +11551,7 @@
               </a:pPr>
               <a:t>‹#›</a:t>
             </a:fld>
-            <a:endParaRPr lang="en-US" dirty="0"/>
+            <a:endParaRPr lang="en-US"/>
           </a:p>
         </p:txBody>
       </p:sp>
@@ -11341,7 +11607,6 @@
               <a:rPr lang="en-US"/>
               <a:t>Click to edit Master title style</a:t>
             </a:r>
-            <a:endParaRPr lang="en-US" dirty="0"/>
           </a:p>
         </p:txBody>
       </p:sp>
@@ -11398,7 +11663,6 @@
               <a:rPr lang="en-US"/>
               <a:t>Fifth level</a:t>
             </a:r>
-            <a:endParaRPr lang="en-US" dirty="0"/>
           </a:p>
         </p:txBody>
       </p:sp>
@@ -11421,7 +11685,7 @@
               <a:defRPr/>
             </a:pPr>
             <a:r>
-              <a:rPr lang="en-US" dirty="0"/>
+              <a:rPr lang="en-US"/>
               <a:t>© NUS</a:t>
             </a:r>
           </a:p>
@@ -11445,7 +11709,7 @@
             <a:pPr algn="l">
               <a:defRPr/>
             </a:pPr>
-            <a:endParaRPr lang="en-US" dirty="0"/>
+            <a:endParaRPr lang="en-US"/>
           </a:p>
         </p:txBody>
       </p:sp>
@@ -11468,7 +11732,7 @@
               <a:defRPr/>
             </a:pPr>
             <a:r>
-              <a:rPr lang="en-US" dirty="0"/>
+              <a:rPr lang="en-US"/>
               <a:t>Unit27 - </a:t>
             </a:r>
             <a:fld id="{2E4790E1-2590-4AEE-892D-AB46A7688113}" type="slidenum">
@@ -11478,7 +11742,7 @@
               </a:pPr>
               <a:t>‹#›</a:t>
             </a:fld>
-            <a:endParaRPr lang="en-US" dirty="0"/>
+            <a:endParaRPr lang="en-US"/>
           </a:p>
         </p:txBody>
       </p:sp>
@@ -11602,7 +11866,7 @@
               <a:defRPr/>
             </a:pPr>
             <a:r>
-              <a:rPr lang="en-US" dirty="0"/>
+              <a:rPr lang="en-US"/>
               <a:t>© NUS</a:t>
             </a:r>
           </a:p>
@@ -11626,7 +11890,7 @@
             <a:pPr algn="l">
               <a:defRPr/>
             </a:pPr>
-            <a:endParaRPr lang="en-US" dirty="0"/>
+            <a:endParaRPr lang="en-US"/>
           </a:p>
         </p:txBody>
       </p:sp>
@@ -11653,7 +11917,7 @@
               <a:defRPr/>
             </a:pPr>
             <a:r>
-              <a:rPr lang="en-US" dirty="0"/>
+              <a:rPr lang="en-US"/>
               <a:t>Unit27 - </a:t>
             </a:r>
             <a:fld id="{2E4790E1-2590-4AEE-892D-AB46A7688113}" type="slidenum">
@@ -11663,7 +11927,7 @@
               </a:pPr>
               <a:t>‹#›</a:t>
             </a:fld>
-            <a:endParaRPr lang="en-US" dirty="0"/>
+            <a:endParaRPr lang="en-US"/>
           </a:p>
         </p:txBody>
       </p:sp>
@@ -11730,7 +11994,6 @@
               <a:rPr lang="en-US"/>
               <a:t>Click to edit Master title style</a:t>
             </a:r>
-            <a:endParaRPr lang="en-US" dirty="0"/>
           </a:p>
         </p:txBody>
       </p:sp>
@@ -11872,7 +12135,7 @@
               <a:defRPr/>
             </a:pPr>
             <a:r>
-              <a:rPr lang="en-US" dirty="0"/>
+              <a:rPr lang="en-US"/>
               <a:t>© NUS</a:t>
             </a:r>
           </a:p>
@@ -11896,7 +12159,7 @@
             <a:pPr algn="l">
               <a:defRPr/>
             </a:pPr>
-            <a:endParaRPr lang="en-US" dirty="0"/>
+            <a:endParaRPr lang="en-US"/>
           </a:p>
         </p:txBody>
       </p:sp>
@@ -11923,7 +12186,7 @@
               <a:defRPr/>
             </a:pPr>
             <a:r>
-              <a:rPr lang="en-US" dirty="0"/>
+              <a:rPr lang="en-US"/>
               <a:t>Unit27 - </a:t>
             </a:r>
             <a:fld id="{2E4790E1-2590-4AEE-892D-AB46A7688113}" type="slidenum">
@@ -11933,7 +12196,7 @@
               </a:pPr>
               <a:t>‹#›</a:t>
             </a:fld>
-            <a:endParaRPr lang="en-US" dirty="0"/>
+            <a:endParaRPr lang="en-US"/>
           </a:p>
         </p:txBody>
       </p:sp>
@@ -12103,7 +12366,6 @@
               <a:rPr lang="en-US"/>
               <a:t>Fifth level</a:t>
             </a:r>
-            <a:endParaRPr lang="en-US" dirty="0"/>
           </a:p>
         </p:txBody>
       </p:sp>
@@ -12188,7 +12450,6 @@
               <a:rPr lang="en-US"/>
               <a:t>Fifth level</a:t>
             </a:r>
-            <a:endParaRPr lang="en-US" dirty="0"/>
           </a:p>
         </p:txBody>
       </p:sp>
@@ -12211,7 +12472,7 @@
               <a:defRPr/>
             </a:pPr>
             <a:r>
-              <a:rPr lang="en-US" dirty="0"/>
+              <a:rPr lang="en-US"/>
               <a:t>© NUS</a:t>
             </a:r>
           </a:p>
@@ -12235,7 +12496,7 @@
             <a:pPr algn="l">
               <a:defRPr/>
             </a:pPr>
-            <a:endParaRPr lang="en-US" dirty="0"/>
+            <a:endParaRPr lang="en-US"/>
           </a:p>
         </p:txBody>
       </p:sp>
@@ -12258,7 +12519,7 @@
               <a:defRPr/>
             </a:pPr>
             <a:r>
-              <a:rPr lang="en-US" dirty="0"/>
+              <a:rPr lang="en-US"/>
               <a:t>Unit27 - </a:t>
             </a:r>
             <a:fld id="{2E4790E1-2590-4AEE-892D-AB46A7688113}" type="slidenum">
@@ -12268,7 +12529,7 @@
               </a:pPr>
               <a:t>‹#›</a:t>
             </a:fld>
-            <a:endParaRPr lang="en-US" dirty="0"/>
+            <a:endParaRPr lang="en-US"/>
           </a:p>
         </p:txBody>
       </p:sp>
@@ -12323,7 +12584,6 @@
               <a:rPr lang="en-US"/>
               <a:t>Click to edit Master title style</a:t>
             </a:r>
-            <a:endParaRPr lang="en-US" dirty="0"/>
           </a:p>
         </p:txBody>
       </p:sp>
@@ -12496,7 +12756,6 @@
               <a:rPr lang="en-US"/>
               <a:t>Fifth level</a:t>
             </a:r>
-            <a:endParaRPr lang="en-US" dirty="0"/>
           </a:p>
         </p:txBody>
       </p:sp>
@@ -12672,7 +12931,6 @@
               <a:rPr lang="en-US"/>
               <a:t>Fifth level</a:t>
             </a:r>
-            <a:endParaRPr lang="en-US" dirty="0"/>
           </a:p>
         </p:txBody>
       </p:sp>
@@ -12695,7 +12953,7 @@
               <a:defRPr/>
             </a:pPr>
             <a:r>
-              <a:rPr lang="en-US" dirty="0"/>
+              <a:rPr lang="en-US"/>
               <a:t>© NUS</a:t>
             </a:r>
           </a:p>
@@ -12719,7 +12977,7 @@
             <a:pPr algn="l">
               <a:defRPr/>
             </a:pPr>
-            <a:endParaRPr lang="en-US" dirty="0"/>
+            <a:endParaRPr lang="en-US"/>
           </a:p>
         </p:txBody>
       </p:sp>
@@ -12742,7 +13000,7 @@
               <a:defRPr/>
             </a:pPr>
             <a:r>
-              <a:rPr lang="en-US" dirty="0"/>
+              <a:rPr lang="en-US"/>
               <a:t>Unit27 - </a:t>
             </a:r>
             <a:fld id="{2E4790E1-2590-4AEE-892D-AB46A7688113}" type="slidenum">
@@ -12752,7 +13010,7 @@
               </a:pPr>
               <a:t>‹#›</a:t>
             </a:fld>
-            <a:endParaRPr lang="en-US" dirty="0"/>
+            <a:endParaRPr lang="en-US"/>
           </a:p>
         </p:txBody>
       </p:sp>
@@ -12860,7 +13118,7 @@
               <a:defRPr/>
             </a:pPr>
             <a:r>
-              <a:rPr lang="en-US" dirty="0"/>
+              <a:rPr lang="en-US"/>
               <a:t>© NUS</a:t>
             </a:r>
           </a:p>
@@ -12884,7 +13142,7 @@
             <a:pPr algn="l">
               <a:defRPr/>
             </a:pPr>
-            <a:endParaRPr lang="en-US" dirty="0"/>
+            <a:endParaRPr lang="en-US"/>
           </a:p>
         </p:txBody>
       </p:sp>
@@ -12907,7 +13165,7 @@
               <a:defRPr/>
             </a:pPr>
             <a:r>
-              <a:rPr lang="en-US" dirty="0"/>
+              <a:rPr lang="en-US"/>
               <a:t>Unit27 - </a:t>
             </a:r>
             <a:fld id="{2E4790E1-2590-4AEE-892D-AB46A7688113}" type="slidenum">
@@ -12917,7 +13175,7 @@
               </a:pPr>
               <a:t>‹#›</a:t>
             </a:fld>
-            <a:endParaRPr lang="en-US" dirty="0"/>
+            <a:endParaRPr lang="en-US"/>
           </a:p>
         </p:txBody>
       </p:sp>
@@ -12968,7 +13226,7 @@
               <a:defRPr/>
             </a:pPr>
             <a:r>
-              <a:rPr lang="en-US" dirty="0"/>
+              <a:rPr lang="en-US"/>
               <a:t>© NUS</a:t>
             </a:r>
           </a:p>
@@ -12992,7 +13250,7 @@
             <a:pPr algn="l">
               <a:defRPr/>
             </a:pPr>
-            <a:endParaRPr lang="en-US" dirty="0"/>
+            <a:endParaRPr lang="en-US"/>
           </a:p>
         </p:txBody>
       </p:sp>
@@ -13015,7 +13273,7 @@
               <a:defRPr/>
             </a:pPr>
             <a:r>
-              <a:rPr lang="en-US" dirty="0"/>
+              <a:rPr lang="en-US"/>
               <a:t>Unit27 - </a:t>
             </a:r>
             <a:fld id="{2E4790E1-2590-4AEE-892D-AB46A7688113}" type="slidenum">
@@ -13025,7 +13283,7 @@
               </a:pPr>
               <a:t>‹#›</a:t>
             </a:fld>
-            <a:endParaRPr lang="en-US" dirty="0"/>
+            <a:endParaRPr lang="en-US"/>
           </a:p>
         </p:txBody>
       </p:sp>
@@ -13087,7 +13345,6 @@
               <a:rPr lang="en-US"/>
               <a:t>Click to edit Master title style</a:t>
             </a:r>
-            <a:endParaRPr lang="en-US" dirty="0"/>
           </a:p>
         </p:txBody>
       </p:sp>
@@ -13172,7 +13429,6 @@
               <a:rPr lang="en-US"/>
               <a:t>Fifth level</a:t>
             </a:r>
-            <a:endParaRPr lang="en-US" dirty="0"/>
           </a:p>
         </p:txBody>
       </p:sp>
@@ -13260,7 +13516,7 @@
               <a:defRPr/>
             </a:pPr>
             <a:r>
-              <a:rPr lang="en-US" dirty="0"/>
+              <a:rPr lang="en-US"/>
               <a:t>© NUS</a:t>
             </a:r>
           </a:p>
@@ -13284,7 +13540,7 @@
             <a:pPr algn="l">
               <a:defRPr/>
             </a:pPr>
-            <a:endParaRPr lang="en-US" dirty="0"/>
+            <a:endParaRPr lang="en-US"/>
           </a:p>
         </p:txBody>
       </p:sp>
@@ -13307,7 +13563,7 @@
               <a:defRPr/>
             </a:pPr>
             <a:r>
-              <a:rPr lang="en-US" dirty="0"/>
+              <a:rPr lang="en-US"/>
               <a:t>Unit27 - </a:t>
             </a:r>
             <a:fld id="{2E4790E1-2590-4AEE-892D-AB46A7688113}" type="slidenum">
@@ -13317,7 +13573,7 @@
               </a:pPr>
               <a:t>‹#›</a:t>
             </a:fld>
-            <a:endParaRPr lang="en-US" dirty="0"/>
+            <a:endParaRPr lang="en-US"/>
           </a:p>
         </p:txBody>
       </p:sp>
@@ -13414,7 +13670,6 @@
               <a:rPr lang="en-US"/>
               <a:t>Click to edit Master title style</a:t>
             </a:r>
-            <a:endParaRPr lang="en-US" dirty="0"/>
           </a:p>
         </p:txBody>
       </p:sp>
@@ -13492,7 +13747,7 @@
           </a:lstStyle>
           <a:p>
             <a:r>
-              <a:rPr lang="en-US" dirty="0"/>
+              <a:rPr lang="en-US"/>
               <a:t>Click icon to add picture</a:t>
             </a:r>
           </a:p>
@@ -13582,7 +13837,7 @@
               <a:defRPr/>
             </a:pPr>
             <a:r>
-              <a:rPr lang="en-US" dirty="0"/>
+              <a:rPr lang="en-US"/>
               <a:t>© NUS</a:t>
             </a:r>
           </a:p>
@@ -13606,7 +13861,7 @@
             <a:pPr algn="l">
               <a:defRPr/>
             </a:pPr>
-            <a:endParaRPr lang="en-US" dirty="0"/>
+            <a:endParaRPr lang="en-US"/>
           </a:p>
         </p:txBody>
       </p:sp>
@@ -13629,7 +13884,7 @@
               <a:defRPr/>
             </a:pPr>
             <a:r>
-              <a:rPr lang="en-US" dirty="0"/>
+              <a:rPr lang="en-US"/>
               <a:t>Unit27 - </a:t>
             </a:r>
             <a:fld id="{2E4790E1-2590-4AEE-892D-AB46A7688113}" type="slidenum">
@@ -13639,7 +13894,7 @@
               </a:pPr>
               <a:t>‹#›</a:t>
             </a:fld>
-            <a:endParaRPr lang="en-US" dirty="0"/>
+            <a:endParaRPr lang="en-US"/>
           </a:p>
         </p:txBody>
       </p:sp>
@@ -13718,7 +13973,7 @@
           <a:lstStyle/>
           <a:p>
             <a:pPr algn="ctr"/>
-            <a:endParaRPr lang="en-US" dirty="0"/>
+            <a:endParaRPr lang="en-US"/>
           </a:p>
         </p:txBody>
       </p:sp>
@@ -13751,7 +14006,6 @@
               <a:rPr lang="en-US"/>
               <a:t>Click to edit Master title style</a:t>
             </a:r>
-            <a:endParaRPr lang="en-US" dirty="0"/>
           </a:p>
         </p:txBody>
       </p:sp>
@@ -13782,35 +14036,35 @@
           <a:p>
             <a:pPr lvl="0"/>
             <a:r>
-              <a:rPr lang="en-US" dirty="0"/>
+              <a:rPr lang="en-US"/>
               <a:t>Click to edit Master text styles</a:t>
             </a:r>
           </a:p>
           <a:p>
             <a:pPr lvl="1"/>
             <a:r>
-              <a:rPr lang="en-US" dirty="0"/>
+              <a:rPr lang="en-US"/>
               <a:t>Second level</a:t>
             </a:r>
           </a:p>
           <a:p>
             <a:pPr lvl="2"/>
             <a:r>
-              <a:rPr lang="en-US" dirty="0"/>
+              <a:rPr lang="en-US"/>
               <a:t>Third level</a:t>
             </a:r>
           </a:p>
           <a:p>
             <a:pPr lvl="3"/>
             <a:r>
-              <a:rPr lang="en-US" dirty="0"/>
+              <a:rPr lang="en-US"/>
               <a:t>Fourth level</a:t>
             </a:r>
           </a:p>
           <a:p>
             <a:pPr lvl="4"/>
             <a:r>
-              <a:rPr lang="en-US" dirty="0"/>
+              <a:rPr lang="en-US"/>
               <a:t>Fifth level</a:t>
             </a:r>
           </a:p>
@@ -13858,7 +14112,7 @@
           <a:lstStyle/>
           <a:p>
             <a:pPr algn="ctr"/>
-            <a:endParaRPr lang="en-US" dirty="0"/>
+            <a:endParaRPr lang="en-US"/>
           </a:p>
         </p:txBody>
       </p:sp>
@@ -13897,7 +14151,7 @@
               <a:defRPr/>
             </a:pPr>
             <a:r>
-              <a:rPr lang="en-US" dirty="0"/>
+              <a:rPr lang="en-US"/>
               <a:t>© NUS</a:t>
             </a:r>
           </a:p>
@@ -13938,7 +14192,7 @@
               <a:defRPr/>
             </a:pPr>
             <a:r>
-              <a:rPr lang="en-US" dirty="0"/>
+              <a:rPr lang="en-US"/>
               <a:t>CS1010 (AY2012/3 Semester 1)</a:t>
             </a:r>
           </a:p>
@@ -13979,7 +14233,7 @@
               <a:defRPr/>
             </a:pPr>
             <a:r>
-              <a:rPr lang="en-US" dirty="0"/>
+              <a:rPr lang="en-US"/>
               <a:t>Unit27 - </a:t>
             </a:r>
             <a:fld id="{2E4790E1-2590-4AEE-892D-AB46A7688113}" type="slidenum">
@@ -13989,7 +14243,7 @@
               </a:pPr>
               <a:t>‹#›</a:t>
             </a:fld>
-            <a:endParaRPr lang="en-US" dirty="0"/>
+            <a:endParaRPr lang="en-US"/>
           </a:p>
         </p:txBody>
       </p:sp>
@@ -14368,7 +14622,7 @@
           <a:p>
             <a:pPr algn="ctr"/>
             <a:r>
-              <a:rPr lang="en-US" sz="2400" dirty="0">
+              <a:rPr lang="en-US" sz="2400">
                 <a:solidFill>
                   <a:srgbClr val="C00000"/>
                 </a:solidFill>
@@ -14403,7 +14657,7 @@
           <a:p>
             <a:pPr algn="ctr"/>
             <a:r>
-              <a:rPr lang="en-US" sz="3200" dirty="0">
+              <a:rPr lang="en-US" sz="3200">
                 <a:solidFill>
                   <a:srgbClr val="C00000"/>
                 </a:solidFill>
@@ -14473,7 +14727,7 @@
               <a:defRPr/>
             </a:pPr>
             <a:r>
-              <a:rPr kumimoji="0" lang="en-US" sz="3600" b="0" i="0" u="none" strike="noStrike" kern="1200" cap="none" spc="-38" normalizeH="0" baseline="0" noProof="0" dirty="0">
+              <a:rPr kumimoji="0" lang="en-US" sz="3600" b="0" i="0" u="none" strike="noStrike" kern="1200" cap="none" spc="-38" normalizeH="0" baseline="0" noProof="0">
                 <a:ln>
                   <a:noFill/>
                 </a:ln>
@@ -14488,12 +14742,12 @@
               <a:t>CS1010: </a:t>
             </a:r>
             <a:r>
-              <a:rPr lang="en-US" sz="3600" spc="-38" dirty="0">
+              <a:rPr lang="en-US" sz="3600" spc="-38">
                 <a:latin typeface="Arial"/>
               </a:rPr>
               <a:t>Programming Methodology</a:t>
             </a:r>
-            <a:endParaRPr kumimoji="0" lang="en-SG" sz="7200" b="0" i="0" u="none" strike="noStrike" kern="1200" cap="none" spc="-50" normalizeH="0" baseline="0" noProof="0" dirty="0">
+            <a:endParaRPr kumimoji="0" lang="en-SG" sz="7200" b="0" i="0" u="none" strike="noStrike" kern="1200" cap="none" spc="-50" normalizeH="0" baseline="0" noProof="0">
               <a:ln>
                 <a:noFill/>
               </a:ln>
@@ -14562,7 +14816,7 @@
           <a:p>
             <a:pPr eaLnBrk="1" hangingPunct="1"/>
             <a:r>
-              <a:rPr lang="en-GB" sz="3600" dirty="0">
+              <a:rPr lang="en-GB" sz="3600">
                 <a:solidFill>
                   <a:srgbClr val="0000FF"/>
                 </a:solidFill>
@@ -14599,7 +14853,7 @@
               <a:buAutoNum type="arabicPeriod"/>
             </a:pPr>
             <a:r>
-              <a:rPr lang="en-GB" sz="2800" dirty="0">
+              <a:rPr lang="en-GB" sz="2800">
                 <a:latin typeface="+mj-lt"/>
               </a:rPr>
               <a:t>N Queens</a:t>
@@ -14612,7 +14866,7 @@
               <a:buFont typeface="+mj-lt"/>
               <a:buAutoNum type="arabicPeriod"/>
             </a:pPr>
-            <a:endParaRPr lang="en-GB" sz="2800" dirty="0">
+            <a:endParaRPr lang="en-GB" sz="2800">
               <a:latin typeface="+mj-lt"/>
             </a:endParaRPr>
           </a:p>
@@ -14623,7 +14877,7 @@
               <a:buFont typeface="+mj-lt"/>
               <a:buAutoNum type="arabicPeriod"/>
             </a:pPr>
-            <a:endParaRPr lang="en-GB" sz="2800" dirty="0">
+            <a:endParaRPr lang="en-GB" sz="2800">
               <a:latin typeface="+mj-lt"/>
             </a:endParaRPr>
           </a:p>
@@ -14650,11 +14904,11 @@
               <a:defRPr/>
             </a:pPr>
             <a:r>
-              <a:rPr lang="en-US" sz="1200" dirty="0"/>
+              <a:rPr lang="en-US" sz="1200"/>
               <a:t>Unit27</a:t>
             </a:r>
             <a:r>
-              <a:rPr sz="1200" dirty="0"/>
+              <a:rPr sz="1200"/>
               <a:t> - </a:t>
             </a:r>
             <a:fld id="{F7EC234A-9094-4BB8-9EA4-75ECDA8A365B}" type="slidenum">
@@ -14664,7 +14918,7 @@
               </a:pPr>
               <a:t>2</a:t>
             </a:fld>
-            <a:endParaRPr sz="1200" dirty="0"/>
+            <a:endParaRPr sz="1200"/>
           </a:p>
         </p:txBody>
       </p:sp>
@@ -14692,7 +14946,7 @@
               <a:defRPr/>
             </a:pPr>
             <a:r>
-              <a:rPr lang="en-US" dirty="0"/>
+              <a:rPr lang="en-US"/>
               <a:t>© NUS</a:t>
             </a:r>
           </a:p>
@@ -14755,7 +15009,7 @@
           <a:p>
             <a:pPr eaLnBrk="1" hangingPunct="1"/>
             <a:r>
-              <a:rPr lang="en-GB" sz="3600" dirty="0">
+              <a:rPr lang="en-GB" sz="3600">
                 <a:solidFill>
                   <a:srgbClr val="0000FF"/>
                 </a:solidFill>
@@ -14786,7 +15040,7 @@
               <a:defRPr/>
             </a:pPr>
             <a:r>
-              <a:rPr lang="en-US" dirty="0"/>
+              <a:rPr lang="en-US"/>
               <a:t>Unit27 - </a:t>
             </a:r>
             <a:fld id="{F7EC234A-9094-4BB8-9EA4-75ECDA8A365B}" type="slidenum">
@@ -14796,7 +15050,7 @@
               </a:pPr>
               <a:t>3</a:t>
             </a:fld>
-            <a:endParaRPr lang="en-US" dirty="0"/>
+            <a:endParaRPr lang="en-US"/>
           </a:p>
         </p:txBody>
       </p:sp>
@@ -14824,7 +15078,7 @@
               <a:defRPr/>
             </a:pPr>
             <a:r>
-              <a:rPr lang="en-US" dirty="0"/>
+              <a:rPr lang="en-US"/>
               <a:t>© NUS</a:t>
             </a:r>
           </a:p>
@@ -15038,15 +15292,15 @@
               <a:buChar char="§"/>
             </a:pPr>
             <a:r>
-              <a:rPr lang="en-GB" dirty="0"/>
+              <a:rPr lang="en-GB"/>
               <a:t>Problem: </a:t>
             </a:r>
             <a:r>
-              <a:rPr lang="en-US" dirty="0"/>
+              <a:rPr lang="en-US"/>
               <a:t>Given a </a:t>
             </a:r>
             <a:r>
-              <a:rPr lang="en-US" dirty="0">
+              <a:rPr lang="en-US">
                 <a:solidFill>
                   <a:srgbClr val="0000FF"/>
                 </a:solidFill>
@@ -15054,11 +15308,11 @@
               <a:t>n</a:t>
             </a:r>
             <a:r>
-              <a:rPr lang="en-US" dirty="0"/>
+              <a:rPr lang="en-US"/>
               <a:t> x </a:t>
             </a:r>
             <a:r>
-              <a:rPr lang="en-US" dirty="0">
+              <a:rPr lang="en-US">
                 <a:solidFill>
                   <a:srgbClr val="0000FF"/>
                 </a:solidFill>
@@ -15066,11 +15320,11 @@
               <a:t>n</a:t>
             </a:r>
             <a:r>
-              <a:rPr lang="en-US" dirty="0"/>
+              <a:rPr lang="en-US"/>
               <a:t> chessboard, find a possible placement of </a:t>
             </a:r>
             <a:r>
-              <a:rPr lang="en-US" dirty="0">
+              <a:rPr lang="en-US">
                 <a:solidFill>
                   <a:srgbClr val="0000FF"/>
                 </a:solidFill>
@@ -15078,7 +15332,7 @@
               <a:t>n</a:t>
             </a:r>
             <a:r>
-              <a:rPr lang="en-US" dirty="0"/>
+              <a:rPr lang="en-US"/>
               <a:t> queens on the chessboard, such that the queens do not threaten each other</a:t>
             </a:r>
           </a:p>
@@ -15100,7 +15354,7 @@
               <a:buFont typeface="Wingdings" pitchFamily="2" charset="2"/>
               <a:buChar char="§"/>
             </a:pPr>
-            <a:endParaRPr lang="en-US" dirty="0"/>
+            <a:endParaRPr lang="en-US" sz="600"/>
           </a:p>
           <a:p>
             <a:pPr marL="457200" indent="-457200" fontAlgn="auto">
@@ -15121,8 +15375,8 @@
               <a:buChar char="§"/>
             </a:pPr>
             <a:r>
-              <a:rPr lang="en-GB" dirty="0"/>
-              <a:t>Example:</a:t>
+              <a:rPr lang="en-GB"/>
+              <a:t>Examples:</a:t>
             </a:r>
           </a:p>
           <a:p>
@@ -15142,7 +15396,7 @@
               <a:buSzPct val="100000"/>
               <a:buNone/>
             </a:pPr>
-            <a:endParaRPr lang="en-GB" dirty="0"/>
+            <a:endParaRPr lang="en-GB"/>
           </a:p>
         </p:txBody>
       </p:sp>
@@ -15160,17 +15414,15 @@
           </p:cNvPicPr>
           <p:nvPr/>
         </p:nvPicPr>
-        <p:blipFill>
+        <p:blipFill rotWithShape="1">
           <a:blip r:embed="rId3" cstate="print"/>
-          <a:srcRect/>
-          <a:stretch>
-            <a:fillRect/>
-          </a:stretch>
+          <a:srcRect l="8860" t="8890" r="9284" b="14800"/>
+          <a:stretch/>
         </p:blipFill>
         <p:spPr bwMode="auto">
           <a:xfrm>
-            <a:off x="3775841" y="2964803"/>
-            <a:ext cx="3176752" cy="3409998"/>
+            <a:off x="1295400" y="3162300"/>
+            <a:ext cx="2600326" cy="2602198"/>
           </a:xfrm>
           <a:prstGeom prst="rect">
             <a:avLst/>
@@ -15184,104 +15436,107 @@
           </a:ln>
         </p:spPr>
       </p:pic>
-      <p:sp>
-        <p:nvSpPr>
-          <p:cNvPr id="2" name="TextBox 1">
+      <p:pic>
+        <p:nvPicPr>
+          <p:cNvPr id="8" name="Picture 7">
             <a:extLst>
               <a:ext uri="{FF2B5EF4-FFF2-40B4-BE49-F238E27FC236}">
-                <a16:creationId xmlns:a16="http://schemas.microsoft.com/office/drawing/2014/main" id="{0E4EBB14-38FB-43D1-B10F-9B638F9DA975}"/>
+                <a16:creationId xmlns:a16="http://schemas.microsoft.com/office/drawing/2014/main" id="{86E588AF-51C5-47D7-91FF-E385C9A3B2A6}"/>
               </a:ext>
             </a:extLst>
           </p:cNvPr>
-          <p:cNvSpPr txBox="1"/>
+          <p:cNvPicPr>
+            <a:picLocks noChangeAspect="1"/>
+          </p:cNvPicPr>
           <p:nvPr/>
-        </p:nvSpPr>
+        </p:nvPicPr>
+        <p:blipFill>
+          <a:blip r:embed="rId4" cstate="print">
+            <a:extLst>
+              <a:ext uri="{28A0092B-C50C-407E-A947-70E740481C1C}">
+                <a14:useLocalDpi xmlns:a14="http://schemas.microsoft.com/office/drawing/2010/main" val="0"/>
+              </a:ext>
+            </a:extLst>
+          </a:blip>
+          <a:stretch>
+            <a:fillRect/>
+          </a:stretch>
+        </p:blipFill>
         <p:spPr>
           <a:xfrm>
-            <a:off x="1001109" y="3429000"/>
-            <a:ext cx="903891" cy="2308324"/>
+            <a:off x="2387740" y="5810913"/>
+            <a:ext cx="415645" cy="523714"/>
           </a:xfrm>
           <a:prstGeom prst="rect">
             <a:avLst/>
           </a:prstGeom>
-          <a:noFill/>
         </p:spPr>
-        <p:txBody>
-          <a:bodyPr wrap="square" rtlCol="0">
-            <a:spAutoFit/>
-          </a:bodyPr>
-          <a:lstStyle/>
-          <a:p>
-            <a:r>
-              <a:rPr lang="en-US" b="0" i="0" dirty="0">
-                <a:effectLst/>
-                <a:latin typeface="Roboto Mono"/>
-              </a:rPr>
-              <a:t>…#....</a:t>
-            </a:r>
-          </a:p>
-          <a:p>
-            <a:r>
-              <a:rPr lang="en-US" b="0" i="0" dirty="0">
-                <a:effectLst/>
-                <a:latin typeface="Roboto Mono"/>
-              </a:rPr>
-              <a:t>……#.</a:t>
-            </a:r>
-          </a:p>
-          <a:p>
-            <a:r>
-              <a:rPr lang="en-US" b="0" i="0" dirty="0">
-                <a:effectLst/>
-                <a:latin typeface="Roboto Mono"/>
-              </a:rPr>
-              <a:t>..#.....</a:t>
-            </a:r>
-          </a:p>
-          <a:p>
-            <a:r>
-              <a:rPr lang="en-US" b="0" i="0" dirty="0">
-                <a:effectLst/>
-                <a:latin typeface="Roboto Mono"/>
-              </a:rPr>
-              <a:t>…….#</a:t>
-            </a:r>
-          </a:p>
-          <a:p>
-            <a:r>
-              <a:rPr lang="en-US" dirty="0">
-                <a:latin typeface="Roboto Mono"/>
-              </a:rPr>
-              <a:t>.#......</a:t>
-            </a:r>
-          </a:p>
-          <a:p>
-            <a:r>
-              <a:rPr lang="en-US" dirty="0">
-                <a:latin typeface="Roboto Mono"/>
-              </a:rPr>
-              <a:t>….#...</a:t>
-            </a:r>
-          </a:p>
-          <a:p>
-            <a:r>
-              <a:rPr lang="en-US" dirty="0">
-                <a:latin typeface="Roboto Mono"/>
-              </a:rPr>
-              <a:t>#.......</a:t>
-            </a:r>
-          </a:p>
-          <a:p>
-            <a:r>
-              <a:rPr lang="en-US" dirty="0">
-                <a:latin typeface="Roboto Mono"/>
-              </a:rPr>
-              <a:t>…..#..</a:t>
-            </a:r>
-            <a:endParaRPr lang="en-US" dirty="0"/>
-          </a:p>
-        </p:txBody>
-      </p:sp>
+      </p:pic>
+      <p:pic>
+        <p:nvPicPr>
+          <p:cNvPr id="11" name="Picture 10">
+            <a:extLst>
+              <a:ext uri="{FF2B5EF4-FFF2-40B4-BE49-F238E27FC236}">
+                <a16:creationId xmlns:a16="http://schemas.microsoft.com/office/drawing/2014/main" id="{9BBD55ED-7B60-46D1-B6EB-63B18A2DA6C6}"/>
+              </a:ext>
+            </a:extLst>
+          </p:cNvPr>
+          <p:cNvPicPr>
+            <a:picLocks noChangeAspect="1"/>
+          </p:cNvPicPr>
+          <p:nvPr/>
+        </p:nvPicPr>
+        <p:blipFill>
+          <a:blip r:embed="rId5" cstate="print">
+            <a:extLst>
+              <a:ext uri="{28A0092B-C50C-407E-A947-70E740481C1C}">
+                <a14:useLocalDpi xmlns:a14="http://schemas.microsoft.com/office/drawing/2010/main" val="0"/>
+              </a:ext>
+            </a:extLst>
+          </a:blip>
+          <a:stretch>
+            <a:fillRect/>
+          </a:stretch>
+        </p:blipFill>
+        <p:spPr>
+          <a:xfrm>
+            <a:off x="5633831" y="5865570"/>
+            <a:ext cx="362361" cy="490032"/>
+          </a:xfrm>
+          <a:prstGeom prst="rect">
+            <a:avLst/>
+          </a:prstGeom>
+        </p:spPr>
+      </p:pic>
+      <p:pic>
+        <p:nvPicPr>
+          <p:cNvPr id="4" name="Picture 3">
+            <a:extLst>
+              <a:ext uri="{FF2B5EF4-FFF2-40B4-BE49-F238E27FC236}">
+                <a16:creationId xmlns:a16="http://schemas.microsoft.com/office/drawing/2014/main" id="{0EB5FF36-05FA-4139-96D1-E05EE99E875D}"/>
+              </a:ext>
+            </a:extLst>
+          </p:cNvPr>
+          <p:cNvPicPr>
+            <a:picLocks noChangeAspect="1"/>
+          </p:cNvPicPr>
+          <p:nvPr/>
+        </p:nvPicPr>
+        <p:blipFill rotWithShape="1">
+          <a:blip r:embed="rId6"/>
+          <a:srcRect l="8996" t="9389" r="10477" b="9389"/>
+          <a:stretch/>
+        </p:blipFill>
+        <p:spPr>
+          <a:xfrm>
+            <a:off x="4514849" y="3186032"/>
+            <a:ext cx="2600327" cy="2602198"/>
+          </a:xfrm>
+          <a:prstGeom prst="rect">
+            <a:avLst/>
+          </a:prstGeom>
+        </p:spPr>
+      </p:pic>
     </p:spTree>
     <p:extLst>
       <p:ext uri="{BB962C8B-B14F-4D97-AF65-F5344CB8AC3E}">
@@ -15425,7 +15680,7 @@
           <a:p>
             <a:pPr eaLnBrk="1" hangingPunct="1"/>
             <a:r>
-              <a:rPr lang="en-GB" sz="3600" dirty="0">
+              <a:rPr lang="en-GB" sz="3600">
                 <a:solidFill>
                   <a:srgbClr val="0000FF"/>
                 </a:solidFill>
@@ -15456,7 +15711,7 @@
               <a:defRPr/>
             </a:pPr>
             <a:r>
-              <a:rPr lang="en-US" dirty="0"/>
+              <a:rPr lang="en-US"/>
               <a:t>Unit27 - </a:t>
             </a:r>
             <a:fld id="{F7EC234A-9094-4BB8-9EA4-75ECDA8A365B}" type="slidenum">
@@ -15466,7 +15721,7 @@
               </a:pPr>
               <a:t>4</a:t>
             </a:fld>
-            <a:endParaRPr lang="en-US" dirty="0"/>
+            <a:endParaRPr lang="en-US"/>
           </a:p>
         </p:txBody>
       </p:sp>
@@ -15494,7 +15749,7 @@
               <a:defRPr/>
             </a:pPr>
             <a:r>
-              <a:rPr lang="en-US" dirty="0"/>
+              <a:rPr lang="en-US"/>
               <a:t>© NUS</a:t>
             </a:r>
           </a:p>
@@ -15770,7 +16025,7 @@
               <a:buFont typeface="Wingdings" pitchFamily="2" charset="2"/>
               <a:buChar char="§"/>
             </a:pPr>
-            <a:endParaRPr lang="en-GB" dirty="0"/>
+            <a:endParaRPr lang="en-GB" sz="800" dirty="0"/>
           </a:p>
           <a:p>
             <a:pPr marL="457200" indent="-457200" fontAlgn="auto">
@@ -15792,7 +16047,7 @@
             </a:pPr>
             <a:r>
               <a:rPr lang="en-GB" dirty="0"/>
-              <a:t>Recursive Thinking</a:t>
+              <a:t>Analysis</a:t>
             </a:r>
           </a:p>
           <a:p>
@@ -15815,30 +16070,7 @@
             </a:pPr>
             <a:r>
               <a:rPr lang="en-GB" dirty="0"/>
-              <a:t>A placement is a sequence of positions for n rows (e.g., {1, 2, 3, 4, 5, 6 ,7, 8})</a:t>
-            </a:r>
-          </a:p>
-          <a:p>
-            <a:pPr marL="1005840" lvl="2" indent="-457200" fontAlgn="auto">
-              <a:spcBef>
-                <a:spcPts val="1200"/>
-              </a:spcBef>
-              <a:spcAft>
-                <a:spcPts val="0"/>
-              </a:spcAft>
-              <a:buClr>
-                <a:schemeClr val="tx1">
-                  <a:lumMod val="90000"/>
-                  <a:lumOff val="10000"/>
-                </a:schemeClr>
-              </a:buClr>
-              <a:buSzPct val="100000"/>
-              <a:buFont typeface="Wingdings" pitchFamily="2" charset="2"/>
-              <a:buChar char="§"/>
-            </a:pPr>
-            <a:r>
-              <a:rPr lang="en-GB" dirty="0"/>
-              <a:t>There cannot be repeated positions since two queens cannot be in the same column.</a:t>
+              <a:t>A placement is a sequence of positions for n rows</a:t>
             </a:r>
           </a:p>
           <a:p>
@@ -15859,9 +16091,158 @@
               <a:buFont typeface="Wingdings" pitchFamily="2" charset="2"/>
               <a:buChar char="§"/>
             </a:pPr>
+            <a:endParaRPr lang="en-GB" dirty="0"/>
+          </a:p>
+        </p:txBody>
+      </p:sp>
+      <p:pic>
+        <p:nvPicPr>
+          <p:cNvPr id="6" name="Picture 5" descr="n_queens.gif">
+            <a:extLst>
+              <a:ext uri="{FF2B5EF4-FFF2-40B4-BE49-F238E27FC236}">
+                <a16:creationId xmlns:a16="http://schemas.microsoft.com/office/drawing/2014/main" id="{06BD5EA7-3F8A-4F54-B2FB-A40CD7C241D1}"/>
+              </a:ext>
+            </a:extLst>
+          </p:cNvPr>
+          <p:cNvPicPr>
+            <a:picLocks noChangeAspect="1"/>
+          </p:cNvPicPr>
+          <p:nvPr/>
+        </p:nvPicPr>
+        <p:blipFill rotWithShape="1">
+          <a:blip r:embed="rId3" cstate="print"/>
+          <a:srcRect l="8860" t="8890" r="9284" b="7022"/>
+          <a:stretch/>
+        </p:blipFill>
+        <p:spPr bwMode="auto">
+          <a:xfrm>
+            <a:off x="1266825" y="3715610"/>
+            <a:ext cx="2600326" cy="2867430"/>
+          </a:xfrm>
+          <a:prstGeom prst="rect">
+            <a:avLst/>
+          </a:prstGeom>
+          <a:noFill/>
+          <a:ln w="9525">
+            <a:noFill/>
+            <a:miter lim="800000"/>
+            <a:headEnd/>
+            <a:tailEnd/>
+          </a:ln>
+        </p:spPr>
+      </p:pic>
+      <p:sp>
+        <p:nvSpPr>
+          <p:cNvPr id="2" name="TextBox 1">
+            <a:extLst>
+              <a:ext uri="{FF2B5EF4-FFF2-40B4-BE49-F238E27FC236}">
+                <a16:creationId xmlns:a16="http://schemas.microsoft.com/office/drawing/2014/main" id="{A29BA1AC-E8A8-4A46-BFEA-B4931C2521C0}"/>
+              </a:ext>
+            </a:extLst>
+          </p:cNvPr>
+          <p:cNvSpPr txBox="1"/>
+          <p:nvPr/>
+        </p:nvSpPr>
+        <p:spPr>
+          <a:xfrm>
+            <a:off x="4367213" y="3715610"/>
+            <a:ext cx="2867025" cy="369332"/>
+          </a:xfrm>
+          <a:prstGeom prst="rect">
+            <a:avLst/>
+          </a:prstGeom>
+          <a:noFill/>
+        </p:spPr>
+        <p:txBody>
+          <a:bodyPr wrap="square" rtlCol="0">
+            <a:spAutoFit/>
+          </a:bodyPr>
+          <a:lstStyle/>
+          <a:p>
+            <a:r>
+              <a:rPr lang="en-US"/>
+              <a:t>{'d', 'g', 'c', 'h', 'b', 'e', 'a', 'f'}</a:t>
+            </a:r>
+          </a:p>
+        </p:txBody>
+      </p:sp>
+      <p:sp>
+        <p:nvSpPr>
+          <p:cNvPr id="14" name="TextBox 13">
+            <a:extLst>
+              <a:ext uri="{FF2B5EF4-FFF2-40B4-BE49-F238E27FC236}">
+                <a16:creationId xmlns:a16="http://schemas.microsoft.com/office/drawing/2014/main" id="{94109360-C639-4046-926E-E9CC88A2CB54}"/>
+              </a:ext>
+            </a:extLst>
+          </p:cNvPr>
+          <p:cNvSpPr txBox="1"/>
+          <p:nvPr/>
+        </p:nvSpPr>
+        <p:spPr>
+          <a:xfrm>
+            <a:off x="4445795" y="4400364"/>
+            <a:ext cx="3860006" cy="923330"/>
+          </a:xfrm>
+          <a:prstGeom prst="rect">
+            <a:avLst/>
+          </a:prstGeom>
+          <a:solidFill>
+            <a:srgbClr val="FFFF99"/>
+          </a:solidFill>
+          <a:ln w="12700"/>
+        </p:spPr>
+        <p:style>
+          <a:lnRef idx="2">
+            <a:schemeClr val="accent4"/>
+          </a:lnRef>
+          <a:fillRef idx="1">
+            <a:schemeClr val="lt1"/>
+          </a:fillRef>
+          <a:effectRef idx="0">
+            <a:schemeClr val="accent4"/>
+          </a:effectRef>
+          <a:fontRef idx="minor">
+            <a:schemeClr val="dk1"/>
+          </a:fontRef>
+        </p:style>
+        <p:txBody>
+          <a:bodyPr wrap="square" rtlCol="0">
+            <a:spAutoFit/>
+          </a:bodyPr>
+          <a:lstStyle/>
+          <a:p>
+            <a:pPr marL="57150" lvl="2" fontAlgn="auto">
+              <a:spcBef>
+                <a:spcPts val="1200"/>
+              </a:spcBef>
+              <a:spcAft>
+                <a:spcPts val="0"/>
+              </a:spcAft>
+              <a:buClr>
+                <a:schemeClr val="tx1">
+                  <a:lumMod val="90000"/>
+                  <a:lumOff val="10000"/>
+                </a:schemeClr>
+              </a:buClr>
+              <a:buSzPct val="100000"/>
+            </a:pPr>
             <a:r>
               <a:rPr lang="en-GB" dirty="0"/>
-              <a:t>What if we generate all permutations of the placements (recursively) and check whether it works?</a:t>
+              <a:t>There cannot be repeated positions </a:t>
+            </a:r>
+            <a:br>
+              <a:rPr lang="en-GB" dirty="0"/>
+            </a:br>
+            <a:r>
+              <a:rPr lang="en-GB" dirty="0"/>
+              <a:t>since two queens cannot be in the </a:t>
+            </a:r>
+            <a:br>
+              <a:rPr lang="en-GB" dirty="0"/>
+            </a:br>
+            <a:r>
+              <a:rPr lang="en-GB" dirty="0"/>
+              <a:t>same column.</a:t>
             </a:r>
           </a:p>
         </p:txBody>
@@ -15869,7 +16250,7 @@
     </p:spTree>
     <p:extLst>
       <p:ext uri="{BB962C8B-B14F-4D97-AF65-F5344CB8AC3E}">
-        <p14:creationId xmlns:p14="http://schemas.microsoft.com/office/powerpoint/2010/main" val="791616712"/>
+        <p14:creationId xmlns:p14="http://schemas.microsoft.com/office/powerpoint/2010/main" val="2331399055"/>
       </p:ext>
     </p:extLst>
   </p:cSld>
@@ -15879,6 +16260,92 @@
   <p:transition>
     <p:fade/>
   </p:transition>
+  <p:timing>
+    <p:tnLst>
+      <p:par>
+        <p:cTn id="1" dur="indefinite" restart="never" nodeType="tmRoot">
+          <p:childTnLst>
+            <p:seq concurrent="1" nextAc="seek">
+              <p:cTn id="2" dur="indefinite" nodeType="mainSeq">
+                <p:childTnLst>
+                  <p:par>
+                    <p:cTn id="3" fill="hold">
+                      <p:stCondLst>
+                        <p:cond delay="indefinite"/>
+                        <p:cond evt="onBegin" delay="0">
+                          <p:tn val="2"/>
+                        </p:cond>
+                      </p:stCondLst>
+                      <p:childTnLst>
+                        <p:par>
+                          <p:cTn id="4" fill="hold">
+                            <p:stCondLst>
+                              <p:cond delay="0"/>
+                            </p:stCondLst>
+                            <p:childTnLst>
+                              <p:par>
+                                <p:cTn id="5" presetID="9" presetClass="entr" presetSubtype="0" fill="hold" nodeType="afterEffect">
+                                  <p:stCondLst>
+                                    <p:cond delay="0"/>
+                                  </p:stCondLst>
+                                  <p:childTnLst>
+                                    <p:set>
+                                      <p:cBhvr>
+                                        <p:cTn id="6" dur="1" fill="hold">
+                                          <p:stCondLst>
+                                            <p:cond delay="0"/>
+                                          </p:stCondLst>
+                                        </p:cTn>
+                                        <p:tgtEl>
+                                          <p:spTgt spid="6"/>
+                                        </p:tgtEl>
+                                        <p:attrNameLst>
+                                          <p:attrName>style.visibility</p:attrName>
+                                        </p:attrNameLst>
+                                      </p:cBhvr>
+                                      <p:to>
+                                        <p:strVal val="visible"/>
+                                      </p:to>
+                                    </p:set>
+                                    <p:animEffect transition="in" filter="dissolve">
+                                      <p:cBhvr>
+                                        <p:cTn id="7" dur="500"/>
+                                        <p:tgtEl>
+                                          <p:spTgt spid="6"/>
+                                        </p:tgtEl>
+                                      </p:cBhvr>
+                                    </p:animEffect>
+                                  </p:childTnLst>
+                                </p:cTn>
+                              </p:par>
+                            </p:childTnLst>
+                          </p:cTn>
+                        </p:par>
+                      </p:childTnLst>
+                    </p:cTn>
+                  </p:par>
+                </p:childTnLst>
+              </p:cTn>
+              <p:prevCondLst>
+                <p:cond evt="onPrev" delay="0">
+                  <p:tgtEl>
+                    <p:sldTgt/>
+                  </p:tgtEl>
+                </p:cond>
+              </p:prevCondLst>
+              <p:nextCondLst>
+                <p:cond evt="onNext" delay="0">
+                  <p:tgtEl>
+                    <p:sldTgt/>
+                  </p:tgtEl>
+                </p:cond>
+              </p:nextCondLst>
+            </p:seq>
+          </p:childTnLst>
+        </p:cTn>
+      </p:par>
+    </p:tnLst>
+  </p:timing>
 </p:sld>
 </file>
 
@@ -15923,7 +16390,7 @@
           <a:p>
             <a:pPr eaLnBrk="1" hangingPunct="1"/>
             <a:r>
-              <a:rPr lang="en-GB" sz="3600" dirty="0">
+              <a:rPr lang="en-GB" sz="3600">
                 <a:solidFill>
                   <a:srgbClr val="0000FF"/>
                 </a:solidFill>
@@ -15954,21 +16421,17 @@
               <a:defRPr/>
             </a:pPr>
             <a:r>
-              <a:rPr lang="en-US" sz="1200" dirty="0"/>
-              <a:t>Unit27</a:t>
-            </a:r>
-            <a:r>
-              <a:rPr sz="1200" dirty="0"/>
-              <a:t> - </a:t>
+              <a:rPr lang="en-US"/>
+              <a:t>Unit27 - </a:t>
             </a:r>
             <a:fld id="{F7EC234A-9094-4BB8-9EA4-75ECDA8A365B}" type="slidenum">
-              <a:rPr sz="1200" smtClean="0"/>
+              <a:rPr lang="en-US"/>
               <a:pPr>
                 <a:defRPr/>
               </a:pPr>
               <a:t>5</a:t>
             </a:fld>
-            <a:endParaRPr sz="1200" dirty="0"/>
+            <a:endParaRPr lang="en-US"/>
           </a:p>
         </p:txBody>
       </p:sp>
@@ -15996,7 +16459,463 @@
               <a:defRPr/>
             </a:pPr>
             <a:r>
-              <a:rPr lang="en-US" dirty="0"/>
+              <a:rPr lang="en-US"/>
+              <a:t>© NUS</a:t>
+            </a:r>
+          </a:p>
+        </p:txBody>
+      </p:sp>
+      <p:sp>
+        <p:nvSpPr>
+          <p:cNvPr id="13" name="Rectangle 3"/>
+          <p:cNvSpPr txBox="1">
+            <a:spLocks noChangeArrowheads="1"/>
+          </p:cNvSpPr>
+          <p:nvPr/>
+        </p:nvSpPr>
+        <p:spPr>
+          <a:xfrm>
+            <a:off x="471488" y="1182172"/>
+            <a:ext cx="7948612" cy="5372740"/>
+          </a:xfrm>
+          <a:prstGeom prst="rect">
+            <a:avLst/>
+          </a:prstGeom>
+        </p:spPr>
+        <p:txBody>
+          <a:bodyPr vert="horz" lIns="91440" tIns="45720" rIns="91440" bIns="45720" rtlCol="0">
+            <a:normAutofit/>
+          </a:bodyPr>
+          <a:lstStyle>
+            <a:lvl1pPr marL="182880" indent="-182880" algn="l" defTabSz="914400" rtl="0" eaLnBrk="1" latinLnBrk="0" hangingPunct="1">
+              <a:spcBef>
+                <a:spcPct val="20000"/>
+              </a:spcBef>
+              <a:buClr>
+                <a:schemeClr val="accent1"/>
+              </a:buClr>
+              <a:buSzPct val="85000"/>
+              <a:buFont typeface="Arial" pitchFamily="34" charset="0"/>
+              <a:buChar char="•"/>
+              <a:defRPr sz="2400" kern="1200">
+                <a:solidFill>
+                  <a:schemeClr val="tx1"/>
+                </a:solidFill>
+                <a:latin typeface="+mn-lt"/>
+                <a:ea typeface="+mn-ea"/>
+                <a:cs typeface="+mn-cs"/>
+              </a:defRPr>
+            </a:lvl1pPr>
+            <a:lvl2pPr marL="457200" indent="-182880" algn="l" defTabSz="914400" rtl="0" eaLnBrk="1" latinLnBrk="0" hangingPunct="1">
+              <a:spcBef>
+                <a:spcPct val="20000"/>
+              </a:spcBef>
+              <a:buClr>
+                <a:schemeClr val="accent1"/>
+              </a:buClr>
+              <a:buSzPct val="85000"/>
+              <a:buFont typeface="Arial" pitchFamily="34" charset="0"/>
+              <a:buChar char="•"/>
+              <a:defRPr sz="2000" kern="1200">
+                <a:solidFill>
+                  <a:schemeClr val="tx1"/>
+                </a:solidFill>
+                <a:latin typeface="+mn-lt"/>
+                <a:ea typeface="+mn-ea"/>
+                <a:cs typeface="+mn-cs"/>
+              </a:defRPr>
+            </a:lvl2pPr>
+            <a:lvl3pPr marL="731520" indent="-182880" algn="l" defTabSz="914400" rtl="0" eaLnBrk="1" latinLnBrk="0" hangingPunct="1">
+              <a:spcBef>
+                <a:spcPct val="20000"/>
+              </a:spcBef>
+              <a:buClr>
+                <a:schemeClr val="accent1"/>
+              </a:buClr>
+              <a:buSzPct val="90000"/>
+              <a:buFont typeface="Arial" pitchFamily="34" charset="0"/>
+              <a:buChar char="•"/>
+              <a:defRPr sz="1800" kern="1200">
+                <a:solidFill>
+                  <a:schemeClr val="tx1"/>
+                </a:solidFill>
+                <a:latin typeface="+mn-lt"/>
+                <a:ea typeface="+mn-ea"/>
+                <a:cs typeface="+mn-cs"/>
+              </a:defRPr>
+            </a:lvl3pPr>
+            <a:lvl4pPr marL="1005840" indent="-182880" algn="l" defTabSz="914400" rtl="0" eaLnBrk="1" latinLnBrk="0" hangingPunct="1">
+              <a:spcBef>
+                <a:spcPct val="20000"/>
+              </a:spcBef>
+              <a:buClr>
+                <a:schemeClr val="accent1"/>
+              </a:buClr>
+              <a:buFont typeface="Arial" pitchFamily="34" charset="0"/>
+              <a:buChar char="•"/>
+              <a:defRPr sz="1600" kern="1200">
+                <a:solidFill>
+                  <a:schemeClr val="tx1"/>
+                </a:solidFill>
+                <a:latin typeface="+mn-lt"/>
+                <a:ea typeface="+mn-ea"/>
+                <a:cs typeface="+mn-cs"/>
+              </a:defRPr>
+            </a:lvl4pPr>
+            <a:lvl5pPr marL="1188720" indent="-137160" algn="l" defTabSz="914400" rtl="0" eaLnBrk="1" latinLnBrk="0" hangingPunct="1">
+              <a:spcBef>
+                <a:spcPct val="20000"/>
+              </a:spcBef>
+              <a:buClr>
+                <a:schemeClr val="accent1"/>
+              </a:buClr>
+              <a:buSzPct val="100000"/>
+              <a:buFont typeface="Arial" pitchFamily="34" charset="0"/>
+              <a:buChar char="•"/>
+              <a:defRPr sz="1400" kern="1200" baseline="0">
+                <a:solidFill>
+                  <a:schemeClr val="tx1"/>
+                </a:solidFill>
+                <a:latin typeface="+mn-lt"/>
+                <a:ea typeface="+mn-ea"/>
+                <a:cs typeface="+mn-cs"/>
+              </a:defRPr>
+            </a:lvl5pPr>
+            <a:lvl6pPr marL="1371600" indent="-182880" algn="l" defTabSz="914400" rtl="0" eaLnBrk="1" latinLnBrk="0" hangingPunct="1">
+              <a:spcBef>
+                <a:spcPct val="20000"/>
+              </a:spcBef>
+              <a:buClr>
+                <a:schemeClr val="accent1"/>
+              </a:buClr>
+              <a:buFont typeface="Arial" pitchFamily="34" charset="0"/>
+              <a:buChar char="•"/>
+              <a:defRPr sz="1300" kern="1200">
+                <a:solidFill>
+                  <a:schemeClr val="tx1"/>
+                </a:solidFill>
+                <a:latin typeface="+mn-lt"/>
+                <a:ea typeface="+mn-ea"/>
+                <a:cs typeface="+mn-cs"/>
+              </a:defRPr>
+            </a:lvl6pPr>
+            <a:lvl7pPr marL="1554480" indent="-182880" algn="l" defTabSz="914400" rtl="0" eaLnBrk="1" latinLnBrk="0" hangingPunct="1">
+              <a:spcBef>
+                <a:spcPct val="20000"/>
+              </a:spcBef>
+              <a:buClr>
+                <a:schemeClr val="accent1"/>
+              </a:buClr>
+              <a:buFont typeface="Arial" pitchFamily="34" charset="0"/>
+              <a:buChar char="•"/>
+              <a:defRPr sz="1300" kern="1200">
+                <a:solidFill>
+                  <a:schemeClr val="tx1"/>
+                </a:solidFill>
+                <a:latin typeface="+mn-lt"/>
+                <a:ea typeface="+mn-ea"/>
+                <a:cs typeface="+mn-cs"/>
+              </a:defRPr>
+            </a:lvl7pPr>
+            <a:lvl8pPr marL="1737360" indent="-182880" algn="l" defTabSz="914400" rtl="0" eaLnBrk="1" latinLnBrk="0" hangingPunct="1">
+              <a:spcBef>
+                <a:spcPct val="20000"/>
+              </a:spcBef>
+              <a:buClr>
+                <a:schemeClr val="accent1"/>
+              </a:buClr>
+              <a:buFont typeface="Arial" pitchFamily="34" charset="0"/>
+              <a:buChar char="•"/>
+              <a:defRPr sz="1300" kern="1200">
+                <a:solidFill>
+                  <a:schemeClr val="tx1"/>
+                </a:solidFill>
+                <a:latin typeface="+mn-lt"/>
+                <a:ea typeface="+mn-ea"/>
+                <a:cs typeface="+mn-cs"/>
+              </a:defRPr>
+            </a:lvl8pPr>
+            <a:lvl9pPr marL="1920240" indent="-182880" algn="l" defTabSz="914400" rtl="0" eaLnBrk="1" latinLnBrk="0" hangingPunct="1">
+              <a:spcBef>
+                <a:spcPct val="20000"/>
+              </a:spcBef>
+              <a:buClr>
+                <a:schemeClr val="accent1"/>
+              </a:buClr>
+              <a:buFont typeface="Arial" pitchFamily="34" charset="0"/>
+              <a:buChar char="•"/>
+              <a:defRPr sz="1300" kern="1200">
+                <a:solidFill>
+                  <a:schemeClr val="tx1"/>
+                </a:solidFill>
+                <a:latin typeface="+mn-lt"/>
+                <a:ea typeface="+mn-ea"/>
+                <a:cs typeface="+mn-cs"/>
+              </a:defRPr>
+            </a:lvl9pPr>
+          </a:lstStyle>
+          <a:p>
+            <a:pPr marL="457200" indent="-457200" fontAlgn="auto">
+              <a:spcBef>
+                <a:spcPts val="1200"/>
+              </a:spcBef>
+              <a:spcAft>
+                <a:spcPts val="0"/>
+              </a:spcAft>
+              <a:buClr>
+                <a:schemeClr val="tx1">
+                  <a:lumMod val="90000"/>
+                  <a:lumOff val="10000"/>
+                </a:schemeClr>
+              </a:buClr>
+              <a:buSzPct val="100000"/>
+              <a:buFont typeface="Wingdings" pitchFamily="2" charset="2"/>
+              <a:buChar char="§"/>
+            </a:pPr>
+            <a:r>
+              <a:rPr lang="en-GB"/>
+              <a:t>Problem: </a:t>
+            </a:r>
+            <a:r>
+              <a:rPr lang="en-US"/>
+              <a:t>Given a </a:t>
+            </a:r>
+            <a:r>
+              <a:rPr lang="en-US">
+                <a:solidFill>
+                  <a:srgbClr val="0000FF"/>
+                </a:solidFill>
+              </a:rPr>
+              <a:t>n</a:t>
+            </a:r>
+            <a:r>
+              <a:rPr lang="en-US"/>
+              <a:t> x </a:t>
+            </a:r>
+            <a:r>
+              <a:rPr lang="en-US">
+                <a:solidFill>
+                  <a:srgbClr val="0000FF"/>
+                </a:solidFill>
+              </a:rPr>
+              <a:t>n</a:t>
+            </a:r>
+            <a:r>
+              <a:rPr lang="en-US"/>
+              <a:t> chessboard, find a possible placement of </a:t>
+            </a:r>
+            <a:r>
+              <a:rPr lang="en-US">
+                <a:solidFill>
+                  <a:srgbClr val="0000FF"/>
+                </a:solidFill>
+              </a:rPr>
+              <a:t>n</a:t>
+            </a:r>
+            <a:r>
+              <a:rPr lang="en-US"/>
+              <a:t> queens on the chessboard, such that the queens do not threaten each other</a:t>
+            </a:r>
+          </a:p>
+          <a:p>
+            <a:pPr marL="457200" indent="-457200" fontAlgn="auto">
+              <a:spcBef>
+                <a:spcPts val="1200"/>
+              </a:spcBef>
+              <a:spcAft>
+                <a:spcPts val="0"/>
+              </a:spcAft>
+              <a:buClr>
+                <a:schemeClr val="tx1">
+                  <a:lumMod val="90000"/>
+                  <a:lumOff val="10000"/>
+                </a:schemeClr>
+              </a:buClr>
+              <a:buSzPct val="100000"/>
+              <a:buFont typeface="Wingdings" pitchFamily="2" charset="2"/>
+              <a:buChar char="§"/>
+            </a:pPr>
+            <a:endParaRPr lang="en-GB"/>
+          </a:p>
+          <a:p>
+            <a:pPr marL="457200" indent="-457200" fontAlgn="auto">
+              <a:spcBef>
+                <a:spcPts val="1200"/>
+              </a:spcBef>
+              <a:spcAft>
+                <a:spcPts val="0"/>
+              </a:spcAft>
+              <a:buClr>
+                <a:schemeClr val="tx1">
+                  <a:lumMod val="90000"/>
+                  <a:lumOff val="10000"/>
+                </a:schemeClr>
+              </a:buClr>
+              <a:buSzPct val="100000"/>
+              <a:buFont typeface="Wingdings" pitchFamily="2" charset="2"/>
+              <a:buChar char="§"/>
+            </a:pPr>
+            <a:r>
+              <a:rPr lang="en-GB"/>
+              <a:t>Recursive Thinking</a:t>
+            </a:r>
+          </a:p>
+          <a:p>
+            <a:pPr marL="731520" lvl="1" indent="-457200" fontAlgn="auto">
+              <a:spcBef>
+                <a:spcPts val="1200"/>
+              </a:spcBef>
+              <a:spcAft>
+                <a:spcPts val="0"/>
+              </a:spcAft>
+              <a:buClr>
+                <a:schemeClr val="tx1">
+                  <a:lumMod val="90000"/>
+                  <a:lumOff val="10000"/>
+                </a:schemeClr>
+              </a:buClr>
+              <a:buSzPct val="100000"/>
+              <a:buFont typeface="Wingdings" pitchFamily="2" charset="2"/>
+              <a:buChar char="§"/>
+            </a:pPr>
+            <a:r>
+              <a:rPr lang="en-GB"/>
+              <a:t>What if we generate all permutations of the placements (recursively) and check whether it works?</a:t>
+            </a:r>
+          </a:p>
+        </p:txBody>
+      </p:sp>
+    </p:spTree>
+    <p:extLst>
+      <p:ext uri="{BB962C8B-B14F-4D97-AF65-F5344CB8AC3E}">
+        <p14:creationId xmlns:p14="http://schemas.microsoft.com/office/powerpoint/2010/main" val="1415479900"/>
+      </p:ext>
+    </p:extLst>
+  </p:cSld>
+  <p:clrMapOvr>
+    <a:masterClrMapping/>
+  </p:clrMapOvr>
+  <p:transition>
+    <p:fade/>
+  </p:transition>
+</p:sld>
+</file>
+
+<file path=ppt/slides/slide6.xml><?xml version="1.0" encoding="utf-8"?>
+<p:sld xmlns:a="http://schemas.openxmlformats.org/drawingml/2006/main" xmlns:r="http://schemas.openxmlformats.org/officeDocument/2006/relationships" xmlns:p="http://schemas.openxmlformats.org/presentationml/2006/main">
+  <p:cSld>
+    <p:spTree>
+      <p:nvGrpSpPr>
+        <p:cNvPr id="1" name=""/>
+        <p:cNvGrpSpPr/>
+        <p:nvPr/>
+      </p:nvGrpSpPr>
+      <p:grpSpPr>
+        <a:xfrm>
+          <a:off x="0" y="0"/>
+          <a:ext cx="0" cy="0"/>
+          <a:chOff x="0" y="0"/>
+          <a:chExt cx="0" cy="0"/>
+        </a:xfrm>
+      </p:grpSpPr>
+      <p:sp>
+        <p:nvSpPr>
+          <p:cNvPr id="14338" name="Rectangle 2"/>
+          <p:cNvSpPr>
+            <a:spLocks noGrp="1" noChangeArrowheads="1"/>
+          </p:cNvSpPr>
+          <p:nvPr>
+            <p:ph type="title"/>
+          </p:nvPr>
+        </p:nvSpPr>
+        <p:spPr>
+          <a:xfrm>
+            <a:off x="533400" y="381000"/>
+            <a:ext cx="8382000" cy="838200"/>
+          </a:xfrm>
+        </p:spPr>
+        <p:txBody>
+          <a:bodyPr>
+            <a:normAutofit/>
+          </a:bodyPr>
+          <a:lstStyle/>
+          <a:p>
+            <a:pPr eaLnBrk="1" hangingPunct="1"/>
+            <a:r>
+              <a:rPr lang="en-GB" sz="3600">
+                <a:solidFill>
+                  <a:srgbClr val="0000FF"/>
+                </a:solidFill>
+              </a:rPr>
+              <a:t>N Queens</a:t>
+            </a:r>
+          </a:p>
+        </p:txBody>
+      </p:sp>
+      <p:sp>
+        <p:nvSpPr>
+          <p:cNvPr id="7" name="Slide Number Placeholder 6"/>
+          <p:cNvSpPr>
+            <a:spLocks noGrp="1"/>
+          </p:cNvSpPr>
+          <p:nvPr>
+            <p:ph type="sldNum" sz="quarter" idx="12"/>
+          </p:nvPr>
+        </p:nvSpPr>
+        <p:spPr/>
+        <p:txBody>
+          <a:bodyPr>
+            <a:normAutofit/>
+          </a:bodyPr>
+          <a:lstStyle/>
+          <a:p>
+            <a:pPr>
+              <a:defRPr/>
+            </a:pPr>
+            <a:r>
+              <a:rPr lang="en-US" sz="1200"/>
+              <a:t>Unit27</a:t>
+            </a:r>
+            <a:r>
+              <a:rPr sz="1200"/>
+              <a:t> - </a:t>
+            </a:r>
+            <a:fld id="{F7EC234A-9094-4BB8-9EA4-75ECDA8A365B}" type="slidenum">
+              <a:rPr sz="1200" smtClean="0"/>
+              <a:pPr>
+                <a:defRPr/>
+              </a:pPr>
+              <a:t>6</a:t>
+            </a:fld>
+            <a:endParaRPr sz="1200"/>
+          </a:p>
+        </p:txBody>
+      </p:sp>
+      <p:sp>
+        <p:nvSpPr>
+          <p:cNvPr id="12" name="[Date Placeholder 3]"/>
+          <p:cNvSpPr>
+            <a:spLocks noGrp="1"/>
+          </p:cNvSpPr>
+          <p:nvPr>
+            <p:ph type="dt" sz="half" idx="10"/>
+          </p:nvPr>
+        </p:nvSpPr>
+        <p:spPr>
+          <a:xfrm>
+            <a:off x="457200" y="18288"/>
+            <a:ext cx="2895600" cy="329184"/>
+          </a:xfrm>
+        </p:spPr>
+        <p:txBody>
+          <a:bodyPr/>
+          <a:lstStyle/>
+          <a:p>
+            <a:pPr>
+              <a:defRPr/>
+            </a:pPr>
+            <a:r>
+              <a:rPr lang="en-US"/>
               <a:t>© NUS</a:t>
             </a:r>
           </a:p>
@@ -16216,7 +17135,7 @@
               <a:buChar char="§"/>
             </a:pPr>
             <a:r>
-              <a:rPr lang="en-US" dirty="0"/>
+              <a:rPr lang="en-US"/>
               <a:t>Implementation:</a:t>
             </a:r>
           </a:p>
@@ -16238,7 +17157,7 @@
               <a:buFont typeface="Wingdings" pitchFamily="2" charset="2"/>
               <a:buChar char="§"/>
             </a:pPr>
-            <a:endParaRPr lang="en-US" dirty="0"/>
+            <a:endParaRPr lang="en-US"/>
           </a:p>
         </p:txBody>
       </p:sp>
@@ -16287,7 +17206,7 @@
               <a:defRPr/>
             </a:pPr>
             <a:r>
-              <a:rPr lang="en-US" b="1" dirty="0">
+              <a:rPr lang="en-US" b="1">
                 <a:solidFill>
                   <a:srgbClr val="0000FF"/>
                 </a:solidFill>
@@ -16297,7 +17216,7 @@
               <a:t>void </a:t>
             </a:r>
             <a:r>
-              <a:rPr lang="en-US" b="1" dirty="0" err="1">
+              <a:rPr lang="en-US" b="1" err="1">
                 <a:solidFill>
                   <a:schemeClr val="tx1"/>
                 </a:solidFill>
@@ -16307,7 +17226,7 @@
               <a:t>nqueens</a:t>
             </a:r>
             <a:r>
-              <a:rPr lang="en-US" b="1" dirty="0">
+              <a:rPr lang="en-US" b="1">
                 <a:solidFill>
                   <a:schemeClr val="tx1"/>
                 </a:solidFill>
@@ -16317,7 +17236,7 @@
               <a:t>(</a:t>
             </a:r>
             <a:r>
-              <a:rPr lang="en-US" b="1" dirty="0">
+              <a:rPr lang="en-US" b="1">
                 <a:solidFill>
                   <a:srgbClr val="0000FF"/>
                 </a:solidFill>
@@ -16327,7 +17246,7 @@
               <a:t>char</a:t>
             </a:r>
             <a:r>
-              <a:rPr lang="en-US" b="1" dirty="0">
+              <a:rPr lang="en-US" b="1">
                 <a:solidFill>
                   <a:schemeClr val="tx1"/>
                 </a:solidFill>
@@ -16337,7 +17256,7 @@
               <a:t> queens[], </a:t>
             </a:r>
             <a:r>
-              <a:rPr lang="en-US" b="1" dirty="0">
+              <a:rPr lang="en-US" b="1">
                 <a:solidFill>
                   <a:srgbClr val="0000FF"/>
                 </a:solidFill>
@@ -16347,7 +17266,7 @@
               <a:t>long</a:t>
             </a:r>
             <a:r>
-              <a:rPr lang="en-US" b="1" dirty="0">
+              <a:rPr lang="en-US" b="1">
                 <a:solidFill>
                   <a:schemeClr val="tx1"/>
                 </a:solidFill>
@@ -16357,7 +17276,7 @@
               <a:t> n, </a:t>
             </a:r>
             <a:r>
-              <a:rPr lang="en-US" b="1" dirty="0">
+              <a:rPr lang="en-US" b="1">
                 <a:solidFill>
                   <a:srgbClr val="0000FF"/>
                 </a:solidFill>
@@ -16367,7 +17286,7 @@
               <a:t>long</a:t>
             </a:r>
             <a:r>
-              <a:rPr lang="en-US" b="1" dirty="0">
+              <a:rPr lang="en-US" b="1">
                 <a:solidFill>
                   <a:schemeClr val="tx1"/>
                 </a:solidFill>
@@ -16382,7 +17301,7 @@
               <a:defRPr/>
             </a:pPr>
             <a:r>
-              <a:rPr lang="en-US" b="1" dirty="0">
+              <a:rPr lang="en-US" b="1">
                 <a:solidFill>
                   <a:schemeClr val="tx1"/>
                 </a:solidFill>
@@ -16392,7 +17311,7 @@
               <a:t>  </a:t>
             </a:r>
             <a:r>
-              <a:rPr lang="en-US" b="1" dirty="0">
+              <a:rPr lang="en-US" b="1">
                 <a:solidFill>
                   <a:srgbClr val="0000FF"/>
                 </a:solidFill>
@@ -16402,7 +17321,7 @@
               <a:t>if</a:t>
             </a:r>
             <a:r>
-              <a:rPr lang="en-US" b="1" dirty="0">
+              <a:rPr lang="en-US" b="1">
                 <a:solidFill>
                   <a:schemeClr val="tx1"/>
                 </a:solidFill>
@@ -16412,7 +17331,7 @@
               <a:t> (row == n-</a:t>
             </a:r>
             <a:r>
-              <a:rPr lang="en-US" b="1" dirty="0">
+              <a:rPr lang="en-US" b="1">
                 <a:solidFill>
                   <a:srgbClr val="C00000"/>
                 </a:solidFill>
@@ -16422,7 +17341,7 @@
               <a:t>1</a:t>
             </a:r>
             <a:r>
-              <a:rPr lang="en-US" b="1" dirty="0">
+              <a:rPr lang="en-US" b="1">
                 <a:solidFill>
                   <a:schemeClr val="tx1"/>
                 </a:solidFill>
@@ -16437,7 +17356,7 @@
               <a:defRPr/>
             </a:pPr>
             <a:r>
-              <a:rPr lang="en-US" b="1" dirty="0">
+              <a:rPr lang="en-US" b="1">
                 <a:solidFill>
                   <a:schemeClr val="tx1"/>
                 </a:solidFill>
@@ -16447,7 +17366,7 @@
               <a:t>    </a:t>
             </a:r>
             <a:r>
-              <a:rPr lang="en-US" b="1" dirty="0">
+              <a:rPr lang="en-US" b="1">
                 <a:solidFill>
                   <a:srgbClr val="0000FF"/>
                 </a:solidFill>
@@ -16457,7 +17376,7 @@
               <a:t>if </a:t>
             </a:r>
             <a:r>
-              <a:rPr lang="en-US" b="1" dirty="0">
+              <a:rPr lang="en-US" b="1">
                 <a:solidFill>
                   <a:schemeClr val="tx1"/>
                 </a:solidFill>
@@ -16467,7 +17386,7 @@
               <a:t>(!</a:t>
             </a:r>
             <a:r>
-              <a:rPr lang="en-US" b="1" dirty="0" err="1">
+              <a:rPr lang="en-US" b="1" err="1">
                 <a:solidFill>
                   <a:schemeClr val="tx1"/>
                 </a:solidFill>
@@ -16477,7 +17396,7 @@
               <a:t>threaten_each_other_diagonally</a:t>
             </a:r>
             <a:r>
-              <a:rPr lang="en-US" b="1" dirty="0">
+              <a:rPr lang="en-US" b="1">
                 <a:solidFill>
                   <a:schemeClr val="tx1"/>
                 </a:solidFill>
@@ -16492,7 +17411,7 @@
               <a:defRPr/>
             </a:pPr>
             <a:r>
-              <a:rPr lang="en-US" b="1" dirty="0">
+              <a:rPr lang="en-US" b="1">
                 <a:solidFill>
                   <a:schemeClr val="tx1"/>
                 </a:solidFill>
@@ -16507,7 +17426,7 @@
               <a:defRPr/>
             </a:pPr>
             <a:r>
-              <a:rPr lang="en-US" b="1" dirty="0">
+              <a:rPr lang="en-US" b="1">
                 <a:solidFill>
                   <a:schemeClr val="tx1"/>
                 </a:solidFill>
@@ -16522,7 +17441,7 @@
               <a:defRPr/>
             </a:pPr>
             <a:r>
-              <a:rPr lang="en-US" b="1" dirty="0">
+              <a:rPr lang="en-US" b="1">
                 <a:solidFill>
                   <a:schemeClr val="tx1"/>
                 </a:solidFill>
@@ -16532,7 +17451,7 @@
               <a:t>    </a:t>
             </a:r>
             <a:r>
-              <a:rPr lang="en-US" b="1" dirty="0">
+              <a:rPr lang="en-US" b="1">
                 <a:solidFill>
                   <a:srgbClr val="0000FF"/>
                 </a:solidFill>
@@ -16542,7 +17461,7 @@
               <a:t>return</a:t>
             </a:r>
             <a:r>
-              <a:rPr lang="en-US" b="1" dirty="0">
+              <a:rPr lang="en-US" b="1">
                 <a:solidFill>
                   <a:schemeClr val="tx1"/>
                 </a:solidFill>
@@ -16557,7 +17476,7 @@
               <a:defRPr/>
             </a:pPr>
             <a:r>
-              <a:rPr lang="en-US" b="1" dirty="0">
+              <a:rPr lang="en-US" b="1">
                 <a:solidFill>
                   <a:schemeClr val="tx1"/>
                 </a:solidFill>
@@ -16571,7 +17490,7 @@
             <a:pPr>
               <a:defRPr/>
             </a:pPr>
-            <a:endParaRPr lang="en-US" b="1" dirty="0">
+            <a:endParaRPr lang="en-US" b="1">
               <a:solidFill>
                 <a:schemeClr val="tx1"/>
               </a:solidFill>
@@ -16584,7 +17503,7 @@
               <a:defRPr/>
             </a:pPr>
             <a:r>
-              <a:rPr lang="en-US" b="1" dirty="0">
+              <a:rPr lang="en-US" b="1">
                 <a:solidFill>
                   <a:schemeClr val="tx1"/>
                 </a:solidFill>
@@ -16594,7 +17513,7 @@
               <a:t>  </a:t>
             </a:r>
             <a:r>
-              <a:rPr lang="en-US" b="1" dirty="0" err="1">
+              <a:rPr lang="en-US" b="1" err="1">
                 <a:solidFill>
                   <a:schemeClr val="tx1"/>
                 </a:solidFill>
@@ -16604,7 +17523,7 @@
               <a:t>nqueens</a:t>
             </a:r>
             <a:r>
-              <a:rPr lang="en-US" b="1" dirty="0">
+              <a:rPr lang="en-US" b="1">
                 <a:solidFill>
                   <a:schemeClr val="tx1"/>
                 </a:solidFill>
@@ -16614,7 +17533,7 @@
               <a:t>(queens, n, row + </a:t>
             </a:r>
             <a:r>
-              <a:rPr lang="en-US" b="1" dirty="0">
+              <a:rPr lang="en-US" b="1">
                 <a:solidFill>
                   <a:srgbClr val="C00000"/>
                 </a:solidFill>
@@ -16624,7 +17543,7 @@
               <a:t>1</a:t>
             </a:r>
             <a:r>
-              <a:rPr lang="en-US" b="1" dirty="0">
+              <a:rPr lang="en-US" b="1">
                 <a:solidFill>
                   <a:schemeClr val="tx1"/>
                 </a:solidFill>
@@ -16639,7 +17558,7 @@
               <a:defRPr/>
             </a:pPr>
             <a:r>
-              <a:rPr lang="en-US" b="1" dirty="0">
+              <a:rPr lang="en-US" b="1">
                 <a:solidFill>
                   <a:schemeClr val="tx1"/>
                 </a:solidFill>
@@ -16649,7 +17568,7 @@
               <a:t>  </a:t>
             </a:r>
             <a:r>
-              <a:rPr lang="en-US" b="1" dirty="0">
+              <a:rPr lang="en-US" b="1">
                 <a:solidFill>
                   <a:srgbClr val="0000FF"/>
                 </a:solidFill>
@@ -16659,7 +17578,7 @@
               <a:t>for</a:t>
             </a:r>
             <a:r>
-              <a:rPr lang="en-US" b="1" dirty="0">
+              <a:rPr lang="en-US" b="1">
                 <a:solidFill>
                   <a:schemeClr val="tx1"/>
                 </a:solidFill>
@@ -16669,7 +17588,7 @@
               <a:t> (</a:t>
             </a:r>
             <a:r>
-              <a:rPr lang="en-US" b="1" dirty="0">
+              <a:rPr lang="en-US" b="1">
                 <a:solidFill>
                   <a:srgbClr val="0000FF"/>
                 </a:solidFill>
@@ -16679,7 +17598,7 @@
               <a:t>long</a:t>
             </a:r>
             <a:r>
-              <a:rPr lang="en-US" b="1" dirty="0">
+              <a:rPr lang="en-US" b="1">
                 <a:solidFill>
                   <a:schemeClr val="tx1"/>
                 </a:solidFill>
@@ -16689,7 +17608,7 @@
               <a:t> </a:t>
             </a:r>
             <a:r>
-              <a:rPr lang="en-US" b="1" dirty="0" err="1">
+              <a:rPr lang="en-US" b="1" err="1">
                 <a:solidFill>
                   <a:schemeClr val="tx1"/>
                 </a:solidFill>
@@ -16699,7 +17618,7 @@
               <a:t>i</a:t>
             </a:r>
             <a:r>
-              <a:rPr lang="en-US" b="1" dirty="0">
+              <a:rPr lang="en-US" b="1">
                 <a:solidFill>
                   <a:schemeClr val="tx1"/>
                 </a:solidFill>
@@ -16709,7 +17628,7 @@
               <a:t> = row + </a:t>
             </a:r>
             <a:r>
-              <a:rPr lang="en-US" b="1" dirty="0">
+              <a:rPr lang="en-US" b="1">
                 <a:solidFill>
                   <a:srgbClr val="C00000"/>
                 </a:solidFill>
@@ -16719,7 +17638,7 @@
               <a:t>1</a:t>
             </a:r>
             <a:r>
-              <a:rPr lang="en-US" b="1" dirty="0">
+              <a:rPr lang="en-US" b="1">
                 <a:solidFill>
                   <a:schemeClr val="tx1"/>
                 </a:solidFill>
@@ -16729,7 +17648,7 @@
               <a:t>; </a:t>
             </a:r>
             <a:r>
-              <a:rPr lang="en-US" b="1" dirty="0" err="1">
+              <a:rPr lang="en-US" b="1" err="1">
                 <a:solidFill>
                   <a:schemeClr val="tx1"/>
                 </a:solidFill>
@@ -16739,7 +17658,7 @@
               <a:t>i</a:t>
             </a:r>
             <a:r>
-              <a:rPr lang="en-US" b="1" dirty="0">
+              <a:rPr lang="en-US" b="1">
                 <a:solidFill>
                   <a:schemeClr val="tx1"/>
                 </a:solidFill>
@@ -16749,7 +17668,7 @@
               <a:t> &lt; n; </a:t>
             </a:r>
             <a:r>
-              <a:rPr lang="en-US" b="1" dirty="0" err="1">
+              <a:rPr lang="en-US" b="1" err="1">
                 <a:solidFill>
                   <a:schemeClr val="tx1"/>
                 </a:solidFill>
@@ -16759,7 +17678,7 @@
               <a:t>i</a:t>
             </a:r>
             <a:r>
-              <a:rPr lang="en-US" b="1" dirty="0">
+              <a:rPr lang="en-US" b="1">
                 <a:solidFill>
                   <a:schemeClr val="tx1"/>
                 </a:solidFill>
@@ -16774,7 +17693,7 @@
               <a:defRPr/>
             </a:pPr>
             <a:r>
-              <a:rPr lang="en-US" b="1" dirty="0">
+              <a:rPr lang="en-US" b="1">
                 <a:solidFill>
                   <a:schemeClr val="tx1"/>
                 </a:solidFill>
@@ -16784,7 +17703,7 @@
               <a:t>    swap(queens, row, </a:t>
             </a:r>
             <a:r>
-              <a:rPr lang="en-US" b="1" dirty="0" err="1">
+              <a:rPr lang="en-US" b="1" err="1">
                 <a:solidFill>
                   <a:schemeClr val="tx1"/>
                 </a:solidFill>
@@ -16794,7 +17713,7 @@
               <a:t>i</a:t>
             </a:r>
             <a:r>
-              <a:rPr lang="en-US" b="1" dirty="0">
+              <a:rPr lang="en-US" b="1">
                 <a:solidFill>
                   <a:schemeClr val="tx1"/>
                 </a:solidFill>
@@ -16809,7 +17728,7 @@
               <a:defRPr/>
             </a:pPr>
             <a:r>
-              <a:rPr lang="en-US" b="1" dirty="0">
+              <a:rPr lang="en-US" b="1">
                 <a:solidFill>
                   <a:schemeClr val="tx1"/>
                 </a:solidFill>
@@ -16819,7 +17738,7 @@
               <a:t>    </a:t>
             </a:r>
             <a:r>
-              <a:rPr lang="en-US" b="1" dirty="0" err="1">
+              <a:rPr lang="en-US" b="1" err="1">
                 <a:solidFill>
                   <a:schemeClr val="tx1"/>
                 </a:solidFill>
@@ -16829,7 +17748,7 @@
               <a:t>nqueens</a:t>
             </a:r>
             <a:r>
-              <a:rPr lang="en-US" b="1" dirty="0">
+              <a:rPr lang="en-US" b="1">
                 <a:solidFill>
                   <a:schemeClr val="tx1"/>
                 </a:solidFill>
@@ -16839,7 +17758,7 @@
               <a:t>(queens, n, row + </a:t>
             </a:r>
             <a:r>
-              <a:rPr lang="en-US" b="1" dirty="0">
+              <a:rPr lang="en-US" b="1">
                 <a:solidFill>
                   <a:srgbClr val="C00000"/>
                 </a:solidFill>
@@ -16849,7 +17768,7 @@
               <a:t>1</a:t>
             </a:r>
             <a:r>
-              <a:rPr lang="en-US" b="1" dirty="0">
+              <a:rPr lang="en-US" b="1">
                 <a:solidFill>
                   <a:schemeClr val="tx1"/>
                 </a:solidFill>
@@ -16864,7 +17783,7 @@
               <a:defRPr/>
             </a:pPr>
             <a:r>
-              <a:rPr lang="en-US" b="1" dirty="0">
+              <a:rPr lang="en-US" b="1">
                 <a:solidFill>
                   <a:schemeClr val="tx1"/>
                 </a:solidFill>
@@ -16874,7 +17793,7 @@
               <a:t>    swap(queens, row, </a:t>
             </a:r>
             <a:r>
-              <a:rPr lang="en-US" b="1" dirty="0" err="1">
+              <a:rPr lang="en-US" b="1" err="1">
                 <a:solidFill>
                   <a:schemeClr val="tx1"/>
                 </a:solidFill>
@@ -16884,7 +17803,7 @@
               <a:t>i</a:t>
             </a:r>
             <a:r>
-              <a:rPr lang="en-US" b="1" dirty="0">
+              <a:rPr lang="en-US" b="1">
                 <a:solidFill>
                   <a:schemeClr val="tx1"/>
                 </a:solidFill>
@@ -16899,7 +17818,7 @@
               <a:defRPr/>
             </a:pPr>
             <a:r>
-              <a:rPr lang="en-US" b="1" dirty="0">
+              <a:rPr lang="en-US" b="1">
                 <a:solidFill>
                   <a:schemeClr val="tx1"/>
                 </a:solidFill>
@@ -16914,7 +17833,7 @@
               <a:defRPr/>
             </a:pPr>
             <a:r>
-              <a:rPr lang="en-US" b="1" dirty="0">
+              <a:rPr lang="en-US" b="1">
                 <a:solidFill>
                   <a:schemeClr val="tx1"/>
                 </a:solidFill>
@@ -16972,7 +17891,7 @@
           <a:lstStyle/>
           <a:p>
             <a:r>
-              <a:rPr lang="en-US" dirty="0"/>
+              <a:rPr lang="en-US"/>
               <a:t>O(n!)</a:t>
             </a:r>
           </a:p>
@@ -17083,481 +18002,6 @@
 </p:sld>
 </file>
 
-<file path=ppt/slides/slide6.xml><?xml version="1.0" encoding="utf-8"?>
-<p:sld xmlns:a="http://schemas.openxmlformats.org/drawingml/2006/main" xmlns:r="http://schemas.openxmlformats.org/officeDocument/2006/relationships" xmlns:p="http://schemas.openxmlformats.org/presentationml/2006/main">
-  <p:cSld>
-    <p:spTree>
-      <p:nvGrpSpPr>
-        <p:cNvPr id="1" name=""/>
-        <p:cNvGrpSpPr/>
-        <p:nvPr/>
-      </p:nvGrpSpPr>
-      <p:grpSpPr>
-        <a:xfrm>
-          <a:off x="0" y="0"/>
-          <a:ext cx="0" cy="0"/>
-          <a:chOff x="0" y="0"/>
-          <a:chExt cx="0" cy="0"/>
-        </a:xfrm>
-      </p:grpSpPr>
-      <p:sp>
-        <p:nvSpPr>
-          <p:cNvPr id="14338" name="Rectangle 2"/>
-          <p:cNvSpPr>
-            <a:spLocks noGrp="1" noChangeArrowheads="1"/>
-          </p:cNvSpPr>
-          <p:nvPr>
-            <p:ph type="title"/>
-          </p:nvPr>
-        </p:nvSpPr>
-        <p:spPr>
-          <a:xfrm>
-            <a:off x="533400" y="381000"/>
-            <a:ext cx="8382000" cy="838200"/>
-          </a:xfrm>
-        </p:spPr>
-        <p:txBody>
-          <a:bodyPr>
-            <a:normAutofit/>
-          </a:bodyPr>
-          <a:lstStyle/>
-          <a:p>
-            <a:pPr eaLnBrk="1" hangingPunct="1"/>
-            <a:r>
-              <a:rPr lang="en-GB" sz="3600" dirty="0">
-                <a:solidFill>
-                  <a:srgbClr val="0000FF"/>
-                </a:solidFill>
-              </a:rPr>
-              <a:t>N Queens</a:t>
-            </a:r>
-          </a:p>
-        </p:txBody>
-      </p:sp>
-      <p:sp>
-        <p:nvSpPr>
-          <p:cNvPr id="7" name="Slide Number Placeholder 6"/>
-          <p:cNvSpPr>
-            <a:spLocks noGrp="1"/>
-          </p:cNvSpPr>
-          <p:nvPr>
-            <p:ph type="sldNum" sz="quarter" idx="12"/>
-          </p:nvPr>
-        </p:nvSpPr>
-        <p:spPr/>
-        <p:txBody>
-          <a:bodyPr>
-            <a:normAutofit/>
-          </a:bodyPr>
-          <a:lstStyle/>
-          <a:p>
-            <a:pPr>
-              <a:defRPr/>
-            </a:pPr>
-            <a:r>
-              <a:rPr lang="en-US" dirty="0"/>
-              <a:t>Unit27 - </a:t>
-            </a:r>
-            <a:fld id="{F7EC234A-9094-4BB8-9EA4-75ECDA8A365B}" type="slidenum">
-              <a:rPr lang="en-US"/>
-              <a:pPr>
-                <a:defRPr/>
-              </a:pPr>
-              <a:t>6</a:t>
-            </a:fld>
-            <a:endParaRPr lang="en-US" dirty="0"/>
-          </a:p>
-        </p:txBody>
-      </p:sp>
-      <p:sp>
-        <p:nvSpPr>
-          <p:cNvPr id="12" name="[Date Placeholder 3]"/>
-          <p:cNvSpPr>
-            <a:spLocks noGrp="1"/>
-          </p:cNvSpPr>
-          <p:nvPr>
-            <p:ph type="dt" sz="half" idx="10"/>
-          </p:nvPr>
-        </p:nvSpPr>
-        <p:spPr>
-          <a:xfrm>
-            <a:off x="457200" y="18288"/>
-            <a:ext cx="2895600" cy="329184"/>
-          </a:xfrm>
-        </p:spPr>
-        <p:txBody>
-          <a:bodyPr/>
-          <a:lstStyle/>
-          <a:p>
-            <a:pPr>
-              <a:defRPr/>
-            </a:pPr>
-            <a:r>
-              <a:rPr lang="en-US" dirty="0"/>
-              <a:t>© NUS</a:t>
-            </a:r>
-          </a:p>
-        </p:txBody>
-      </p:sp>
-      <p:sp>
-        <p:nvSpPr>
-          <p:cNvPr id="13" name="Rectangle 3"/>
-          <p:cNvSpPr txBox="1">
-            <a:spLocks noChangeArrowheads="1"/>
-          </p:cNvSpPr>
-          <p:nvPr/>
-        </p:nvSpPr>
-        <p:spPr>
-          <a:xfrm>
-            <a:off x="471488" y="1182172"/>
-            <a:ext cx="7948612" cy="5372740"/>
-          </a:xfrm>
-          <a:prstGeom prst="rect">
-            <a:avLst/>
-          </a:prstGeom>
-        </p:spPr>
-        <p:txBody>
-          <a:bodyPr vert="horz" lIns="91440" tIns="45720" rIns="91440" bIns="45720" rtlCol="0">
-            <a:normAutofit/>
-          </a:bodyPr>
-          <a:lstStyle>
-            <a:lvl1pPr marL="182880" indent="-182880" algn="l" defTabSz="914400" rtl="0" eaLnBrk="1" latinLnBrk="0" hangingPunct="1">
-              <a:spcBef>
-                <a:spcPct val="20000"/>
-              </a:spcBef>
-              <a:buClr>
-                <a:schemeClr val="accent1"/>
-              </a:buClr>
-              <a:buSzPct val="85000"/>
-              <a:buFont typeface="Arial" pitchFamily="34" charset="0"/>
-              <a:buChar char="•"/>
-              <a:defRPr sz="2400" kern="1200">
-                <a:solidFill>
-                  <a:schemeClr val="tx1"/>
-                </a:solidFill>
-                <a:latin typeface="+mn-lt"/>
-                <a:ea typeface="+mn-ea"/>
-                <a:cs typeface="+mn-cs"/>
-              </a:defRPr>
-            </a:lvl1pPr>
-            <a:lvl2pPr marL="457200" indent="-182880" algn="l" defTabSz="914400" rtl="0" eaLnBrk="1" latinLnBrk="0" hangingPunct="1">
-              <a:spcBef>
-                <a:spcPct val="20000"/>
-              </a:spcBef>
-              <a:buClr>
-                <a:schemeClr val="accent1"/>
-              </a:buClr>
-              <a:buSzPct val="85000"/>
-              <a:buFont typeface="Arial" pitchFamily="34" charset="0"/>
-              <a:buChar char="•"/>
-              <a:defRPr sz="2000" kern="1200">
-                <a:solidFill>
-                  <a:schemeClr val="tx1"/>
-                </a:solidFill>
-                <a:latin typeface="+mn-lt"/>
-                <a:ea typeface="+mn-ea"/>
-                <a:cs typeface="+mn-cs"/>
-              </a:defRPr>
-            </a:lvl2pPr>
-            <a:lvl3pPr marL="731520" indent="-182880" algn="l" defTabSz="914400" rtl="0" eaLnBrk="1" latinLnBrk="0" hangingPunct="1">
-              <a:spcBef>
-                <a:spcPct val="20000"/>
-              </a:spcBef>
-              <a:buClr>
-                <a:schemeClr val="accent1"/>
-              </a:buClr>
-              <a:buSzPct val="90000"/>
-              <a:buFont typeface="Arial" pitchFamily="34" charset="0"/>
-              <a:buChar char="•"/>
-              <a:defRPr sz="1800" kern="1200">
-                <a:solidFill>
-                  <a:schemeClr val="tx1"/>
-                </a:solidFill>
-                <a:latin typeface="+mn-lt"/>
-                <a:ea typeface="+mn-ea"/>
-                <a:cs typeface="+mn-cs"/>
-              </a:defRPr>
-            </a:lvl3pPr>
-            <a:lvl4pPr marL="1005840" indent="-182880" algn="l" defTabSz="914400" rtl="0" eaLnBrk="1" latinLnBrk="0" hangingPunct="1">
-              <a:spcBef>
-                <a:spcPct val="20000"/>
-              </a:spcBef>
-              <a:buClr>
-                <a:schemeClr val="accent1"/>
-              </a:buClr>
-              <a:buFont typeface="Arial" pitchFamily="34" charset="0"/>
-              <a:buChar char="•"/>
-              <a:defRPr sz="1600" kern="1200">
-                <a:solidFill>
-                  <a:schemeClr val="tx1"/>
-                </a:solidFill>
-                <a:latin typeface="+mn-lt"/>
-                <a:ea typeface="+mn-ea"/>
-                <a:cs typeface="+mn-cs"/>
-              </a:defRPr>
-            </a:lvl4pPr>
-            <a:lvl5pPr marL="1188720" indent="-137160" algn="l" defTabSz="914400" rtl="0" eaLnBrk="1" latinLnBrk="0" hangingPunct="1">
-              <a:spcBef>
-                <a:spcPct val="20000"/>
-              </a:spcBef>
-              <a:buClr>
-                <a:schemeClr val="accent1"/>
-              </a:buClr>
-              <a:buSzPct val="100000"/>
-              <a:buFont typeface="Arial" pitchFamily="34" charset="0"/>
-              <a:buChar char="•"/>
-              <a:defRPr sz="1400" kern="1200" baseline="0">
-                <a:solidFill>
-                  <a:schemeClr val="tx1"/>
-                </a:solidFill>
-                <a:latin typeface="+mn-lt"/>
-                <a:ea typeface="+mn-ea"/>
-                <a:cs typeface="+mn-cs"/>
-              </a:defRPr>
-            </a:lvl5pPr>
-            <a:lvl6pPr marL="1371600" indent="-182880" algn="l" defTabSz="914400" rtl="0" eaLnBrk="1" latinLnBrk="0" hangingPunct="1">
-              <a:spcBef>
-                <a:spcPct val="20000"/>
-              </a:spcBef>
-              <a:buClr>
-                <a:schemeClr val="accent1"/>
-              </a:buClr>
-              <a:buFont typeface="Arial" pitchFamily="34" charset="0"/>
-              <a:buChar char="•"/>
-              <a:defRPr sz="1300" kern="1200">
-                <a:solidFill>
-                  <a:schemeClr val="tx1"/>
-                </a:solidFill>
-                <a:latin typeface="+mn-lt"/>
-                <a:ea typeface="+mn-ea"/>
-                <a:cs typeface="+mn-cs"/>
-              </a:defRPr>
-            </a:lvl6pPr>
-            <a:lvl7pPr marL="1554480" indent="-182880" algn="l" defTabSz="914400" rtl="0" eaLnBrk="1" latinLnBrk="0" hangingPunct="1">
-              <a:spcBef>
-                <a:spcPct val="20000"/>
-              </a:spcBef>
-              <a:buClr>
-                <a:schemeClr val="accent1"/>
-              </a:buClr>
-              <a:buFont typeface="Arial" pitchFamily="34" charset="0"/>
-              <a:buChar char="•"/>
-              <a:defRPr sz="1300" kern="1200">
-                <a:solidFill>
-                  <a:schemeClr val="tx1"/>
-                </a:solidFill>
-                <a:latin typeface="+mn-lt"/>
-                <a:ea typeface="+mn-ea"/>
-                <a:cs typeface="+mn-cs"/>
-              </a:defRPr>
-            </a:lvl7pPr>
-            <a:lvl8pPr marL="1737360" indent="-182880" algn="l" defTabSz="914400" rtl="0" eaLnBrk="1" latinLnBrk="0" hangingPunct="1">
-              <a:spcBef>
-                <a:spcPct val="20000"/>
-              </a:spcBef>
-              <a:buClr>
-                <a:schemeClr val="accent1"/>
-              </a:buClr>
-              <a:buFont typeface="Arial" pitchFamily="34" charset="0"/>
-              <a:buChar char="•"/>
-              <a:defRPr sz="1300" kern="1200">
-                <a:solidFill>
-                  <a:schemeClr val="tx1"/>
-                </a:solidFill>
-                <a:latin typeface="+mn-lt"/>
-                <a:ea typeface="+mn-ea"/>
-                <a:cs typeface="+mn-cs"/>
-              </a:defRPr>
-            </a:lvl8pPr>
-            <a:lvl9pPr marL="1920240" indent="-182880" algn="l" defTabSz="914400" rtl="0" eaLnBrk="1" latinLnBrk="0" hangingPunct="1">
-              <a:spcBef>
-                <a:spcPct val="20000"/>
-              </a:spcBef>
-              <a:buClr>
-                <a:schemeClr val="accent1"/>
-              </a:buClr>
-              <a:buFont typeface="Arial" pitchFamily="34" charset="0"/>
-              <a:buChar char="•"/>
-              <a:defRPr sz="1300" kern="1200">
-                <a:solidFill>
-                  <a:schemeClr val="tx1"/>
-                </a:solidFill>
-                <a:latin typeface="+mn-lt"/>
-                <a:ea typeface="+mn-ea"/>
-                <a:cs typeface="+mn-cs"/>
-              </a:defRPr>
-            </a:lvl9pPr>
-          </a:lstStyle>
-          <a:p>
-            <a:pPr marL="457200" indent="-457200" fontAlgn="auto">
-              <a:spcBef>
-                <a:spcPts val="1200"/>
-              </a:spcBef>
-              <a:spcAft>
-                <a:spcPts val="0"/>
-              </a:spcAft>
-              <a:buClr>
-                <a:schemeClr val="tx1">
-                  <a:lumMod val="90000"/>
-                  <a:lumOff val="10000"/>
-                </a:schemeClr>
-              </a:buClr>
-              <a:buSzPct val="100000"/>
-              <a:buFont typeface="Wingdings" pitchFamily="2" charset="2"/>
-              <a:buChar char="§"/>
-            </a:pPr>
-            <a:r>
-              <a:rPr lang="en-GB" dirty="0"/>
-              <a:t>Problem: </a:t>
-            </a:r>
-            <a:r>
-              <a:rPr lang="en-US" dirty="0"/>
-              <a:t>Given a </a:t>
-            </a:r>
-            <a:r>
-              <a:rPr lang="en-US" dirty="0">
-                <a:solidFill>
-                  <a:srgbClr val="0000FF"/>
-                </a:solidFill>
-              </a:rPr>
-              <a:t>n</a:t>
-            </a:r>
-            <a:r>
-              <a:rPr lang="en-US" dirty="0"/>
-              <a:t> x </a:t>
-            </a:r>
-            <a:r>
-              <a:rPr lang="en-US" dirty="0">
-                <a:solidFill>
-                  <a:srgbClr val="0000FF"/>
-                </a:solidFill>
-              </a:rPr>
-              <a:t>n</a:t>
-            </a:r>
-            <a:r>
-              <a:rPr lang="en-US" dirty="0"/>
-              <a:t> chessboard, find a possible placement of </a:t>
-            </a:r>
-            <a:r>
-              <a:rPr lang="en-US" dirty="0">
-                <a:solidFill>
-                  <a:srgbClr val="0000FF"/>
-                </a:solidFill>
-              </a:rPr>
-              <a:t>n</a:t>
-            </a:r>
-            <a:r>
-              <a:rPr lang="en-US" dirty="0"/>
-              <a:t> queens on the chessboard, such that the queens do not threaten each other</a:t>
-            </a:r>
-          </a:p>
-          <a:p>
-            <a:pPr marL="457200" indent="-457200" fontAlgn="auto">
-              <a:spcBef>
-                <a:spcPts val="1200"/>
-              </a:spcBef>
-              <a:spcAft>
-                <a:spcPts val="0"/>
-              </a:spcAft>
-              <a:buClr>
-                <a:schemeClr val="tx1">
-                  <a:lumMod val="90000"/>
-                  <a:lumOff val="10000"/>
-                </a:schemeClr>
-              </a:buClr>
-              <a:buSzPct val="100000"/>
-              <a:buFont typeface="Wingdings" pitchFamily="2" charset="2"/>
-              <a:buChar char="§"/>
-            </a:pPr>
-            <a:endParaRPr lang="en-GB" dirty="0"/>
-          </a:p>
-          <a:p>
-            <a:pPr marL="457200" indent="-457200" fontAlgn="auto">
-              <a:spcBef>
-                <a:spcPts val="1200"/>
-              </a:spcBef>
-              <a:spcAft>
-                <a:spcPts val="0"/>
-              </a:spcAft>
-              <a:buClr>
-                <a:schemeClr val="tx1">
-                  <a:lumMod val="90000"/>
-                  <a:lumOff val="10000"/>
-                </a:schemeClr>
-              </a:buClr>
-              <a:buSzPct val="100000"/>
-              <a:buFont typeface="Wingdings" pitchFamily="2" charset="2"/>
-              <a:buChar char="§"/>
-            </a:pPr>
-            <a:r>
-              <a:rPr lang="en-GB" dirty="0"/>
-              <a:t>Improvement</a:t>
-            </a:r>
-          </a:p>
-          <a:p>
-            <a:pPr marL="731520" lvl="1" indent="-457200" fontAlgn="auto">
-              <a:spcBef>
-                <a:spcPts val="1200"/>
-              </a:spcBef>
-              <a:spcAft>
-                <a:spcPts val="0"/>
-              </a:spcAft>
-              <a:buClr>
-                <a:schemeClr val="tx1">
-                  <a:lumMod val="90000"/>
-                  <a:lumOff val="10000"/>
-                </a:schemeClr>
-              </a:buClr>
-              <a:buSzPct val="100000"/>
-              <a:buFont typeface="Wingdings" pitchFamily="2" charset="2"/>
-              <a:buChar char="§"/>
-            </a:pPr>
-            <a:r>
-              <a:rPr lang="en-GB" dirty="0"/>
-              <a:t>Observation: Any placement starting with {1, 2, …} cannot work since the first two queens already threaten each other.</a:t>
-            </a:r>
-          </a:p>
-          <a:p>
-            <a:pPr marL="731520" lvl="1" indent="-457200" fontAlgn="auto">
-              <a:spcBef>
-                <a:spcPts val="1200"/>
-              </a:spcBef>
-              <a:spcAft>
-                <a:spcPts val="0"/>
-              </a:spcAft>
-              <a:buClr>
-                <a:schemeClr val="tx1">
-                  <a:lumMod val="90000"/>
-                  <a:lumOff val="10000"/>
-                </a:schemeClr>
-              </a:buClr>
-              <a:buSzPct val="100000"/>
-              <a:buFont typeface="Wingdings" pitchFamily="2" charset="2"/>
-              <a:buChar char="§"/>
-            </a:pPr>
-            <a:r>
-              <a:rPr lang="en-GB" dirty="0"/>
-              <a:t>Permutate further only if the existing positions of the placement does not fail the check.</a:t>
-            </a:r>
-          </a:p>
-        </p:txBody>
-      </p:sp>
-    </p:spTree>
-    <p:extLst>
-      <p:ext uri="{BB962C8B-B14F-4D97-AF65-F5344CB8AC3E}">
-        <p14:creationId xmlns:p14="http://schemas.microsoft.com/office/powerpoint/2010/main" val="1550881545"/>
-      </p:ext>
-    </p:extLst>
-  </p:cSld>
-  <p:clrMapOvr>
-    <a:masterClrMapping/>
-  </p:clrMapOvr>
-  <p:transition>
-    <p:fade/>
-  </p:transition>
-</p:sld>
-</file>
-
 <file path=ppt/slides/slide7.xml><?xml version="1.0" encoding="utf-8"?>
 <p:sld xmlns:a="http://schemas.openxmlformats.org/drawingml/2006/main" xmlns:r="http://schemas.openxmlformats.org/officeDocument/2006/relationships" xmlns:p="http://schemas.openxmlformats.org/presentationml/2006/main">
   <p:cSld>
@@ -17599,7 +18043,7 @@
           <a:p>
             <a:pPr eaLnBrk="1" hangingPunct="1"/>
             <a:r>
-              <a:rPr lang="en-GB" sz="3600" dirty="0">
+              <a:rPr lang="en-GB" sz="3600">
                 <a:solidFill>
                   <a:srgbClr val="0000FF"/>
                 </a:solidFill>
@@ -17630,21 +18074,17 @@
               <a:defRPr/>
             </a:pPr>
             <a:r>
-              <a:rPr lang="en-US" sz="1200" dirty="0"/>
-              <a:t>Unit27</a:t>
-            </a:r>
-            <a:r>
-              <a:rPr sz="1200" dirty="0"/>
-              <a:t> - </a:t>
+              <a:rPr lang="en-US"/>
+              <a:t>Unit27 - </a:t>
             </a:r>
             <a:fld id="{F7EC234A-9094-4BB8-9EA4-75ECDA8A365B}" type="slidenum">
-              <a:rPr sz="1200" smtClean="0"/>
+              <a:rPr lang="en-US"/>
               <a:pPr>
                 <a:defRPr/>
               </a:pPr>
               <a:t>7</a:t>
             </a:fld>
-            <a:endParaRPr sz="1200" dirty="0"/>
+            <a:endParaRPr lang="en-US"/>
           </a:p>
         </p:txBody>
       </p:sp>
@@ -17672,7 +18112,486 @@
               <a:defRPr/>
             </a:pPr>
             <a:r>
+              <a:rPr lang="en-US"/>
+              <a:t>© NUS</a:t>
+            </a:r>
+          </a:p>
+        </p:txBody>
+      </p:sp>
+      <p:sp>
+        <p:nvSpPr>
+          <p:cNvPr id="13" name="Rectangle 3"/>
+          <p:cNvSpPr txBox="1">
+            <a:spLocks noChangeArrowheads="1"/>
+          </p:cNvSpPr>
+          <p:nvPr/>
+        </p:nvSpPr>
+        <p:spPr>
+          <a:xfrm>
+            <a:off x="471488" y="1182172"/>
+            <a:ext cx="7948612" cy="5372740"/>
+          </a:xfrm>
+          <a:prstGeom prst="rect">
+            <a:avLst/>
+          </a:prstGeom>
+        </p:spPr>
+        <p:txBody>
+          <a:bodyPr vert="horz" lIns="91440" tIns="45720" rIns="91440" bIns="45720" rtlCol="0">
+            <a:normAutofit/>
+          </a:bodyPr>
+          <a:lstStyle>
+            <a:lvl1pPr marL="182880" indent="-182880" algn="l" defTabSz="914400" rtl="0" eaLnBrk="1" latinLnBrk="0" hangingPunct="1">
+              <a:spcBef>
+                <a:spcPct val="20000"/>
+              </a:spcBef>
+              <a:buClr>
+                <a:schemeClr val="accent1"/>
+              </a:buClr>
+              <a:buSzPct val="85000"/>
+              <a:buFont typeface="Arial" pitchFamily="34" charset="0"/>
+              <a:buChar char="•"/>
+              <a:defRPr sz="2400" kern="1200">
+                <a:solidFill>
+                  <a:schemeClr val="tx1"/>
+                </a:solidFill>
+                <a:latin typeface="+mn-lt"/>
+                <a:ea typeface="+mn-ea"/>
+                <a:cs typeface="+mn-cs"/>
+              </a:defRPr>
+            </a:lvl1pPr>
+            <a:lvl2pPr marL="457200" indent="-182880" algn="l" defTabSz="914400" rtl="0" eaLnBrk="1" latinLnBrk="0" hangingPunct="1">
+              <a:spcBef>
+                <a:spcPct val="20000"/>
+              </a:spcBef>
+              <a:buClr>
+                <a:schemeClr val="accent1"/>
+              </a:buClr>
+              <a:buSzPct val="85000"/>
+              <a:buFont typeface="Arial" pitchFamily="34" charset="0"/>
+              <a:buChar char="•"/>
+              <a:defRPr sz="2000" kern="1200">
+                <a:solidFill>
+                  <a:schemeClr val="tx1"/>
+                </a:solidFill>
+                <a:latin typeface="+mn-lt"/>
+                <a:ea typeface="+mn-ea"/>
+                <a:cs typeface="+mn-cs"/>
+              </a:defRPr>
+            </a:lvl2pPr>
+            <a:lvl3pPr marL="731520" indent="-182880" algn="l" defTabSz="914400" rtl="0" eaLnBrk="1" latinLnBrk="0" hangingPunct="1">
+              <a:spcBef>
+                <a:spcPct val="20000"/>
+              </a:spcBef>
+              <a:buClr>
+                <a:schemeClr val="accent1"/>
+              </a:buClr>
+              <a:buSzPct val="90000"/>
+              <a:buFont typeface="Arial" pitchFamily="34" charset="0"/>
+              <a:buChar char="•"/>
+              <a:defRPr sz="1800" kern="1200">
+                <a:solidFill>
+                  <a:schemeClr val="tx1"/>
+                </a:solidFill>
+                <a:latin typeface="+mn-lt"/>
+                <a:ea typeface="+mn-ea"/>
+                <a:cs typeface="+mn-cs"/>
+              </a:defRPr>
+            </a:lvl3pPr>
+            <a:lvl4pPr marL="1005840" indent="-182880" algn="l" defTabSz="914400" rtl="0" eaLnBrk="1" latinLnBrk="0" hangingPunct="1">
+              <a:spcBef>
+                <a:spcPct val="20000"/>
+              </a:spcBef>
+              <a:buClr>
+                <a:schemeClr val="accent1"/>
+              </a:buClr>
+              <a:buFont typeface="Arial" pitchFamily="34" charset="0"/>
+              <a:buChar char="•"/>
+              <a:defRPr sz="1600" kern="1200">
+                <a:solidFill>
+                  <a:schemeClr val="tx1"/>
+                </a:solidFill>
+                <a:latin typeface="+mn-lt"/>
+                <a:ea typeface="+mn-ea"/>
+                <a:cs typeface="+mn-cs"/>
+              </a:defRPr>
+            </a:lvl4pPr>
+            <a:lvl5pPr marL="1188720" indent="-137160" algn="l" defTabSz="914400" rtl="0" eaLnBrk="1" latinLnBrk="0" hangingPunct="1">
+              <a:spcBef>
+                <a:spcPct val="20000"/>
+              </a:spcBef>
+              <a:buClr>
+                <a:schemeClr val="accent1"/>
+              </a:buClr>
+              <a:buSzPct val="100000"/>
+              <a:buFont typeface="Arial" pitchFamily="34" charset="0"/>
+              <a:buChar char="•"/>
+              <a:defRPr sz="1400" kern="1200" baseline="0">
+                <a:solidFill>
+                  <a:schemeClr val="tx1"/>
+                </a:solidFill>
+                <a:latin typeface="+mn-lt"/>
+                <a:ea typeface="+mn-ea"/>
+                <a:cs typeface="+mn-cs"/>
+              </a:defRPr>
+            </a:lvl5pPr>
+            <a:lvl6pPr marL="1371600" indent="-182880" algn="l" defTabSz="914400" rtl="0" eaLnBrk="1" latinLnBrk="0" hangingPunct="1">
+              <a:spcBef>
+                <a:spcPct val="20000"/>
+              </a:spcBef>
+              <a:buClr>
+                <a:schemeClr val="accent1"/>
+              </a:buClr>
+              <a:buFont typeface="Arial" pitchFamily="34" charset="0"/>
+              <a:buChar char="•"/>
+              <a:defRPr sz="1300" kern="1200">
+                <a:solidFill>
+                  <a:schemeClr val="tx1"/>
+                </a:solidFill>
+                <a:latin typeface="+mn-lt"/>
+                <a:ea typeface="+mn-ea"/>
+                <a:cs typeface="+mn-cs"/>
+              </a:defRPr>
+            </a:lvl6pPr>
+            <a:lvl7pPr marL="1554480" indent="-182880" algn="l" defTabSz="914400" rtl="0" eaLnBrk="1" latinLnBrk="0" hangingPunct="1">
+              <a:spcBef>
+                <a:spcPct val="20000"/>
+              </a:spcBef>
+              <a:buClr>
+                <a:schemeClr val="accent1"/>
+              </a:buClr>
+              <a:buFont typeface="Arial" pitchFamily="34" charset="0"/>
+              <a:buChar char="•"/>
+              <a:defRPr sz="1300" kern="1200">
+                <a:solidFill>
+                  <a:schemeClr val="tx1"/>
+                </a:solidFill>
+                <a:latin typeface="+mn-lt"/>
+                <a:ea typeface="+mn-ea"/>
+                <a:cs typeface="+mn-cs"/>
+              </a:defRPr>
+            </a:lvl7pPr>
+            <a:lvl8pPr marL="1737360" indent="-182880" algn="l" defTabSz="914400" rtl="0" eaLnBrk="1" latinLnBrk="0" hangingPunct="1">
+              <a:spcBef>
+                <a:spcPct val="20000"/>
+              </a:spcBef>
+              <a:buClr>
+                <a:schemeClr val="accent1"/>
+              </a:buClr>
+              <a:buFont typeface="Arial" pitchFamily="34" charset="0"/>
+              <a:buChar char="•"/>
+              <a:defRPr sz="1300" kern="1200">
+                <a:solidFill>
+                  <a:schemeClr val="tx1"/>
+                </a:solidFill>
+                <a:latin typeface="+mn-lt"/>
+                <a:ea typeface="+mn-ea"/>
+                <a:cs typeface="+mn-cs"/>
+              </a:defRPr>
+            </a:lvl8pPr>
+            <a:lvl9pPr marL="1920240" indent="-182880" algn="l" defTabSz="914400" rtl="0" eaLnBrk="1" latinLnBrk="0" hangingPunct="1">
+              <a:spcBef>
+                <a:spcPct val="20000"/>
+              </a:spcBef>
+              <a:buClr>
+                <a:schemeClr val="accent1"/>
+              </a:buClr>
+              <a:buFont typeface="Arial" pitchFamily="34" charset="0"/>
+              <a:buChar char="•"/>
+              <a:defRPr sz="1300" kern="1200">
+                <a:solidFill>
+                  <a:schemeClr val="tx1"/>
+                </a:solidFill>
+                <a:latin typeface="+mn-lt"/>
+                <a:ea typeface="+mn-ea"/>
+                <a:cs typeface="+mn-cs"/>
+              </a:defRPr>
+            </a:lvl9pPr>
+          </a:lstStyle>
+          <a:p>
+            <a:pPr marL="457200" indent="-457200" fontAlgn="auto">
+              <a:spcBef>
+                <a:spcPts val="1200"/>
+              </a:spcBef>
+              <a:spcAft>
+                <a:spcPts val="0"/>
+              </a:spcAft>
+              <a:buClr>
+                <a:schemeClr val="tx1">
+                  <a:lumMod val="90000"/>
+                  <a:lumOff val="10000"/>
+                </a:schemeClr>
+              </a:buClr>
+              <a:buSzPct val="100000"/>
+              <a:buFont typeface="Wingdings" pitchFamily="2" charset="2"/>
+              <a:buChar char="§"/>
+            </a:pPr>
+            <a:r>
+              <a:rPr lang="en-GB" dirty="0"/>
+              <a:t>Problem: </a:t>
+            </a:r>
+            <a:r>
               <a:rPr lang="en-US" dirty="0"/>
+              <a:t>Given a </a:t>
+            </a:r>
+            <a:r>
+              <a:rPr lang="en-US" dirty="0">
+                <a:solidFill>
+                  <a:srgbClr val="0000FF"/>
+                </a:solidFill>
+              </a:rPr>
+              <a:t>n</a:t>
+            </a:r>
+            <a:r>
+              <a:rPr lang="en-US" dirty="0"/>
+              <a:t> x </a:t>
+            </a:r>
+            <a:r>
+              <a:rPr lang="en-US" dirty="0">
+                <a:solidFill>
+                  <a:srgbClr val="0000FF"/>
+                </a:solidFill>
+              </a:rPr>
+              <a:t>n</a:t>
+            </a:r>
+            <a:r>
+              <a:rPr lang="en-US" dirty="0"/>
+              <a:t> chessboard, find a possible placement of </a:t>
+            </a:r>
+            <a:r>
+              <a:rPr lang="en-US" dirty="0">
+                <a:solidFill>
+                  <a:srgbClr val="0000FF"/>
+                </a:solidFill>
+              </a:rPr>
+              <a:t>n</a:t>
+            </a:r>
+            <a:r>
+              <a:rPr lang="en-US" dirty="0"/>
+              <a:t> queens on the chessboard, such that the queens do not threaten each other</a:t>
+            </a:r>
+          </a:p>
+          <a:p>
+            <a:pPr marL="457200" indent="-457200" fontAlgn="auto">
+              <a:spcBef>
+                <a:spcPts val="1200"/>
+              </a:spcBef>
+              <a:spcAft>
+                <a:spcPts val="0"/>
+              </a:spcAft>
+              <a:buClr>
+                <a:schemeClr val="tx1">
+                  <a:lumMod val="90000"/>
+                  <a:lumOff val="10000"/>
+                </a:schemeClr>
+              </a:buClr>
+              <a:buSzPct val="100000"/>
+              <a:buFont typeface="Wingdings" pitchFamily="2" charset="2"/>
+              <a:buChar char="§"/>
+            </a:pPr>
+            <a:endParaRPr lang="en-GB" dirty="0"/>
+          </a:p>
+          <a:p>
+            <a:pPr marL="457200" indent="-457200" fontAlgn="auto">
+              <a:spcBef>
+                <a:spcPts val="1200"/>
+              </a:spcBef>
+              <a:spcAft>
+                <a:spcPts val="0"/>
+              </a:spcAft>
+              <a:buClr>
+                <a:schemeClr val="tx1">
+                  <a:lumMod val="90000"/>
+                  <a:lumOff val="10000"/>
+                </a:schemeClr>
+              </a:buClr>
+              <a:buSzPct val="100000"/>
+              <a:buFont typeface="Wingdings" pitchFamily="2" charset="2"/>
+              <a:buChar char="§"/>
+            </a:pPr>
+            <a:r>
+              <a:rPr lang="en-GB" dirty="0"/>
+              <a:t>Improvement</a:t>
+            </a:r>
+          </a:p>
+          <a:p>
+            <a:pPr marL="731520" lvl="1" indent="-457200" fontAlgn="auto">
+              <a:spcBef>
+                <a:spcPts val="1200"/>
+              </a:spcBef>
+              <a:spcAft>
+                <a:spcPts val="0"/>
+              </a:spcAft>
+              <a:buClr>
+                <a:schemeClr val="tx1">
+                  <a:lumMod val="90000"/>
+                  <a:lumOff val="10000"/>
+                </a:schemeClr>
+              </a:buClr>
+              <a:buSzPct val="100000"/>
+              <a:buFont typeface="Wingdings" pitchFamily="2" charset="2"/>
+              <a:buChar char="§"/>
+            </a:pPr>
+            <a:r>
+              <a:rPr lang="en-GB" dirty="0"/>
+              <a:t>Observation: Any placement starting with {'a', 'b', …} cannot work since the first two queens already threaten each other.</a:t>
+            </a:r>
+          </a:p>
+          <a:p>
+            <a:pPr marL="731520" lvl="1" indent="-457200" fontAlgn="auto">
+              <a:spcBef>
+                <a:spcPts val="1200"/>
+              </a:spcBef>
+              <a:spcAft>
+                <a:spcPts val="0"/>
+              </a:spcAft>
+              <a:buClr>
+                <a:schemeClr val="tx1">
+                  <a:lumMod val="90000"/>
+                  <a:lumOff val="10000"/>
+                </a:schemeClr>
+              </a:buClr>
+              <a:buSzPct val="100000"/>
+              <a:buFont typeface="Wingdings" pitchFamily="2" charset="2"/>
+              <a:buChar char="§"/>
+            </a:pPr>
+            <a:r>
+              <a:rPr lang="en-GB" dirty="0"/>
+              <a:t>Permutate further only if the existing positions of the placement does not fail the check.</a:t>
+            </a:r>
+          </a:p>
+        </p:txBody>
+      </p:sp>
+    </p:spTree>
+    <p:extLst>
+      <p:ext uri="{BB962C8B-B14F-4D97-AF65-F5344CB8AC3E}">
+        <p14:creationId xmlns:p14="http://schemas.microsoft.com/office/powerpoint/2010/main" val="1550881545"/>
+      </p:ext>
+    </p:extLst>
+  </p:cSld>
+  <p:clrMapOvr>
+    <a:masterClrMapping/>
+  </p:clrMapOvr>
+  <p:transition>
+    <p:fade/>
+  </p:transition>
+</p:sld>
+</file>
+
+<file path=ppt/slides/slide8.xml><?xml version="1.0" encoding="utf-8"?>
+<p:sld xmlns:a="http://schemas.openxmlformats.org/drawingml/2006/main" xmlns:r="http://schemas.openxmlformats.org/officeDocument/2006/relationships" xmlns:p="http://schemas.openxmlformats.org/presentationml/2006/main">
+  <p:cSld>
+    <p:spTree>
+      <p:nvGrpSpPr>
+        <p:cNvPr id="1" name=""/>
+        <p:cNvGrpSpPr/>
+        <p:nvPr/>
+      </p:nvGrpSpPr>
+      <p:grpSpPr>
+        <a:xfrm>
+          <a:off x="0" y="0"/>
+          <a:ext cx="0" cy="0"/>
+          <a:chOff x="0" y="0"/>
+          <a:chExt cx="0" cy="0"/>
+        </a:xfrm>
+      </p:grpSpPr>
+      <p:sp>
+        <p:nvSpPr>
+          <p:cNvPr id="14338" name="Rectangle 2"/>
+          <p:cNvSpPr>
+            <a:spLocks noGrp="1" noChangeArrowheads="1"/>
+          </p:cNvSpPr>
+          <p:nvPr>
+            <p:ph type="title"/>
+          </p:nvPr>
+        </p:nvSpPr>
+        <p:spPr>
+          <a:xfrm>
+            <a:off x="533400" y="381000"/>
+            <a:ext cx="8382000" cy="838200"/>
+          </a:xfrm>
+        </p:spPr>
+        <p:txBody>
+          <a:bodyPr>
+            <a:normAutofit/>
+          </a:bodyPr>
+          <a:lstStyle/>
+          <a:p>
+            <a:pPr eaLnBrk="1" hangingPunct="1"/>
+            <a:r>
+              <a:rPr lang="en-GB" sz="3600">
+                <a:solidFill>
+                  <a:srgbClr val="0000FF"/>
+                </a:solidFill>
+              </a:rPr>
+              <a:t>N Queens</a:t>
+            </a:r>
+          </a:p>
+        </p:txBody>
+      </p:sp>
+      <p:sp>
+        <p:nvSpPr>
+          <p:cNvPr id="7" name="Slide Number Placeholder 6"/>
+          <p:cNvSpPr>
+            <a:spLocks noGrp="1"/>
+          </p:cNvSpPr>
+          <p:nvPr>
+            <p:ph type="sldNum" sz="quarter" idx="12"/>
+          </p:nvPr>
+        </p:nvSpPr>
+        <p:spPr/>
+        <p:txBody>
+          <a:bodyPr>
+            <a:normAutofit/>
+          </a:bodyPr>
+          <a:lstStyle/>
+          <a:p>
+            <a:pPr>
+              <a:defRPr/>
+            </a:pPr>
+            <a:r>
+              <a:rPr lang="en-US" sz="1200"/>
+              <a:t>Unit27</a:t>
+            </a:r>
+            <a:r>
+              <a:rPr sz="1200"/>
+              <a:t> - </a:t>
+            </a:r>
+            <a:fld id="{F7EC234A-9094-4BB8-9EA4-75ECDA8A365B}" type="slidenum">
+              <a:rPr sz="1200" smtClean="0"/>
+              <a:pPr>
+                <a:defRPr/>
+              </a:pPr>
+              <a:t>8</a:t>
+            </a:fld>
+            <a:endParaRPr sz="1200"/>
+          </a:p>
+        </p:txBody>
+      </p:sp>
+      <p:sp>
+        <p:nvSpPr>
+          <p:cNvPr id="12" name="[Date Placeholder 3]"/>
+          <p:cNvSpPr>
+            <a:spLocks noGrp="1"/>
+          </p:cNvSpPr>
+          <p:nvPr>
+            <p:ph type="dt" sz="half" idx="10"/>
+          </p:nvPr>
+        </p:nvSpPr>
+        <p:spPr>
+          <a:xfrm>
+            <a:off x="457200" y="18288"/>
+            <a:ext cx="2895600" cy="329184"/>
+          </a:xfrm>
+        </p:spPr>
+        <p:txBody>
+          <a:bodyPr/>
+          <a:lstStyle/>
+          <a:p>
+            <a:pPr>
+              <a:defRPr/>
+            </a:pPr>
+            <a:r>
+              <a:rPr lang="en-US"/>
               <a:t>© NUS</a:t>
             </a:r>
           </a:p>
@@ -17892,7 +18811,7 @@
               <a:buChar char="§"/>
             </a:pPr>
             <a:r>
-              <a:rPr lang="en-US" dirty="0"/>
+              <a:rPr lang="en-US"/>
               <a:t>Implementation:</a:t>
             </a:r>
           </a:p>
@@ -17914,7 +18833,7 @@
               <a:buFont typeface="Wingdings" pitchFamily="2" charset="2"/>
               <a:buChar char="§"/>
             </a:pPr>
-            <a:endParaRPr lang="en-US" dirty="0"/>
+            <a:endParaRPr lang="en-US"/>
           </a:p>
         </p:txBody>
       </p:sp>
@@ -17963,7 +18882,7 @@
               <a:defRPr/>
             </a:pPr>
             <a:r>
-              <a:rPr lang="en-US" b="1" dirty="0">
+              <a:rPr lang="en-US" b="1">
                 <a:solidFill>
                   <a:srgbClr val="0000FF"/>
                 </a:solidFill>
@@ -17973,7 +18892,7 @@
               <a:t>void </a:t>
             </a:r>
             <a:r>
-              <a:rPr lang="en-US" b="1" dirty="0" err="1">
+              <a:rPr lang="en-US" b="1" err="1">
                 <a:solidFill>
                   <a:schemeClr val="tx1"/>
                 </a:solidFill>
@@ -17983,7 +18902,7 @@
               <a:t>nqueens</a:t>
             </a:r>
             <a:r>
-              <a:rPr lang="en-US" b="1" dirty="0">
+              <a:rPr lang="en-US" b="1">
                 <a:solidFill>
                   <a:schemeClr val="tx1"/>
                 </a:solidFill>
@@ -17993,7 +18912,7 @@
               <a:t>(</a:t>
             </a:r>
             <a:r>
-              <a:rPr lang="en-US" b="1" dirty="0">
+              <a:rPr lang="en-US" b="1">
                 <a:solidFill>
                   <a:srgbClr val="0000FF"/>
                 </a:solidFill>
@@ -18003,7 +18922,7 @@
               <a:t>char</a:t>
             </a:r>
             <a:r>
-              <a:rPr lang="en-US" b="1" dirty="0">
+              <a:rPr lang="en-US" b="1">
                 <a:solidFill>
                   <a:schemeClr val="tx1"/>
                 </a:solidFill>
@@ -18013,7 +18932,7 @@
               <a:t> queens[], </a:t>
             </a:r>
             <a:r>
-              <a:rPr lang="en-US" b="1" dirty="0">
+              <a:rPr lang="en-US" b="1">
                 <a:solidFill>
                   <a:srgbClr val="0000FF"/>
                 </a:solidFill>
@@ -18023,7 +18942,7 @@
               <a:t>long</a:t>
             </a:r>
             <a:r>
-              <a:rPr lang="en-US" b="1" dirty="0">
+              <a:rPr lang="en-US" b="1">
                 <a:solidFill>
                   <a:schemeClr val="tx1"/>
                 </a:solidFill>
@@ -18033,7 +18952,7 @@
               <a:t> n, </a:t>
             </a:r>
             <a:r>
-              <a:rPr lang="en-US" b="1" dirty="0">
+              <a:rPr lang="en-US" b="1">
                 <a:solidFill>
                   <a:srgbClr val="0000FF"/>
                 </a:solidFill>
@@ -18043,7 +18962,7 @@
               <a:t>long</a:t>
             </a:r>
             <a:r>
-              <a:rPr lang="en-US" b="1" dirty="0">
+              <a:rPr lang="en-US" b="1">
                 <a:solidFill>
                   <a:schemeClr val="tx1"/>
                 </a:solidFill>
@@ -18058,7 +18977,7 @@
               <a:defRPr/>
             </a:pPr>
             <a:r>
-              <a:rPr lang="en-US" b="1" dirty="0">
+              <a:rPr lang="en-US" b="1">
                 <a:solidFill>
                   <a:schemeClr val="tx1"/>
                 </a:solidFill>
@@ -18072,7 +18991,7 @@
             <a:pPr>
               <a:defRPr/>
             </a:pPr>
-            <a:endParaRPr lang="en-US" b="1" dirty="0">
+            <a:endParaRPr lang="en-US" b="1">
               <a:solidFill>
                 <a:schemeClr val="tx1"/>
               </a:solidFill>
@@ -18085,7 +19004,7 @@
               <a:defRPr/>
             </a:pPr>
             <a:r>
-              <a:rPr lang="en-US" b="1" dirty="0">
+              <a:rPr lang="en-US" b="1">
                 <a:solidFill>
                   <a:schemeClr val="tx1"/>
                 </a:solidFill>
@@ -18095,7 +19014,7 @@
               <a:t>  </a:t>
             </a:r>
             <a:r>
-              <a:rPr lang="en-US" b="1" dirty="0">
+              <a:rPr lang="en-US" b="1">
                 <a:solidFill>
                   <a:srgbClr val="0000FF"/>
                 </a:solidFill>
@@ -18105,7 +19024,7 @@
               <a:t>if</a:t>
             </a:r>
             <a:r>
-              <a:rPr lang="en-US" b="1" dirty="0">
+              <a:rPr lang="en-US" b="1">
                 <a:solidFill>
                   <a:schemeClr val="tx1"/>
                 </a:solidFill>
@@ -18115,7 +19034,7 @@
               <a:t> (!</a:t>
             </a:r>
             <a:r>
-              <a:rPr lang="en-US" b="1" dirty="0" err="1">
+              <a:rPr lang="en-US" b="1" err="1">
                 <a:solidFill>
                   <a:schemeClr val="tx1"/>
                 </a:solidFill>
@@ -18125,7 +19044,7 @@
               <a:t>threaten_each_other_diagonally</a:t>
             </a:r>
             <a:r>
-              <a:rPr lang="en-US" b="1" dirty="0">
+              <a:rPr lang="en-US" b="1">
                 <a:solidFill>
                   <a:schemeClr val="tx1"/>
                 </a:solidFill>
@@ -18140,7 +19059,7 @@
               <a:defRPr/>
             </a:pPr>
             <a:r>
-              <a:rPr lang="en-US" b="1" dirty="0">
+              <a:rPr lang="en-US" b="1">
                 <a:solidFill>
                   <a:schemeClr val="tx1"/>
                 </a:solidFill>
@@ -18150,7 +19069,7 @@
               <a:t>    </a:t>
             </a:r>
             <a:r>
-              <a:rPr lang="en-US" b="1" dirty="0" err="1">
+              <a:rPr lang="en-US" b="1" err="1">
                 <a:solidFill>
                   <a:schemeClr val="tx1"/>
                 </a:solidFill>
@@ -18160,7 +19079,7 @@
               <a:t>nqueens</a:t>
             </a:r>
             <a:r>
-              <a:rPr lang="en-US" b="1" dirty="0">
+              <a:rPr lang="en-US" b="1">
                 <a:solidFill>
                   <a:schemeClr val="tx1"/>
                 </a:solidFill>
@@ -18170,7 +19089,7 @@
               <a:t>(queens, n, row + </a:t>
             </a:r>
             <a:r>
-              <a:rPr lang="en-US" b="1" dirty="0">
+              <a:rPr lang="en-US" b="1">
                 <a:solidFill>
                   <a:srgbClr val="C00000"/>
                 </a:solidFill>
@@ -18180,7 +19099,7 @@
               <a:t>1</a:t>
             </a:r>
             <a:r>
-              <a:rPr lang="en-US" b="1" dirty="0">
+              <a:rPr lang="en-US" b="1">
                 <a:solidFill>
                   <a:schemeClr val="tx1"/>
                 </a:solidFill>
@@ -18195,7 +19114,7 @@
               <a:defRPr/>
             </a:pPr>
             <a:r>
-              <a:rPr lang="en-US" b="1" dirty="0">
+              <a:rPr lang="en-US" b="1">
                 <a:solidFill>
                   <a:schemeClr val="tx1"/>
                 </a:solidFill>
@@ -18210,7 +19129,7 @@
               <a:defRPr/>
             </a:pPr>
             <a:r>
-              <a:rPr lang="en-US" b="1" dirty="0">
+              <a:rPr lang="en-US" b="1">
                 <a:solidFill>
                   <a:schemeClr val="tx1"/>
                 </a:solidFill>
@@ -18220,7 +19139,7 @@
               <a:t>  </a:t>
             </a:r>
             <a:r>
-              <a:rPr lang="en-US" b="1" dirty="0">
+              <a:rPr lang="en-US" b="1">
                 <a:solidFill>
                   <a:srgbClr val="0000FF"/>
                 </a:solidFill>
@@ -18230,7 +19149,7 @@
               <a:t>for </a:t>
             </a:r>
             <a:r>
-              <a:rPr lang="en-US" b="1" dirty="0">
+              <a:rPr lang="en-US" b="1">
                 <a:solidFill>
                   <a:schemeClr val="tx1"/>
                 </a:solidFill>
@@ -18240,7 +19159,7 @@
               <a:t>(</a:t>
             </a:r>
             <a:r>
-              <a:rPr lang="en-US" b="1" dirty="0">
+              <a:rPr lang="en-US" b="1">
                 <a:solidFill>
                   <a:srgbClr val="0000FF"/>
                 </a:solidFill>
@@ -18250,7 +19169,7 @@
               <a:t>long</a:t>
             </a:r>
             <a:r>
-              <a:rPr lang="en-US" b="1" dirty="0">
+              <a:rPr lang="en-US" b="1">
                 <a:solidFill>
                   <a:schemeClr val="tx1"/>
                 </a:solidFill>
@@ -18260,7 +19179,7 @@
               <a:t> </a:t>
             </a:r>
             <a:r>
-              <a:rPr lang="en-US" b="1" dirty="0" err="1">
+              <a:rPr lang="en-US" b="1" err="1">
                 <a:solidFill>
                   <a:schemeClr val="tx1"/>
                 </a:solidFill>
@@ -18270,7 +19189,7 @@
               <a:t>i</a:t>
             </a:r>
             <a:r>
-              <a:rPr lang="en-US" b="1" dirty="0">
+              <a:rPr lang="en-US" b="1">
                 <a:solidFill>
                   <a:schemeClr val="tx1"/>
                 </a:solidFill>
@@ -18280,7 +19199,7 @@
               <a:t> = row + </a:t>
             </a:r>
             <a:r>
-              <a:rPr lang="en-US" b="1" dirty="0">
+              <a:rPr lang="en-US" b="1">
                 <a:solidFill>
                   <a:srgbClr val="C00000"/>
                 </a:solidFill>
@@ -18290,7 +19209,7 @@
               <a:t>1</a:t>
             </a:r>
             <a:r>
-              <a:rPr lang="en-US" b="1" dirty="0">
+              <a:rPr lang="en-US" b="1">
                 <a:solidFill>
                   <a:schemeClr val="tx1"/>
                 </a:solidFill>
@@ -18300,7 +19219,7 @@
               <a:t>; </a:t>
             </a:r>
             <a:r>
-              <a:rPr lang="en-US" b="1" dirty="0" err="1">
+              <a:rPr lang="en-US" b="1" err="1">
                 <a:solidFill>
                   <a:schemeClr val="tx1"/>
                 </a:solidFill>
@@ -18310,7 +19229,7 @@
               <a:t>i</a:t>
             </a:r>
             <a:r>
-              <a:rPr lang="en-US" b="1" dirty="0">
+              <a:rPr lang="en-US" b="1">
                 <a:solidFill>
                   <a:schemeClr val="tx1"/>
                 </a:solidFill>
@@ -18320,7 +19239,7 @@
               <a:t> &lt; n; </a:t>
             </a:r>
             <a:r>
-              <a:rPr lang="en-US" b="1" dirty="0" err="1">
+              <a:rPr lang="en-US" b="1" err="1">
                 <a:solidFill>
                   <a:schemeClr val="tx1"/>
                 </a:solidFill>
@@ -18330,7 +19249,7 @@
               <a:t>i</a:t>
             </a:r>
             <a:r>
-              <a:rPr lang="en-US" b="1" dirty="0">
+              <a:rPr lang="en-US" b="1">
                 <a:solidFill>
                   <a:schemeClr val="tx1"/>
                 </a:solidFill>
@@ -18345,7 +19264,7 @@
               <a:defRPr/>
             </a:pPr>
             <a:r>
-              <a:rPr lang="en-US" b="1" dirty="0">
+              <a:rPr lang="en-US" b="1">
                 <a:solidFill>
                   <a:schemeClr val="tx1"/>
                 </a:solidFill>
@@ -18355,7 +19274,7 @@
               <a:t>    swap(queens, row, </a:t>
             </a:r>
             <a:r>
-              <a:rPr lang="en-US" b="1" dirty="0" err="1">
+              <a:rPr lang="en-US" b="1" err="1">
                 <a:solidFill>
                   <a:schemeClr val="tx1"/>
                 </a:solidFill>
@@ -18365,7 +19284,7 @@
               <a:t>i</a:t>
             </a:r>
             <a:r>
-              <a:rPr lang="en-US" b="1" dirty="0">
+              <a:rPr lang="en-US" b="1">
                 <a:solidFill>
                   <a:schemeClr val="tx1"/>
                 </a:solidFill>
@@ -18380,7 +19299,7 @@
               <a:defRPr/>
             </a:pPr>
             <a:r>
-              <a:rPr lang="en-US" b="1" dirty="0">
+              <a:rPr lang="en-US" b="1">
                 <a:solidFill>
                   <a:schemeClr val="tx1"/>
                 </a:solidFill>
@@ -18390,7 +19309,7 @@
               <a:t>    </a:t>
             </a:r>
             <a:r>
-              <a:rPr lang="en-US" b="1" dirty="0">
+              <a:rPr lang="en-US" b="1">
                 <a:solidFill>
                   <a:srgbClr val="0000FF"/>
                 </a:solidFill>
@@ -18400,7 +19319,7 @@
               <a:t>if</a:t>
             </a:r>
             <a:r>
-              <a:rPr lang="en-US" b="1" dirty="0">
+              <a:rPr lang="en-US" b="1">
                 <a:solidFill>
                   <a:schemeClr val="tx1"/>
                 </a:solidFill>
@@ -18410,7 +19329,7 @@
               <a:t> (!</a:t>
             </a:r>
             <a:r>
-              <a:rPr lang="en-US" b="1" dirty="0" err="1">
+              <a:rPr lang="en-US" b="1" err="1">
                 <a:solidFill>
                   <a:schemeClr val="tx1"/>
                 </a:solidFill>
@@ -18420,7 +19339,7 @@
               <a:t>threaten_each_other_diagonally</a:t>
             </a:r>
             <a:r>
-              <a:rPr lang="en-US" b="1" dirty="0">
+              <a:rPr lang="en-US" b="1">
                 <a:solidFill>
                   <a:schemeClr val="tx1"/>
                 </a:solidFill>
@@ -18435,7 +19354,7 @@
               <a:defRPr/>
             </a:pPr>
             <a:r>
-              <a:rPr lang="en-US" b="1" dirty="0">
+              <a:rPr lang="en-US" b="1">
                 <a:solidFill>
                   <a:schemeClr val="tx1"/>
                 </a:solidFill>
@@ -18445,7 +19364,7 @@
               <a:t>      </a:t>
             </a:r>
             <a:r>
-              <a:rPr lang="en-US" b="1" dirty="0" err="1">
+              <a:rPr lang="en-US" b="1" err="1">
                 <a:solidFill>
                   <a:schemeClr val="tx1"/>
                 </a:solidFill>
@@ -18455,7 +19374,7 @@
               <a:t>nqueens</a:t>
             </a:r>
             <a:r>
-              <a:rPr lang="en-US" b="1" dirty="0">
+              <a:rPr lang="en-US" b="1">
                 <a:solidFill>
                   <a:schemeClr val="tx1"/>
                 </a:solidFill>
@@ -18465,7 +19384,7 @@
               <a:t>(queens, n, row + </a:t>
             </a:r>
             <a:r>
-              <a:rPr lang="en-US" b="1" dirty="0">
+              <a:rPr lang="en-US" b="1">
                 <a:solidFill>
                   <a:srgbClr val="C00000"/>
                 </a:solidFill>
@@ -18475,7 +19394,7 @@
               <a:t>1</a:t>
             </a:r>
             <a:r>
-              <a:rPr lang="en-US" b="1" dirty="0">
+              <a:rPr lang="en-US" b="1">
                 <a:solidFill>
                   <a:schemeClr val="tx1"/>
                 </a:solidFill>
@@ -18490,7 +19409,7 @@
               <a:defRPr/>
             </a:pPr>
             <a:r>
-              <a:rPr lang="en-US" b="1" dirty="0">
+              <a:rPr lang="en-US" b="1">
                 <a:solidFill>
                   <a:schemeClr val="tx1"/>
                 </a:solidFill>
@@ -18505,7 +19424,7 @@
               <a:defRPr/>
             </a:pPr>
             <a:r>
-              <a:rPr lang="en-US" b="1" dirty="0">
+              <a:rPr lang="en-US" b="1">
                 <a:solidFill>
                   <a:schemeClr val="tx1"/>
                 </a:solidFill>
@@ -18515,7 +19434,7 @@
               <a:t>    swap(queens, row, </a:t>
             </a:r>
             <a:r>
-              <a:rPr lang="en-US" b="1" dirty="0" err="1">
+              <a:rPr lang="en-US" b="1" err="1">
                 <a:solidFill>
                   <a:schemeClr val="tx1"/>
                 </a:solidFill>
@@ -18525,7 +19444,7 @@
               <a:t>i</a:t>
             </a:r>
             <a:r>
-              <a:rPr lang="en-US" b="1" dirty="0">
+              <a:rPr lang="en-US" b="1">
                 <a:solidFill>
                   <a:schemeClr val="tx1"/>
                 </a:solidFill>
@@ -18540,7 +19459,7 @@
               <a:defRPr/>
             </a:pPr>
             <a:r>
-              <a:rPr lang="en-US" b="1" dirty="0">
+              <a:rPr lang="en-US" b="1">
                 <a:solidFill>
                   <a:schemeClr val="tx1"/>
                 </a:solidFill>
@@ -18555,7 +19474,7 @@
               <a:defRPr/>
             </a:pPr>
             <a:r>
-              <a:rPr lang="en-US" b="1" dirty="0">
+              <a:rPr lang="en-US" b="1">
                 <a:solidFill>
                   <a:schemeClr val="tx1"/>
                 </a:solidFill>
@@ -18615,7 +19534,7 @@
           <a:lstStyle/>
           <a:p>
             <a:pPr algn="ctr"/>
-            <a:endParaRPr lang="en-US" dirty="0"/>
+            <a:endParaRPr lang="en-US"/>
           </a:p>
         </p:txBody>
       </p:sp>
@@ -18667,7 +19586,7 @@
           <a:lstStyle/>
           <a:p>
             <a:pPr algn="ctr"/>
-            <a:endParaRPr lang="en-US" dirty="0"/>
+            <a:endParaRPr lang="en-US"/>
           </a:p>
         </p:txBody>
       </p:sp>
@@ -18776,7 +19695,7 @@
 </p:sld>
 </file>
 
-<file path=ppt/slides/slide8.xml><?xml version="1.0" encoding="utf-8"?>
+<file path=ppt/slides/slide9.xml><?xml version="1.0" encoding="utf-8"?>
 <p:sld xmlns:a="http://schemas.openxmlformats.org/drawingml/2006/main" xmlns:r="http://schemas.openxmlformats.org/officeDocument/2006/relationships" xmlns:p="http://schemas.openxmlformats.org/presentationml/2006/main">
   <p:cSld>
     <p:spTree>
@@ -18817,14 +19736,14 @@
           <a:p>
             <a:pPr eaLnBrk="1" hangingPunct="1"/>
             <a:r>
-              <a:rPr lang="en-GB" sz="4000" dirty="0">
+              <a:rPr lang="en-GB" sz="4000">
                 <a:solidFill>
                   <a:srgbClr val="0000FF"/>
                 </a:solidFill>
               </a:rPr>
               <a:t>Homework</a:t>
             </a:r>
-            <a:endParaRPr lang="en-GB" dirty="0">
+            <a:endParaRPr lang="en-GB">
               <a:solidFill>
                 <a:srgbClr val="0000FF"/>
               </a:solidFill>
@@ -18853,11 +19772,10 @@
               <a:defRPr/>
             </a:pPr>
             <a:r>
-              <a:rPr lang="en-US" sz="1200" dirty="0"/>
+              <a:rPr lang="en-US" sz="1200"/>
               <a:t>Unit27</a:t>
             </a:r>
             <a:r>
-              <a:rPr dirty="0"/>
               <a:t> - </a:t>
             </a:r>
             <a:fld id="{628B8346-B709-406B-887E-3E0CC6DA1327}" type="slidenum">
@@ -18865,9 +19783,9 @@
               <a:pPr>
                 <a:defRPr/>
               </a:pPr>
-              <a:t>8</a:t>
+              <a:t>9</a:t>
             </a:fld>
-            <a:endParaRPr dirty="0"/>
+            <a:endParaRPr/>
           </a:p>
         </p:txBody>
       </p:sp>
@@ -18913,7 +19831,7 @@
               <a:buFont typeface="Wingdings" pitchFamily="2" charset="2"/>
               <a:buChar char="n"/>
             </a:pPr>
-            <a:endParaRPr lang="en-US" sz="2400" dirty="0"/>
+            <a:endParaRPr lang="en-US" sz="2400"/>
           </a:p>
         </p:txBody>
       </p:sp>
@@ -18941,7 +19859,7 @@
               <a:defRPr/>
             </a:pPr>
             <a:r>
-              <a:rPr lang="en-US" dirty="0"/>
+              <a:rPr lang="en-US"/>
               <a:t>© NUS</a:t>
             </a:r>
           </a:p>
@@ -18990,7 +19908,7 @@
               <a:buChar char="n"/>
             </a:pPr>
             <a:r>
-              <a:rPr lang="en-US" sz="2400" dirty="0"/>
+              <a:rPr lang="en-US" sz="2400"/>
               <a:t>Post-Lecture Diagnostic Quiz and Assignment 7</a:t>
             </a:r>
           </a:p>
@@ -19010,18 +19928,18 @@
               <a:buChar char="n"/>
             </a:pPr>
             <a:r>
-              <a:rPr lang="en-US" sz="2400" dirty="0"/>
+              <a:rPr lang="en-US" sz="2400"/>
               <a:t>Due on </a:t>
             </a:r>
             <a:r>
-              <a:rPr lang="en-US" sz="2400" dirty="0">
+              <a:rPr lang="en-US" sz="2400">
                 <a:solidFill>
                   <a:srgbClr val="0000FF"/>
                 </a:solidFill>
               </a:rPr>
               <a:t>Monday of Week 12, 4pm (extended due to public holiday)</a:t>
             </a:r>
-            <a:endParaRPr lang="en-US" sz="2400" dirty="0"/>
+            <a:endParaRPr lang="en-US" sz="2400"/>
           </a:p>
           <a:p>
             <a:pPr marL="800100" lvl="1" indent="-342900">
@@ -19038,7 +19956,7 @@
               <a:buFont typeface="Wingdings" pitchFamily="2" charset="2"/>
               <a:buChar char="n"/>
             </a:pPr>
-            <a:endParaRPr lang="en-US" sz="2400" dirty="0"/>
+            <a:endParaRPr lang="en-US" sz="2400"/>
           </a:p>
           <a:p>
             <a:pPr marL="342900" indent="-342900">
@@ -19056,7 +19974,7 @@
               <a:buChar char="n"/>
             </a:pPr>
             <a:r>
-              <a:rPr lang="en-US" sz="2400" dirty="0"/>
+              <a:rPr lang="en-US" sz="2400"/>
               <a:t>Problem Set 25-27</a:t>
             </a:r>
           </a:p>
@@ -19076,7 +19994,7 @@
               <a:buChar char="n"/>
             </a:pPr>
             <a:r>
-              <a:rPr lang="en-US" sz="2400" dirty="0"/>
+              <a:rPr lang="en-US" sz="2400"/>
               <a:t>To be discussed in Week 12 during tutorials.</a:t>
             </a:r>
           </a:p>
@@ -19095,7 +20013,7 @@
               <a:buFont typeface="Wingdings" pitchFamily="2" charset="2"/>
               <a:buChar char="n"/>
             </a:pPr>
-            <a:endParaRPr lang="en-US" sz="2400" dirty="0"/>
+            <a:endParaRPr lang="en-US" sz="2400"/>
           </a:p>
           <a:p>
             <a:pPr marL="342900" indent="-342900">
@@ -19134,11 +20052,7 @@
             </a:pPr>
             <a:r>
               <a:rPr lang="en-US" sz="2400"/>
-              <a:t>Check </a:t>
-            </a:r>
-            <a:r>
-              <a:rPr lang="en-US" sz="2400" dirty="0"/>
-              <a:t>out the general information / past year questions and start your preparation!</a:t>
+              <a:t>Check out the general information / past year questions and start your preparation!</a:t>
             </a:r>
           </a:p>
           <a:p>
@@ -19154,7 +20068,7 @@
               </a:buClr>
               <a:buSzPct val="75000"/>
             </a:pPr>
-            <a:endParaRPr lang="en-US" sz="2400" dirty="0"/>
+            <a:endParaRPr lang="en-US" sz="2400"/>
           </a:p>
           <a:p>
             <a:pPr marL="342900" indent="-342900">
@@ -19171,7 +20085,7 @@
               <a:buFont typeface="Wingdings" pitchFamily="2" charset="2"/>
               <a:buChar char="n"/>
             </a:pPr>
-            <a:endParaRPr lang="en-US" sz="2400" dirty="0"/>
+            <a:endParaRPr lang="en-US" sz="2400"/>
           </a:p>
         </p:txBody>
       </p:sp>

--- a/slides/Unit27_N Queens.pptx
+++ b/slides/Unit27_N Queens.pptx
@@ -15963,15 +15963,15 @@
               <a:buChar char="§"/>
             </a:pPr>
             <a:r>
-              <a:rPr lang="en-GB" dirty="0"/>
+              <a:rPr lang="en-GB"/>
               <a:t>Problem: </a:t>
             </a:r>
             <a:r>
-              <a:rPr lang="en-US" dirty="0"/>
+              <a:rPr lang="en-US"/>
               <a:t>Given a </a:t>
             </a:r>
             <a:r>
-              <a:rPr lang="en-US" dirty="0">
+              <a:rPr lang="en-US">
                 <a:solidFill>
                   <a:srgbClr val="0000FF"/>
                 </a:solidFill>
@@ -15979,11 +15979,11 @@
               <a:t>n</a:t>
             </a:r>
             <a:r>
-              <a:rPr lang="en-US" dirty="0"/>
+              <a:rPr lang="en-US"/>
               <a:t> x </a:t>
             </a:r>
             <a:r>
-              <a:rPr lang="en-US" dirty="0">
+              <a:rPr lang="en-US">
                 <a:solidFill>
                   <a:srgbClr val="0000FF"/>
                 </a:solidFill>
@@ -15991,11 +15991,11 @@
               <a:t>n</a:t>
             </a:r>
             <a:r>
-              <a:rPr lang="en-US" dirty="0"/>
+              <a:rPr lang="en-US"/>
               <a:t> chessboard, find a possible placement of </a:t>
             </a:r>
             <a:r>
-              <a:rPr lang="en-US" dirty="0">
+              <a:rPr lang="en-US">
                 <a:solidFill>
                   <a:srgbClr val="0000FF"/>
                 </a:solidFill>
@@ -16003,7 +16003,7 @@
               <a:t>n</a:t>
             </a:r>
             <a:r>
-              <a:rPr lang="en-US" dirty="0"/>
+              <a:rPr lang="en-US"/>
               <a:t> queens on the chessboard, such that the queens do not threaten each other</a:t>
             </a:r>
           </a:p>
@@ -16025,7 +16025,7 @@
               <a:buFont typeface="Wingdings" pitchFamily="2" charset="2"/>
               <a:buChar char="§"/>
             </a:pPr>
-            <a:endParaRPr lang="en-GB" sz="800" dirty="0"/>
+            <a:endParaRPr lang="en-GB" sz="800"/>
           </a:p>
           <a:p>
             <a:pPr marL="457200" indent="-457200" fontAlgn="auto">
@@ -16046,7 +16046,7 @@
               <a:buChar char="§"/>
             </a:pPr>
             <a:r>
-              <a:rPr lang="en-GB" dirty="0"/>
+              <a:rPr lang="en-GB"/>
               <a:t>Analysis</a:t>
             </a:r>
           </a:p>
@@ -16069,7 +16069,7 @@
               <a:buChar char="§"/>
             </a:pPr>
             <a:r>
-              <a:rPr lang="en-GB" dirty="0"/>
+              <a:rPr lang="en-GB"/>
               <a:t>A placement is a sequence of positions for n rows</a:t>
             </a:r>
           </a:p>
@@ -16091,7 +16091,7 @@
               <a:buFont typeface="Wingdings" pitchFamily="2" charset="2"/>
               <a:buChar char="§"/>
             </a:pPr>
-            <a:endParaRPr lang="en-GB" dirty="0"/>
+            <a:endParaRPr lang="en-GB"/>
           </a:p>
         </p:txBody>
       </p:sp>
@@ -16227,21 +16227,21 @@
               <a:buSzPct val="100000"/>
             </a:pPr>
             <a:r>
-              <a:rPr lang="en-GB" dirty="0"/>
+              <a:rPr lang="en-GB"/>
               <a:t>There cannot be repeated positions </a:t>
             </a:r>
             <a:br>
-              <a:rPr lang="en-GB" dirty="0"/>
+              <a:rPr lang="en-GB"/>
             </a:br>
             <a:r>
-              <a:rPr lang="en-GB" dirty="0"/>
+              <a:rPr lang="en-GB"/>
               <a:t>since two queens cannot be in the </a:t>
             </a:r>
             <a:br>
-              <a:rPr lang="en-GB" dirty="0"/>
+              <a:rPr lang="en-GB"/>
             </a:br>
             <a:r>
-              <a:rPr lang="en-GB" dirty="0"/>
+              <a:rPr lang="en-GB"/>
               <a:t>same column.</a:t>
             </a:r>
           </a:p>
@@ -18326,15 +18326,15 @@
               <a:buChar char="§"/>
             </a:pPr>
             <a:r>
-              <a:rPr lang="en-GB" dirty="0"/>
+              <a:rPr lang="en-GB"/>
               <a:t>Problem: </a:t>
             </a:r>
             <a:r>
-              <a:rPr lang="en-US" dirty="0"/>
+              <a:rPr lang="en-US"/>
               <a:t>Given a </a:t>
             </a:r>
             <a:r>
-              <a:rPr lang="en-US" dirty="0">
+              <a:rPr lang="en-US">
                 <a:solidFill>
                   <a:srgbClr val="0000FF"/>
                 </a:solidFill>
@@ -18342,11 +18342,11 @@
               <a:t>n</a:t>
             </a:r>
             <a:r>
-              <a:rPr lang="en-US" dirty="0"/>
+              <a:rPr lang="en-US"/>
               <a:t> x </a:t>
             </a:r>
             <a:r>
-              <a:rPr lang="en-US" dirty="0">
+              <a:rPr lang="en-US">
                 <a:solidFill>
                   <a:srgbClr val="0000FF"/>
                 </a:solidFill>
@@ -18354,11 +18354,11 @@
               <a:t>n</a:t>
             </a:r>
             <a:r>
-              <a:rPr lang="en-US" dirty="0"/>
+              <a:rPr lang="en-US"/>
               <a:t> chessboard, find a possible placement of </a:t>
             </a:r>
             <a:r>
-              <a:rPr lang="en-US" dirty="0">
+              <a:rPr lang="en-US">
                 <a:solidFill>
                   <a:srgbClr val="0000FF"/>
                 </a:solidFill>
@@ -18366,7 +18366,7 @@
               <a:t>n</a:t>
             </a:r>
             <a:r>
-              <a:rPr lang="en-US" dirty="0"/>
+              <a:rPr lang="en-US"/>
               <a:t> queens on the chessboard, such that the queens do not threaten each other</a:t>
             </a:r>
           </a:p>
@@ -18388,7 +18388,7 @@
               <a:buFont typeface="Wingdings" pitchFamily="2" charset="2"/>
               <a:buChar char="§"/>
             </a:pPr>
-            <a:endParaRPr lang="en-GB" dirty="0"/>
+            <a:endParaRPr lang="en-GB"/>
           </a:p>
           <a:p>
             <a:pPr marL="457200" indent="-457200" fontAlgn="auto">
@@ -18409,7 +18409,7 @@
               <a:buChar char="§"/>
             </a:pPr>
             <a:r>
-              <a:rPr lang="en-GB" dirty="0"/>
+              <a:rPr lang="en-GB"/>
               <a:t>Improvement</a:t>
             </a:r>
           </a:p>
@@ -18432,7 +18432,7 @@
               <a:buChar char="§"/>
             </a:pPr>
             <a:r>
-              <a:rPr lang="en-GB" dirty="0"/>
+              <a:rPr lang="en-GB"/>
               <a:t>Observation: Any placement starting with {'a', 'b', …} cannot work since the first two queens already threaten each other.</a:t>
             </a:r>
           </a:p>
@@ -18455,7 +18455,7 @@
               <a:buChar char="§"/>
             </a:pPr>
             <a:r>
-              <a:rPr lang="en-GB" dirty="0"/>
+              <a:rPr lang="en-GB"/>
               <a:t>Permutate further only if the existing positions of the placement does not fail the check.</a:t>
             </a:r>
           </a:p>
